--- a/Презентація.pptx
+++ b/Презентація.pptx
@@ -2,16 +2,17 @@
 <file path=ppt/presentation.xml><?xml version="1.0" encoding="utf-8"?>
 <p:presentation xmlns:a="http://schemas.openxmlformats.org/drawingml/2006/main" xmlns:r="http://schemas.openxmlformats.org/officeDocument/2006/relationships" xmlns:p="http://schemas.openxmlformats.org/presentationml/2006/main" saveSubsetFonts="1">
   <p:sldMasterIdLst>
-    <p:sldMasterId id="2147483660" r:id="rId1"/>
+    <p:sldMasterId id="2147483708" r:id="rId1"/>
   </p:sldMasterIdLst>
   <p:sldIdLst>
-    <p:sldId id="256" r:id="rId2"/>
+    <p:sldId id="264" r:id="rId2"/>
     <p:sldId id="257" r:id="rId3"/>
     <p:sldId id="258" r:id="rId4"/>
-    <p:sldId id="259" r:id="rId5"/>
-    <p:sldId id="260" r:id="rId6"/>
+    <p:sldId id="263" r:id="rId5"/>
+    <p:sldId id="259" r:id="rId6"/>
     <p:sldId id="261" r:id="rId7"/>
     <p:sldId id="262" r:id="rId8"/>
+    <p:sldId id="265" r:id="rId9"/>
   </p:sldIdLst>
   <p:sldSz cx="12192000" cy="6858000"/>
   <p:notesSz cx="6858000" cy="9144000"/>
@@ -119,7 +120,7 @@
 </file>
 
 <file path=ppt/slideLayouts/slideLayout1.xml><?xml version="1.0" encoding="utf-8"?>
-<p:sldLayout xmlns:a="http://schemas.openxmlformats.org/drawingml/2006/main" xmlns:r="http://schemas.openxmlformats.org/officeDocument/2006/relationships" xmlns:p="http://schemas.openxmlformats.org/presentationml/2006/main" type="title" preserve="1">
+<p:sldLayout xmlns:a="http://schemas.openxmlformats.org/drawingml/2006/main" xmlns:r="http://schemas.openxmlformats.org/officeDocument/2006/relationships" xmlns:p="http://schemas.openxmlformats.org/presentationml/2006/main" showMasterSp="0" type="title" preserve="1">
   <p:cSld name="Титульний слайд">
     <p:spTree>
       <p:nvGrpSpPr>
@@ -135,182 +136,439 @@
           <a:chExt cx="0" cy="0"/>
         </a:xfrm>
       </p:grpSpPr>
-      <p:sp>
-        <p:nvSpPr>
-          <p:cNvPr id="2" name="Title 1"/>
-          <p:cNvSpPr>
-            <a:spLocks noGrp="1"/>
-          </p:cNvSpPr>
-          <p:nvPr>
-            <p:ph type="ctrTitle"/>
-          </p:nvPr>
-        </p:nvSpPr>
+      <p:pic>
+        <p:nvPicPr>
+          <p:cNvPr id="7" name="Picture 6" descr="Brickwork-HD-R1a.jpg"/>
+          <p:cNvPicPr>
+            <a:picLocks noChangeAspect="1"/>
+          </p:cNvPicPr>
+          <p:nvPr/>
+        </p:nvPicPr>
+        <p:blipFill>
+          <a:blip r:embed="rId2">
+            <a:extLst>
+              <a:ext uri="{28A0092B-C50C-407E-A947-70E740481C1C}">
+                <a14:useLocalDpi xmlns:a14="http://schemas.microsoft.com/office/drawing/2010/main" val="0"/>
+              </a:ext>
+            </a:extLst>
+          </a:blip>
+          <a:stretch>
+            <a:fillRect/>
+          </a:stretch>
+        </p:blipFill>
         <p:spPr>
           <a:xfrm>
-            <a:off x="2209800" y="4464028"/>
-            <a:ext cx="9144000" cy="1641490"/>
+            <a:off x="0" y="0"/>
+            <a:ext cx="12192000" cy="6858000"/>
+          </a:xfrm>
+          <a:prstGeom prst="rect">
+            <a:avLst/>
+          </a:prstGeom>
+        </p:spPr>
+      </p:pic>
+      <p:sp useBgFill="1">
+        <p:nvSpPr>
+          <p:cNvPr id="12" name="Freeform 11"/>
+          <p:cNvSpPr/>
+          <p:nvPr/>
+        </p:nvSpPr>
+        <p:spPr>
+          <a:xfrm>
+            <a:off x="-15875" y="0"/>
+            <a:ext cx="11683810" cy="6588125"/>
+          </a:xfrm>
+          <a:custGeom>
+            <a:avLst/>
+            <a:gdLst/>
+            <a:ahLst/>
+            <a:cxnLst/>
+            <a:rect l="l" t="t" r="r" b="b"/>
+            <a:pathLst>
+              <a:path w="11683810" h="6588125">
+                <a:moveTo>
+                  <a:pt x="0" y="0"/>
+                </a:moveTo>
+                <a:lnTo>
+                  <a:pt x="11318691" y="0"/>
+                </a:lnTo>
+                <a:lnTo>
+                  <a:pt x="11683810" y="5976938"/>
+                </a:lnTo>
+                <a:lnTo>
+                  <a:pt x="15875" y="6588125"/>
+                </a:lnTo>
+                <a:cubicBezTo>
+                  <a:pt x="10583" y="4386792"/>
+                  <a:pt x="5292" y="2185458"/>
+                  <a:pt x="0" y="0"/>
+                </a:cubicBezTo>
+                <a:close/>
+              </a:path>
+            </a:pathLst>
+          </a:custGeom>
+          <a:ln>
+            <a:noFill/>
+          </a:ln>
+          <a:effectLst>
+            <a:outerShdw blurRad="101600" dist="152400" dir="4380000" algn="tl" rotWithShape="0">
+              <a:srgbClr val="000000">
+                <a:alpha val="43000"/>
+              </a:srgbClr>
+            </a:outerShdw>
+          </a:effectLst>
+        </p:spPr>
+        <p:style>
+          <a:lnRef idx="1">
+            <a:schemeClr val="accent1"/>
+          </a:lnRef>
+          <a:fillRef idx="3">
+            <a:schemeClr val="accent1"/>
+          </a:fillRef>
+          <a:effectRef idx="2">
+            <a:schemeClr val="accent1"/>
+          </a:effectRef>
+          <a:fontRef idx="minor">
+            <a:schemeClr val="lt1"/>
+          </a:fontRef>
+        </p:style>
+      </p:sp>
+      <p:sp>
+        <p:nvSpPr>
+          <p:cNvPr id="14" name="Freeform 13"/>
+          <p:cNvSpPr/>
+          <p:nvPr/>
+        </p:nvSpPr>
+        <p:spPr>
+          <a:xfrm>
+            <a:off x="0" y="4282257"/>
+            <a:ext cx="11329257" cy="2028845"/>
+          </a:xfrm>
+          <a:custGeom>
+            <a:avLst/>
+            <a:gdLst/>
+            <a:ahLst/>
+            <a:cxnLst/>
+            <a:rect l="l" t="t" r="r" b="b"/>
+            <a:pathLst>
+              <a:path w="11329257" h="2028845">
+                <a:moveTo>
+                  <a:pt x="0" y="588520"/>
+                </a:moveTo>
+                <a:lnTo>
+                  <a:pt x="11244075" y="0"/>
+                </a:lnTo>
+                <a:lnTo>
+                  <a:pt x="11329257" y="1424838"/>
+                </a:lnTo>
+                <a:lnTo>
+                  <a:pt x="0" y="2028845"/>
+                </a:lnTo>
+                <a:lnTo>
+                  <a:pt x="0" y="588520"/>
+                </a:lnTo>
+                <a:close/>
+              </a:path>
+            </a:pathLst>
+          </a:custGeom>
+          <a:gradFill flip="none" rotWithShape="1">
+            <a:gsLst>
+              <a:gs pos="34000">
+                <a:schemeClr val="accent1"/>
+              </a:gs>
+              <a:gs pos="100000">
+                <a:schemeClr val="accent1">
+                  <a:lumMod val="50000"/>
+                </a:schemeClr>
+              </a:gs>
+            </a:gsLst>
+            <a:path path="circle">
+              <a:fillToRect l="50000" t="50000" r="50000" b="50000"/>
+            </a:path>
+            <a:tileRect/>
+          </a:gradFill>
+          <a:ln>
+            <a:noFill/>
+          </a:ln>
+        </p:spPr>
+        <p:style>
+          <a:lnRef idx="1">
+            <a:schemeClr val="accent1"/>
+          </a:lnRef>
+          <a:fillRef idx="3">
+            <a:schemeClr val="accent1"/>
+          </a:fillRef>
+          <a:effectRef idx="2">
+            <a:schemeClr val="accent1"/>
+          </a:effectRef>
+          <a:fontRef idx="minor">
+            <a:schemeClr val="lt1"/>
+          </a:fontRef>
+        </p:style>
+      </p:sp>
+      <p:sp>
+        <p:nvSpPr>
+          <p:cNvPr id="26" name="Freeform 25"/>
+          <p:cNvSpPr/>
+          <p:nvPr/>
+        </p:nvSpPr>
+        <p:spPr>
+          <a:xfrm>
+            <a:off x="0" y="0"/>
+            <a:ext cx="8719579" cy="456877"/>
+          </a:xfrm>
+          <a:custGeom>
+            <a:avLst/>
+            <a:gdLst/>
+            <a:ahLst/>
+            <a:cxnLst/>
+            <a:rect l="l" t="t" r="r" b="b"/>
+            <a:pathLst>
+              <a:path w="8719579" h="456877">
+                <a:moveTo>
+                  <a:pt x="0" y="0"/>
+                </a:moveTo>
+                <a:lnTo>
+                  <a:pt x="8719579" y="0"/>
+                </a:lnTo>
+                <a:lnTo>
+                  <a:pt x="0" y="456877"/>
+                </a:lnTo>
+                <a:lnTo>
+                  <a:pt x="0" y="0"/>
+                </a:lnTo>
+                <a:close/>
+              </a:path>
+            </a:pathLst>
+          </a:custGeom>
+          <a:gradFill flip="none" rotWithShape="1">
+            <a:gsLst>
+              <a:gs pos="34000">
+                <a:schemeClr val="accent1"/>
+              </a:gs>
+              <a:gs pos="100000">
+                <a:schemeClr val="accent1">
+                  <a:lumMod val="50000"/>
+                </a:schemeClr>
+              </a:gs>
+            </a:gsLst>
+            <a:path path="circle">
+              <a:fillToRect l="50000" t="50000" r="50000" b="50000"/>
+            </a:path>
+            <a:tileRect/>
+          </a:gradFill>
+          <a:ln>
+            <a:noFill/>
+          </a:ln>
+        </p:spPr>
+        <p:style>
+          <a:lnRef idx="1">
+            <a:schemeClr val="accent1"/>
+          </a:lnRef>
+          <a:fillRef idx="3">
+            <a:schemeClr val="accent1"/>
+          </a:fillRef>
+          <a:effectRef idx="2">
+            <a:schemeClr val="accent1"/>
+          </a:effectRef>
+          <a:fontRef idx="minor">
+            <a:schemeClr val="lt1"/>
+          </a:fontRef>
+        </p:style>
+      </p:sp>
+      <p:sp>
+        <p:nvSpPr>
+          <p:cNvPr id="15" name="Freeform 14"/>
+          <p:cNvSpPr/>
+          <p:nvPr/>
+        </p:nvSpPr>
+        <p:spPr>
+          <a:xfrm rot="21420000">
+            <a:off x="-161800" y="293317"/>
+            <a:ext cx="11367116" cy="5751804"/>
+          </a:xfrm>
+          <a:custGeom>
+            <a:avLst/>
+            <a:gdLst/>
+            <a:ahLst/>
+            <a:cxnLst/>
+            <a:rect l="l" t="t" r="r" b="b"/>
+            <a:pathLst>
+              <a:path w="11367116" h="5751804">
+                <a:moveTo>
+                  <a:pt x="11346705" y="0"/>
+                </a:moveTo>
+                <a:cubicBezTo>
+                  <a:pt x="11353509" y="1915114"/>
+                  <a:pt x="11360312" y="3830229"/>
+                  <a:pt x="11367116" y="5745343"/>
+                </a:cubicBezTo>
+                <a:lnTo>
+                  <a:pt x="0" y="5751804"/>
+                </a:lnTo>
+              </a:path>
+            </a:pathLst>
+          </a:custGeom>
+          <a:ln w="82550">
+            <a:solidFill>
+              <a:schemeClr val="tx1">
+                <a:lumMod val="50000"/>
+                <a:lumOff val="50000"/>
+              </a:schemeClr>
+            </a:solidFill>
+            <a:miter lim="800000"/>
+          </a:ln>
+        </p:spPr>
+        <p:style>
+          <a:lnRef idx="2">
+            <a:schemeClr val="accent1"/>
+          </a:lnRef>
+          <a:fillRef idx="0">
+            <a:schemeClr val="accent1"/>
+          </a:fillRef>
+          <a:effectRef idx="1">
+            <a:schemeClr val="accent1"/>
+          </a:effectRef>
+          <a:fontRef idx="minor">
+            <a:schemeClr val="tx1"/>
+          </a:fontRef>
+        </p:style>
+      </p:sp>
+      <p:sp>
+        <p:nvSpPr>
+          <p:cNvPr id="2" name="Title 1"/>
+          <p:cNvSpPr>
+            <a:spLocks noGrp="1"/>
+          </p:cNvSpPr>
+          <p:nvPr>
+            <p:ph type="ctrTitle"/>
+          </p:nvPr>
+        </p:nvSpPr>
+        <p:spPr>
+          <a:xfrm rot="21420000">
+            <a:off x="891201" y="662656"/>
+            <a:ext cx="9755187" cy="2766528"/>
           </a:xfrm>
         </p:spPr>
         <p:txBody>
-          <a:bodyPr wrap="none" anchor="t">
+          <a:bodyPr anchor="b">
             <a:normAutofit/>
           </a:bodyPr>
           <a:lstStyle>
             <a:lvl1pPr algn="r">
-              <a:defRPr sz="9600" b="0" spc="-300">
-                <a:gradFill flip="none" rotWithShape="1">
-                  <a:gsLst>
-                    <a:gs pos="32000">
-                      <a:schemeClr val="tx1">
-                        <a:lumMod val="89000"/>
-                      </a:schemeClr>
-                    </a:gs>
-                    <a:gs pos="0">
-                      <a:schemeClr val="bg1">
-                        <a:lumMod val="41000"/>
-                        <a:lumOff val="59000"/>
-                      </a:schemeClr>
-                    </a:gs>
-                    <a:gs pos="100000">
-                      <a:schemeClr val="tx2">
-                        <a:lumMod val="0"/>
-                        <a:lumOff val="100000"/>
-                      </a:schemeClr>
-                    </a:gs>
-                  </a:gsLst>
-                  <a:lin ang="8100000" scaled="1"/>
-                  <a:tileRect/>
-                </a:gradFill>
-                <a:effectLst>
-                  <a:outerShdw blurRad="469900" dist="342900" dir="5400000" sy="-20000" rotWithShape="0">
-                    <a:prstClr val="black">
-                      <a:alpha val="66000"/>
-                    </a:prstClr>
-                  </a:outerShdw>
-                </a:effectLst>
-                <a:latin typeface="+mj-lt"/>
+              <a:defRPr sz="8000"/>
+            </a:lvl1pPr>
+          </a:lstStyle>
+          <a:p>
+            <a:r>
+              <a:rPr lang="uk-UA"/>
+              <a:t>Клацніть, щоб редагувати стиль зразка заголовка</a:t>
+            </a:r>
+            <a:endParaRPr lang="en-US" dirty="0"/>
+          </a:p>
+        </p:txBody>
+      </p:sp>
+      <p:sp>
+        <p:nvSpPr>
+          <p:cNvPr id="3" name="Subtitle 2"/>
+          <p:cNvSpPr>
+            <a:spLocks noGrp="1"/>
+          </p:cNvSpPr>
+          <p:nvPr>
+            <p:ph type="subTitle" idx="1"/>
+          </p:nvPr>
+        </p:nvSpPr>
+        <p:spPr>
+          <a:xfrm rot="21420000">
+            <a:off x="983062" y="3505209"/>
+            <a:ext cx="9755187" cy="550333"/>
+          </a:xfrm>
+        </p:spPr>
+        <p:txBody>
+          <a:bodyPr anchor="t">
+            <a:noAutofit/>
+          </a:bodyPr>
+          <a:lstStyle>
+            <a:lvl1pPr marL="0" indent="0" algn="r">
+              <a:buNone/>
+              <a:defRPr sz="2800">
+                <a:solidFill>
+                  <a:schemeClr val="bg1">
+                    <a:lumMod val="50000"/>
+                  </a:schemeClr>
+                </a:solidFill>
+              </a:defRPr>
+            </a:lvl1pPr>
+            <a:lvl2pPr marL="457200" indent="0" algn="ctr">
+              <a:buNone/>
+              <a:defRPr sz="2000"/>
+            </a:lvl2pPr>
+            <a:lvl3pPr marL="914400" indent="0" algn="ctr">
+              <a:buNone/>
+              <a:defRPr sz="1800"/>
+            </a:lvl3pPr>
+            <a:lvl4pPr marL="1371600" indent="0" algn="ctr">
+              <a:buNone/>
+              <a:defRPr sz="1600"/>
+            </a:lvl4pPr>
+            <a:lvl5pPr marL="1828800" indent="0" algn="ctr">
+              <a:buNone/>
+              <a:defRPr sz="1600"/>
+            </a:lvl5pPr>
+            <a:lvl6pPr marL="2286000" indent="0" algn="ctr">
+              <a:buNone/>
+              <a:defRPr sz="1600"/>
+            </a:lvl6pPr>
+            <a:lvl7pPr marL="2743200" indent="0" algn="ctr">
+              <a:buNone/>
+              <a:defRPr sz="1600"/>
+            </a:lvl7pPr>
+            <a:lvl8pPr marL="3200400" indent="0" algn="ctr">
+              <a:buNone/>
+              <a:defRPr sz="1600"/>
+            </a:lvl8pPr>
+            <a:lvl9pPr marL="3657600" indent="0" algn="ctr">
+              <a:buNone/>
+              <a:defRPr sz="1600"/>
+            </a:lvl9pPr>
+          </a:lstStyle>
+          <a:p>
+            <a:r>
+              <a:rPr lang="uk-UA"/>
+              <a:t>Клацніть, щоб редагувати стиль зразка підзаголовка</a:t>
+            </a:r>
+            <a:endParaRPr lang="en-US" dirty="0"/>
+          </a:p>
+        </p:txBody>
+      </p:sp>
+      <p:sp>
+        <p:nvSpPr>
+          <p:cNvPr id="4" name="Date Placeholder 3"/>
+          <p:cNvSpPr>
+            <a:spLocks noGrp="1"/>
+          </p:cNvSpPr>
+          <p:nvPr>
+            <p:ph type="dt" sz="half" idx="10"/>
+          </p:nvPr>
+        </p:nvSpPr>
+        <p:spPr>
+          <a:xfrm rot="21420000">
+            <a:off x="4948541" y="4578463"/>
+            <a:ext cx="6143653" cy="1163112"/>
+          </a:xfrm>
+        </p:spPr>
+        <p:txBody>
+          <a:bodyPr/>
+          <a:lstStyle>
+            <a:lvl1pPr algn="ctr">
+              <a:defRPr sz="5400">
+                <a:solidFill>
+                  <a:schemeClr val="accent1">
+                    <a:lumMod val="50000"/>
+                  </a:schemeClr>
+                </a:solidFill>
               </a:defRPr>
             </a:lvl1pPr>
           </a:lstStyle>
-          <a:p>
-            <a:r>
-              <a:rPr lang="uk-UA"/>
-              <a:t>Клацніть, щоб редагувати стиль зразка заголовка</a:t>
-            </a:r>
-            <a:endParaRPr lang="en-US" dirty="0"/>
-          </a:p>
-        </p:txBody>
-      </p:sp>
-      <p:sp>
-        <p:nvSpPr>
-          <p:cNvPr id="3" name="Subtitle 2"/>
-          <p:cNvSpPr>
-            <a:spLocks noGrp="1"/>
-          </p:cNvSpPr>
-          <p:nvPr>
-            <p:ph type="subTitle" idx="1"/>
-          </p:nvPr>
-        </p:nvSpPr>
-        <p:spPr>
-          <a:xfrm>
-            <a:off x="2209799" y="3694375"/>
-            <a:ext cx="9144000" cy="754025"/>
-          </a:xfrm>
-        </p:spPr>
-        <p:txBody>
-          <a:bodyPr anchor="b">
-            <a:normAutofit/>
-          </a:bodyPr>
-          <a:lstStyle>
-            <a:lvl1pPr marL="0" indent="0" algn="r">
-              <a:buNone/>
-              <a:defRPr sz="3200" b="0">
-                <a:gradFill flip="none" rotWithShape="1">
-                  <a:gsLst>
-                    <a:gs pos="15000">
-                      <a:schemeClr val="tx2"/>
-                    </a:gs>
-                    <a:gs pos="73000">
-                      <a:schemeClr val="tx2">
-                        <a:lumMod val="60000"/>
-                        <a:lumOff val="40000"/>
-                      </a:schemeClr>
-                    </a:gs>
-                    <a:gs pos="0">
-                      <a:schemeClr val="tx2">
-                        <a:lumMod val="90000"/>
-                        <a:lumOff val="10000"/>
-                      </a:schemeClr>
-                    </a:gs>
-                    <a:gs pos="100000">
-                      <a:schemeClr val="tx2">
-                        <a:lumMod val="0"/>
-                        <a:lumOff val="100000"/>
-                      </a:schemeClr>
-                    </a:gs>
-                  </a:gsLst>
-                  <a:lin ang="16200000" scaled="1"/>
-                  <a:tileRect/>
-                </a:gradFill>
-                <a:latin typeface="+mj-lt"/>
-              </a:defRPr>
-            </a:lvl1pPr>
-            <a:lvl2pPr marL="457200" indent="0" algn="ctr">
-              <a:buNone/>
-              <a:defRPr sz="2000"/>
-            </a:lvl2pPr>
-            <a:lvl3pPr marL="914400" indent="0" algn="ctr">
-              <a:buNone/>
-              <a:defRPr sz="1800"/>
-            </a:lvl3pPr>
-            <a:lvl4pPr marL="1371600" indent="0" algn="ctr">
-              <a:buNone/>
-              <a:defRPr sz="1600"/>
-            </a:lvl4pPr>
-            <a:lvl5pPr marL="1828800" indent="0" algn="ctr">
-              <a:buNone/>
-              <a:defRPr sz="1600"/>
-            </a:lvl5pPr>
-            <a:lvl6pPr marL="2286000" indent="0" algn="ctr">
-              <a:buNone/>
-              <a:defRPr sz="1600"/>
-            </a:lvl6pPr>
-            <a:lvl7pPr marL="2743200" indent="0" algn="ctr">
-              <a:buNone/>
-              <a:defRPr sz="1600"/>
-            </a:lvl7pPr>
-            <a:lvl8pPr marL="3200400" indent="0" algn="ctr">
-              <a:buNone/>
-              <a:defRPr sz="1600"/>
-            </a:lvl8pPr>
-            <a:lvl9pPr marL="3657600" indent="0" algn="ctr">
-              <a:buNone/>
-              <a:defRPr sz="1600"/>
-            </a:lvl9pPr>
-          </a:lstStyle>
-          <a:p>
-            <a:r>
-              <a:rPr lang="uk-UA"/>
-              <a:t>Клацніть, щоб редагувати стиль зразка підзаголовка</a:t>
-            </a:r>
-            <a:endParaRPr lang="en-US" dirty="0"/>
-          </a:p>
-        </p:txBody>
-      </p:sp>
-      <p:sp>
-        <p:nvSpPr>
-          <p:cNvPr id="7" name="Date Placeholder 6"/>
-          <p:cNvSpPr>
-            <a:spLocks noGrp="1"/>
-          </p:cNvSpPr>
-          <p:nvPr>
-            <p:ph type="dt" sz="half" idx="10"/>
-          </p:nvPr>
-        </p:nvSpPr>
-        <p:spPr/>
-        <p:txBody>
-          <a:bodyPr/>
-          <a:lstStyle/>
           <a:p>
             <a:fld id="{BFB6413F-5667-4D3A-98B8-9E531F53339B}" type="datetimeFigureOut">
               <a:rPr lang="uk-UA" smtClean="0"/>
@@ -322,7 +580,7 @@
       </p:sp>
       <p:sp>
         <p:nvSpPr>
-          <p:cNvPr id="8" name="Footer Placeholder 7"/>
+          <p:cNvPr id="5" name="Footer Placeholder 4"/>
           <p:cNvSpPr>
             <a:spLocks noGrp="1"/>
           </p:cNvSpPr>
@@ -330,29 +588,54 @@
             <p:ph type="ftr" sz="quarter" idx="11"/>
           </p:nvPr>
         </p:nvSpPr>
-        <p:spPr/>
+        <p:spPr>
+          <a:xfrm rot="21420000">
+            <a:off x="-5560" y="4883024"/>
+            <a:ext cx="4047239" cy="1195538"/>
+          </a:xfrm>
+        </p:spPr>
+        <p:txBody>
+          <a:bodyPr vert="horz" lIns="91440" tIns="45720" rIns="91440" bIns="45720" rtlCol="0" anchor="ctr"/>
+          <a:lstStyle>
+            <a:lvl1pPr algn="r">
+              <a:defRPr lang="en-US" sz="5400" dirty="0"/>
+            </a:lvl1pPr>
+          </a:lstStyle>
+          <a:p>
+            <a:endParaRPr lang="uk-UA"/>
+          </a:p>
+        </p:txBody>
+      </p:sp>
+      <p:sp>
+        <p:nvSpPr>
+          <p:cNvPr id="6" name="Slide Number Placeholder 5"/>
+          <p:cNvSpPr>
+            <a:spLocks noGrp="1"/>
+          </p:cNvSpPr>
+          <p:nvPr>
+            <p:ph type="sldNum" sz="quarter" idx="12"/>
+          </p:nvPr>
+        </p:nvSpPr>
+        <p:spPr>
+          <a:xfrm rot="21420000">
+            <a:off x="9851758" y="3832648"/>
+            <a:ext cx="907186" cy="498470"/>
+          </a:xfrm>
+        </p:spPr>
         <p:txBody>
           <a:bodyPr/>
-          <a:lstStyle/>
-          <a:p>
-            <a:endParaRPr lang="uk-UA"/>
-          </a:p>
-        </p:txBody>
-      </p:sp>
-      <p:sp>
-        <p:nvSpPr>
-          <p:cNvPr id="9" name="Slide Number Placeholder 8"/>
-          <p:cNvSpPr>
-            <a:spLocks noGrp="1"/>
-          </p:cNvSpPr>
-          <p:nvPr>
-            <p:ph type="sldNum" sz="quarter" idx="12"/>
-          </p:nvPr>
-        </p:nvSpPr>
-        <p:spPr/>
-        <p:txBody>
-          <a:bodyPr/>
-          <a:lstStyle/>
+          <a:lstStyle>
+            <a:lvl1pPr>
+              <a:defRPr sz="2400">
+                <a:solidFill>
+                  <a:schemeClr val="tx1">
+                    <a:lumMod val="75000"/>
+                    <a:lumOff val="25000"/>
+                  </a:schemeClr>
+                </a:solidFill>
+              </a:defRPr>
+            </a:lvl1pPr>
+          </a:lstStyle>
           <a:p>
             <a:fld id="{C259E50E-2C08-43E4-AC45-25B7D1D472F7}" type="slidenum">
               <a:rPr lang="uk-UA" smtClean="0"/>
@@ -362,10 +645,52 @@
           </a:p>
         </p:txBody>
       </p:sp>
+      <p:sp>
+        <p:nvSpPr>
+          <p:cNvPr id="25" name="5-Point Star 24"/>
+          <p:cNvSpPr/>
+          <p:nvPr/>
+        </p:nvSpPr>
+        <p:spPr>
+          <a:xfrm rot="21420000">
+            <a:off x="4221385" y="5111356"/>
+            <a:ext cx="515386" cy="515386"/>
+          </a:xfrm>
+          <a:prstGeom prst="star5">
+            <a:avLst>
+              <a:gd name="adj" fmla="val 26693"/>
+              <a:gd name="hf" fmla="val 105146"/>
+              <a:gd name="vf" fmla="val 110557"/>
+            </a:avLst>
+          </a:prstGeom>
+          <a:solidFill>
+            <a:schemeClr val="tx1">
+              <a:alpha val="40000"/>
+            </a:schemeClr>
+          </a:solidFill>
+          <a:ln>
+            <a:noFill/>
+          </a:ln>
+        </p:spPr>
+        <p:style>
+          <a:lnRef idx="1">
+            <a:schemeClr val="accent1"/>
+          </a:lnRef>
+          <a:fillRef idx="3">
+            <a:schemeClr val="accent1"/>
+          </a:fillRef>
+          <a:effectRef idx="2">
+            <a:schemeClr val="accent1"/>
+          </a:effectRef>
+          <a:fontRef idx="minor">
+            <a:schemeClr val="lt1"/>
+          </a:fontRef>
+        </p:style>
+      </p:sp>
     </p:spTree>
     <p:extLst>
       <p:ext uri="{BB962C8B-B14F-4D97-AF65-F5344CB8AC3E}">
-        <p14:creationId xmlns:p14="http://schemas.microsoft.com/office/powerpoint/2010/main" val="600679890"/>
+        <p14:creationId xmlns:p14="http://schemas.microsoft.com/office/powerpoint/2010/main" val="2037358477"/>
       </p:ext>
     </p:extLst>
   </p:cSld>
@@ -404,8 +729,8 @@
         </p:nvSpPr>
         <p:spPr>
           <a:xfrm>
-            <a:off x="839788" y="4367160"/>
-            <a:ext cx="10515600" cy="819355"/>
+            <a:off x="685800" y="4106333"/>
+            <a:ext cx="10394708" cy="588846"/>
           </a:xfrm>
         </p:spPr>
         <p:txBody>
@@ -436,14 +761,22 @@
         </p:nvSpPr>
         <p:spPr>
           <a:xfrm>
-            <a:off x="839788" y="987425"/>
-            <a:ext cx="10515600" cy="3379735"/>
+            <a:off x="685801" y="685799"/>
+            <a:ext cx="10392513" cy="3194903"/>
           </a:xfrm>
+          <a:ln w="57150" cmpd="thinThick">
+            <a:solidFill>
+              <a:schemeClr val="bg1">
+                <a:lumMod val="50000"/>
+              </a:schemeClr>
+            </a:solidFill>
+            <a:miter lim="800000"/>
+          </a:ln>
         </p:spPr>
         <p:txBody>
           <a:bodyPr anchor="t"/>
           <a:lstStyle>
-            <a:lvl1pPr marL="0" indent="0">
+            <a:lvl1pPr marL="0" indent="0" algn="ctr">
               <a:buNone/>
               <a:defRPr sz="3200"/>
             </a:lvl1pPr>
@@ -501,40 +834,16 @@
         </p:nvSpPr>
         <p:spPr>
           <a:xfrm>
-            <a:off x="839788" y="5186516"/>
-            <a:ext cx="10514012" cy="682472"/>
+            <a:off x="685780" y="4702923"/>
+            <a:ext cx="10394728" cy="682472"/>
           </a:xfrm>
         </p:spPr>
         <p:txBody>
-          <a:bodyPr/>
+          <a:bodyPr anchor="t"/>
           <a:lstStyle>
-            <a:lvl1pPr marL="0" indent="0">
-              <a:buNone/>
-              <a:defRPr sz="1600">
-                <a:gradFill>
-                  <a:gsLst>
-                    <a:gs pos="15000">
-                      <a:schemeClr val="tx2"/>
-                    </a:gs>
-                    <a:gs pos="73000">
-                      <a:schemeClr val="tx2">
-                        <a:lumMod val="60000"/>
-                        <a:lumOff val="40000"/>
-                      </a:schemeClr>
-                    </a:gs>
-                    <a:gs pos="0">
-                      <a:schemeClr val="tx1"/>
-                    </a:gs>
-                    <a:gs pos="100000">
-                      <a:schemeClr val="tx2">
-                        <a:lumMod val="0"/>
-                        <a:lumOff val="100000"/>
-                      </a:schemeClr>
-                    </a:gs>
-                  </a:gsLst>
-                  <a:lin ang="16200000" scaled="1"/>
-                </a:gradFill>
-              </a:defRPr>
+            <a:lvl1pPr marL="0" indent="0" algn="l">
+              <a:buNone/>
+              <a:defRPr sz="1600"/>
             </a:lvl1pPr>
             <a:lvl2pPr marL="457200" indent="0">
               <a:buNone/>
@@ -646,7 +955,7 @@
     </p:spTree>
     <p:extLst>
       <p:ext uri="{BB962C8B-B14F-4D97-AF65-F5344CB8AC3E}">
-        <p14:creationId xmlns:p14="http://schemas.microsoft.com/office/powerpoint/2010/main" val="2468051019"/>
+        <p14:creationId xmlns:p14="http://schemas.microsoft.com/office/powerpoint/2010/main" val="2256811766"/>
       </p:ext>
     </p:extLst>
   </p:cSld>
@@ -685,15 +994,17 @@
         </p:nvSpPr>
         <p:spPr>
           <a:xfrm>
-            <a:off x="839788" y="365125"/>
-            <a:ext cx="10515600" cy="3534344"/>
+            <a:off x="685801" y="685800"/>
+            <a:ext cx="10396902" cy="3194903"/>
           </a:xfrm>
         </p:spPr>
         <p:txBody>
-          <a:bodyPr anchor="ctr"/>
+          <a:bodyPr anchor="ctr">
+            <a:normAutofit/>
+          </a:bodyPr>
           <a:lstStyle>
-            <a:lvl1pPr>
-              <a:defRPr sz="3200"/>
+            <a:lvl1pPr algn="ctr">
+              <a:defRPr sz="4800"/>
             </a:lvl1pPr>
           </a:lstStyle>
           <a:p>
@@ -717,16 +1028,18 @@
         </p:nvSpPr>
         <p:spPr>
           <a:xfrm>
-            <a:off x="839788" y="4489399"/>
-            <a:ext cx="10514012" cy="1501826"/>
+            <a:off x="685779" y="4106333"/>
+            <a:ext cx="10394729" cy="1273606"/>
           </a:xfrm>
         </p:spPr>
         <p:txBody>
-          <a:bodyPr anchor="ctr"/>
+          <a:bodyPr anchor="ctr">
+            <a:normAutofit/>
+          </a:bodyPr>
           <a:lstStyle>
-            <a:lvl1pPr marL="0" indent="0">
-              <a:buNone/>
-              <a:defRPr sz="1600"/>
+            <a:lvl1pPr marL="0" indent="0" algn="ctr">
+              <a:buNone/>
+              <a:defRPr sz="1800"/>
             </a:lvl1pPr>
             <a:lvl2pPr marL="457200" indent="0">
               <a:buNone/>
@@ -838,7 +1151,7 @@
     </p:spTree>
     <p:extLst>
       <p:ext uri="{BB962C8B-B14F-4D97-AF65-F5344CB8AC3E}">
-        <p14:creationId xmlns:p14="http://schemas.microsoft.com/office/powerpoint/2010/main" val="2115031144"/>
+        <p14:creationId xmlns:p14="http://schemas.microsoft.com/office/powerpoint/2010/main" val="4177408120"/>
       </p:ext>
     </p:extLst>
   </p:cSld>
@@ -877,15 +1190,17 @@
         </p:nvSpPr>
         <p:spPr>
           <a:xfrm>
-            <a:off x="1446212" y="365125"/>
-            <a:ext cx="9302752" cy="2992904"/>
+            <a:off x="1121732" y="685800"/>
+            <a:ext cx="9525020" cy="2916704"/>
           </a:xfrm>
         </p:spPr>
         <p:txBody>
-          <a:bodyPr anchor="ctr"/>
+          <a:bodyPr anchor="ctr">
+            <a:normAutofit/>
+          </a:bodyPr>
           <a:lstStyle>
-            <a:lvl1pPr>
-              <a:defRPr sz="4400"/>
+            <a:lvl1pPr algn="ctr">
+              <a:defRPr sz="4800"/>
             </a:lvl1pPr>
           </a:lstStyle>
           <a:p>
@@ -909,8 +1224,8 @@
         </p:nvSpPr>
         <p:spPr>
           <a:xfrm>
-            <a:off x="1720644" y="3365557"/>
-            <a:ext cx="8752299" cy="548968"/>
+            <a:off x="1550264" y="3610032"/>
+            <a:ext cx="8667956" cy="377768"/>
           </a:xfrm>
         </p:spPr>
         <p:txBody>
@@ -918,9 +1233,16 @@
             <a:normAutofit/>
           </a:bodyPr>
           <a:lstStyle>
-            <a:lvl1pPr marL="0" indent="0">
-              <a:buNone/>
-              <a:defRPr sz="1400"/>
+            <a:lvl1pPr marL="0" indent="0" algn="r">
+              <a:buNone/>
+              <a:defRPr sz="1400">
+                <a:solidFill>
+                  <a:schemeClr val="tx1">
+                    <a:lumMod val="50000"/>
+                    <a:lumOff val="50000"/>
+                  </a:schemeClr>
+                </a:solidFill>
+              </a:defRPr>
             </a:lvl1pPr>
             <a:lvl2pPr marL="457200" indent="0">
               <a:buNone/>
@@ -976,8 +1298,8 @@
         </p:nvSpPr>
         <p:spPr>
           <a:xfrm>
-            <a:off x="838200" y="4501729"/>
-            <a:ext cx="10512424" cy="1489496"/>
+            <a:off x="685801" y="4106334"/>
+            <a:ext cx="10396882" cy="1268252"/>
           </a:xfrm>
         </p:spPr>
         <p:txBody>
@@ -985,9 +1307,9 @@
             <a:normAutofit/>
           </a:bodyPr>
           <a:lstStyle>
-            <a:lvl1pPr marL="0" indent="0">
-              <a:buNone/>
-              <a:defRPr sz="1600"/>
+            <a:lvl1pPr marL="0" indent="0" algn="ctr">
+              <a:buNone/>
+              <a:defRPr sz="1800"/>
             </a:lvl1pPr>
             <a:lvl2pPr marL="457200" indent="0">
               <a:buNone/>
@@ -1098,13 +1420,13 @@
       </p:sp>
       <p:sp>
         <p:nvSpPr>
-          <p:cNvPr id="9" name="TextBox 8"/>
+          <p:cNvPr id="13" name="TextBox 12"/>
           <p:cNvSpPr txBox="1"/>
           <p:nvPr/>
         </p:nvSpPr>
         <p:spPr>
           <a:xfrm>
-            <a:off x="1111044" y="786824"/>
+            <a:off x="685801" y="892628"/>
             <a:ext cx="609600" cy="584776"/>
           </a:xfrm>
           <a:prstGeom prst="rect">
@@ -1214,13 +1536,13 @@
       </p:sp>
       <p:sp>
         <p:nvSpPr>
-          <p:cNvPr id="10" name="TextBox 9"/>
+          <p:cNvPr id="14" name="TextBox 13"/>
           <p:cNvSpPr txBox="1"/>
           <p:nvPr/>
         </p:nvSpPr>
         <p:spPr>
           <a:xfrm>
-            <a:off x="10437812" y="2743200"/>
+            <a:off x="10473083" y="2922827"/>
             <a:ext cx="609600" cy="584776"/>
           </a:xfrm>
           <a:prstGeom prst="rect">
@@ -1331,7 +1653,7 @@
     </p:spTree>
     <p:extLst>
       <p:ext uri="{BB962C8B-B14F-4D97-AF65-F5344CB8AC3E}">
-        <p14:creationId xmlns:p14="http://schemas.microsoft.com/office/powerpoint/2010/main" val="2226710236"/>
+        <p14:creationId xmlns:p14="http://schemas.microsoft.com/office/powerpoint/2010/main" val="3366039737"/>
       </p:ext>
     </p:extLst>
   </p:cSld>
@@ -1370,8 +1692,8 @@
         </p:nvSpPr>
         <p:spPr>
           <a:xfrm>
-            <a:off x="839788" y="2326967"/>
-            <a:ext cx="10515600" cy="2511835"/>
+            <a:off x="685800" y="1723854"/>
+            <a:ext cx="10394707" cy="2511835"/>
           </a:xfrm>
         </p:spPr>
         <p:txBody>
@@ -1379,8 +1701,8 @@
             <a:normAutofit/>
           </a:bodyPr>
           <a:lstStyle>
-            <a:lvl1pPr>
-              <a:defRPr sz="5400"/>
+            <a:lvl1pPr algn="l">
+              <a:defRPr sz="4800"/>
             </a:lvl1pPr>
           </a:lstStyle>
           <a:p>
@@ -1404,16 +1726,18 @@
         </p:nvSpPr>
         <p:spPr>
           <a:xfrm>
-            <a:off x="839788" y="4850581"/>
-            <a:ext cx="10514012" cy="1140644"/>
+            <a:off x="685800" y="4247468"/>
+            <a:ext cx="10394707" cy="1140644"/>
           </a:xfrm>
         </p:spPr>
         <p:txBody>
-          <a:bodyPr anchor="t"/>
+          <a:bodyPr anchor="t">
+            <a:normAutofit/>
+          </a:bodyPr>
           <a:lstStyle>
-            <a:lvl1pPr marL="0" indent="0">
-              <a:buNone/>
-              <a:defRPr sz="1600"/>
+            <a:lvl1pPr marL="0" indent="0" algn="l">
+              <a:buNone/>
+              <a:defRPr sz="1800"/>
             </a:lvl1pPr>
             <a:lvl2pPr marL="457200" indent="0">
               <a:buNone/>
@@ -1525,7 +1849,7 @@
     </p:spTree>
     <p:extLst>
       <p:ext uri="{BB962C8B-B14F-4D97-AF65-F5344CB8AC3E}">
-        <p14:creationId xmlns:p14="http://schemas.microsoft.com/office/powerpoint/2010/main" val="4250001499"/>
+        <p14:creationId xmlns:p14="http://schemas.microsoft.com/office/powerpoint/2010/main" val="626095530"/>
       </p:ext>
     </p:extLst>
   </p:cSld>
@@ -1564,13 +1888,17 @@
         </p:nvSpPr>
         <p:spPr>
           <a:xfrm>
-            <a:off x="838200" y="365125"/>
-            <a:ext cx="10515600" cy="1325563"/>
+            <a:off x="685802" y="685800"/>
+            <a:ext cx="10394706" cy="1151965"/>
           </a:xfrm>
         </p:spPr>
         <p:txBody>
           <a:bodyPr/>
-          <a:lstStyle/>
+          <a:lstStyle>
+            <a:lvl1pPr algn="ctr">
+              <a:defRPr/>
+            </a:lvl1pPr>
+          </a:lstStyle>
           <a:p>
             <a:r>
               <a:rPr lang="uk-UA"/>
@@ -1592,8 +1920,8 @@
         </p:nvSpPr>
         <p:spPr>
           <a:xfrm>
-            <a:off x="1337282" y="1885950"/>
-            <a:ext cx="2946866" cy="576262"/>
+            <a:off x="685802" y="2063395"/>
+            <a:ext cx="3310128" cy="576262"/>
           </a:xfrm>
         </p:spPr>
         <p:txBody>
@@ -1601,35 +1929,15 @@
             <a:noAutofit/>
           </a:bodyPr>
           <a:lstStyle>
-            <a:lvl1pPr marL="0" indent="0">
+            <a:lvl1pPr marL="0" indent="0" algn="ctr">
+              <a:lnSpc>
+                <a:spcPct val="90000"/>
+              </a:lnSpc>
               <a:buNone/>
               <a:defRPr sz="2400" b="0">
-                <a:gradFill>
-                  <a:gsLst>
-                    <a:gs pos="15000">
-                      <a:schemeClr val="tx2"/>
-                    </a:gs>
-                    <a:gs pos="73000">
-                      <a:schemeClr val="tx2">
-                        <a:lumMod val="60000"/>
-                        <a:lumOff val="40000"/>
-                      </a:schemeClr>
-                    </a:gs>
-                    <a:gs pos="0">
-                      <a:schemeClr val="tx2">
-                        <a:lumMod val="90000"/>
-                        <a:lumOff val="10000"/>
-                      </a:schemeClr>
-                    </a:gs>
-                    <a:gs pos="100000">
-                      <a:schemeClr val="tx2">
-                        <a:lumMod val="0"/>
-                        <a:lumOff val="100000"/>
-                      </a:schemeClr>
-                    </a:gs>
-                  </a:gsLst>
-                  <a:lin ang="16200000" scaled="1"/>
-                </a:gradFill>
+                <a:solidFill>
+                  <a:schemeClr val="accent1"/>
+                </a:solidFill>
               </a:defRPr>
             </a:lvl1pPr>
             <a:lvl2pPr marL="457200" indent="0">
@@ -1686,8 +1994,8 @@
         </p:nvSpPr>
         <p:spPr>
           <a:xfrm>
-            <a:off x="1356798" y="2571750"/>
-            <a:ext cx="2927350" cy="3589338"/>
+            <a:off x="685802" y="2639658"/>
+            <a:ext cx="3310128" cy="2734928"/>
           </a:xfrm>
         </p:spPr>
         <p:txBody>
@@ -1695,7 +2003,7 @@
             <a:normAutofit/>
           </a:bodyPr>
           <a:lstStyle>
-            <a:lvl1pPr marL="0" indent="0">
+            <a:lvl1pPr marL="0" indent="0" algn="ctr">
               <a:buNone/>
               <a:defRPr sz="1400"/>
             </a:lvl1pPr>
@@ -1753,51 +2061,61 @@
         </p:nvSpPr>
         <p:spPr>
           <a:xfrm>
-            <a:off x="4587994" y="1885950"/>
-            <a:ext cx="2936241" cy="576262"/>
+            <a:off x="4234622" y="2063395"/>
+            <a:ext cx="3310128" cy="576262"/>
           </a:xfrm>
         </p:spPr>
         <p:txBody>
-          <a:bodyPr vert="horz" lIns="91440" tIns="45720" rIns="91440" bIns="45720" rtlCol="0" anchor="b">
+          <a:bodyPr anchor="b">
             <a:noAutofit/>
           </a:bodyPr>
           <a:lstStyle>
-            <a:lvl1pPr>
-              <a:buNone/>
-              <a:defRPr lang="en-US" sz="2400" b="0">
-                <a:gradFill>
-                  <a:gsLst>
-                    <a:gs pos="15000">
-                      <a:schemeClr val="tx2"/>
-                    </a:gs>
-                    <a:gs pos="73000">
-                      <a:schemeClr val="tx2">
-                        <a:lumMod val="60000"/>
-                        <a:lumOff val="40000"/>
-                      </a:schemeClr>
-                    </a:gs>
-                    <a:gs pos="0">
-                      <a:schemeClr val="tx2">
-                        <a:lumMod val="90000"/>
-                        <a:lumOff val="10000"/>
-                      </a:schemeClr>
-                    </a:gs>
-                    <a:gs pos="100000">
-                      <a:schemeClr val="tx2">
-                        <a:lumMod val="0"/>
-                        <a:lumOff val="100000"/>
-                      </a:schemeClr>
-                    </a:gs>
-                  </a:gsLst>
-                  <a:lin ang="16200000" scaled="1"/>
-                </a:gradFill>
+            <a:lvl1pPr marL="0" indent="0" algn="ctr">
+              <a:lnSpc>
+                <a:spcPct val="90000"/>
+              </a:lnSpc>
+              <a:buNone/>
+              <a:defRPr sz="2400" b="0">
+                <a:solidFill>
+                  <a:schemeClr val="accent1"/>
+                </a:solidFill>
               </a:defRPr>
             </a:lvl1pPr>
+            <a:lvl2pPr marL="457200" indent="0">
+              <a:buNone/>
+              <a:defRPr sz="2000" b="1"/>
+            </a:lvl2pPr>
+            <a:lvl3pPr marL="914400" indent="0">
+              <a:buNone/>
+              <a:defRPr sz="1800" b="1"/>
+            </a:lvl3pPr>
+            <a:lvl4pPr marL="1371600" indent="0">
+              <a:buNone/>
+              <a:defRPr sz="1600" b="1"/>
+            </a:lvl4pPr>
+            <a:lvl5pPr marL="1828800" indent="0">
+              <a:buNone/>
+              <a:defRPr sz="1600" b="1"/>
+            </a:lvl5pPr>
+            <a:lvl6pPr marL="2286000" indent="0">
+              <a:buNone/>
+              <a:defRPr sz="1600" b="1"/>
+            </a:lvl6pPr>
+            <a:lvl7pPr marL="2743200" indent="0">
+              <a:buNone/>
+              <a:defRPr sz="1600" b="1"/>
+            </a:lvl7pPr>
+            <a:lvl8pPr marL="3200400" indent="0">
+              <a:buNone/>
+              <a:defRPr sz="1600" b="1"/>
+            </a:lvl8pPr>
+            <a:lvl9pPr marL="3657600" indent="0">
+              <a:buNone/>
+              <a:defRPr sz="1600" b="1"/>
+            </a:lvl9pPr>
           </a:lstStyle>
           <a:p>
-            <a:pPr marL="0" lvl="0" indent="0">
-              <a:buNone/>
-            </a:pPr>
+            <a:pPr lvl="0"/>
             <a:r>
               <a:rPr lang="uk-UA"/>
               <a:t>Клацніть, щоб відредагувати стилі зразків тексту</a:t>
@@ -1817,8 +2135,8 @@
         </p:nvSpPr>
         <p:spPr>
           <a:xfrm>
-            <a:off x="4577441" y="2571750"/>
-            <a:ext cx="2946794" cy="3589338"/>
+            <a:off x="4234621" y="2639658"/>
+            <a:ext cx="3310128" cy="2734928"/>
           </a:xfrm>
         </p:spPr>
         <p:txBody>
@@ -1826,7 +2144,7 @@
             <a:normAutofit/>
           </a:bodyPr>
           <a:lstStyle>
-            <a:lvl1pPr marL="0" indent="0">
+            <a:lvl1pPr marL="0" indent="0" algn="ctr">
               <a:buNone/>
               <a:defRPr sz="1400"/>
             </a:lvl1pPr>
@@ -1884,51 +2202,61 @@
         </p:nvSpPr>
         <p:spPr>
           <a:xfrm>
-            <a:off x="7829035" y="1885950"/>
-            <a:ext cx="2932113" cy="576262"/>
+            <a:off x="7770380" y="2063395"/>
+            <a:ext cx="3310128" cy="576262"/>
           </a:xfrm>
         </p:spPr>
         <p:txBody>
-          <a:bodyPr vert="horz" lIns="91440" tIns="45720" rIns="91440" bIns="45720" rtlCol="0" anchor="b">
+          <a:bodyPr anchor="b">
             <a:noAutofit/>
           </a:bodyPr>
           <a:lstStyle>
-            <a:lvl1pPr>
-              <a:buNone/>
-              <a:defRPr lang="en-US" sz="2400" b="0" dirty="0">
-                <a:gradFill>
-                  <a:gsLst>
-                    <a:gs pos="15000">
-                      <a:schemeClr val="tx2"/>
-                    </a:gs>
-                    <a:gs pos="73000">
-                      <a:schemeClr val="tx2">
-                        <a:lumMod val="60000"/>
-                        <a:lumOff val="40000"/>
-                      </a:schemeClr>
-                    </a:gs>
-                    <a:gs pos="0">
-                      <a:schemeClr val="tx2">
-                        <a:lumMod val="90000"/>
-                        <a:lumOff val="10000"/>
-                      </a:schemeClr>
-                    </a:gs>
-                    <a:gs pos="100000">
-                      <a:schemeClr val="tx2">
-                        <a:lumMod val="0"/>
-                        <a:lumOff val="100000"/>
-                      </a:schemeClr>
-                    </a:gs>
-                  </a:gsLst>
-                  <a:lin ang="16200000" scaled="1"/>
-                </a:gradFill>
+            <a:lvl1pPr marL="0" indent="0" algn="ctr">
+              <a:lnSpc>
+                <a:spcPct val="90000"/>
+              </a:lnSpc>
+              <a:buNone/>
+              <a:defRPr sz="2400" b="0">
+                <a:solidFill>
+                  <a:schemeClr val="accent1"/>
+                </a:solidFill>
               </a:defRPr>
             </a:lvl1pPr>
+            <a:lvl2pPr marL="457200" indent="0">
+              <a:buNone/>
+              <a:defRPr sz="2000" b="1"/>
+            </a:lvl2pPr>
+            <a:lvl3pPr marL="914400" indent="0">
+              <a:buNone/>
+              <a:defRPr sz="1800" b="1"/>
+            </a:lvl3pPr>
+            <a:lvl4pPr marL="1371600" indent="0">
+              <a:buNone/>
+              <a:defRPr sz="1600" b="1"/>
+            </a:lvl4pPr>
+            <a:lvl5pPr marL="1828800" indent="0">
+              <a:buNone/>
+              <a:defRPr sz="1600" b="1"/>
+            </a:lvl5pPr>
+            <a:lvl6pPr marL="2286000" indent="0">
+              <a:buNone/>
+              <a:defRPr sz="1600" b="1"/>
+            </a:lvl6pPr>
+            <a:lvl7pPr marL="2743200" indent="0">
+              <a:buNone/>
+              <a:defRPr sz="1600" b="1"/>
+            </a:lvl7pPr>
+            <a:lvl8pPr marL="3200400" indent="0">
+              <a:buNone/>
+              <a:defRPr sz="1600" b="1"/>
+            </a:lvl8pPr>
+            <a:lvl9pPr marL="3657600" indent="0">
+              <a:buNone/>
+              <a:defRPr sz="1600" b="1"/>
+            </a:lvl9pPr>
           </a:lstStyle>
           <a:p>
-            <a:pPr marL="0" lvl="0" indent="0">
-              <a:buNone/>
-            </a:pPr>
+            <a:pPr lvl="0"/>
             <a:r>
               <a:rPr lang="uk-UA"/>
               <a:t>Клацніть, щоб відредагувати стилі зразків тексту</a:t>
@@ -1948,8 +2276,8 @@
         </p:nvSpPr>
         <p:spPr>
           <a:xfrm>
-            <a:off x="7829035" y="2571750"/>
-            <a:ext cx="2932113" cy="3589338"/>
+            <a:off x="7770380" y="2639658"/>
+            <a:ext cx="3310128" cy="2734928"/>
           </a:xfrm>
         </p:spPr>
         <p:txBody>
@@ -1957,7 +2285,7 @@
             <a:normAutofit/>
           </a:bodyPr>
           <a:lstStyle>
-            <a:lvl1pPr marL="0" indent="0">
+            <a:lvl1pPr marL="0" indent="0" algn="ctr">
               <a:buNone/>
               <a:defRPr sz="1400"/>
             </a:lvl1pPr>
@@ -2071,7 +2399,7 @@
     </p:spTree>
     <p:extLst>
       <p:ext uri="{BB962C8B-B14F-4D97-AF65-F5344CB8AC3E}">
-        <p14:creationId xmlns:p14="http://schemas.microsoft.com/office/powerpoint/2010/main" val="3455357297"/>
+        <p14:creationId xmlns:p14="http://schemas.microsoft.com/office/powerpoint/2010/main" val="730225582"/>
       </p:ext>
     </p:extLst>
   </p:cSld>
@@ -2110,13 +2438,17 @@
         </p:nvSpPr>
         <p:spPr>
           <a:xfrm>
-            <a:off x="838200" y="365125"/>
-            <a:ext cx="10515600" cy="1325563"/>
+            <a:off x="685801" y="685800"/>
+            <a:ext cx="10396882" cy="1151965"/>
           </a:xfrm>
         </p:spPr>
         <p:txBody>
           <a:bodyPr/>
-          <a:lstStyle/>
+          <a:lstStyle>
+            <a:lvl1pPr algn="ctr">
+              <a:defRPr/>
+            </a:lvl1pPr>
+          </a:lstStyle>
           <a:p>
             <a:r>
               <a:rPr lang="uk-UA"/>
@@ -2138,8 +2470,8 @@
         </p:nvSpPr>
         <p:spPr>
           <a:xfrm>
-            <a:off x="1332085" y="4297503"/>
-            <a:ext cx="2940050" cy="576262"/>
+            <a:off x="691840" y="3813025"/>
+            <a:ext cx="3310128" cy="576262"/>
           </a:xfrm>
         </p:spPr>
         <p:txBody>
@@ -2147,31 +2479,15 @@
             <a:noAutofit/>
           </a:bodyPr>
           <a:lstStyle>
-            <a:lvl1pPr marL="0" indent="0">
-              <a:buNone/>
-              <a:defRPr sz="2400" b="0">
-                <a:gradFill>
-                  <a:gsLst>
-                    <a:gs pos="34000">
-                      <a:schemeClr val="tx1">
-                        <a:lumMod val="93000"/>
-                      </a:schemeClr>
-                    </a:gs>
-                    <a:gs pos="0">
-                      <a:schemeClr val="bg1">
-                        <a:lumMod val="41000"/>
-                        <a:lumOff val="59000"/>
-                      </a:schemeClr>
-                    </a:gs>
-                    <a:gs pos="100000">
-                      <a:schemeClr val="tx2">
-                        <a:lumMod val="0"/>
-                        <a:lumOff val="100000"/>
-                      </a:schemeClr>
-                    </a:gs>
-                  </a:gsLst>
-                  <a:lin ang="4800000" scaled="0"/>
-                </a:gradFill>
+            <a:lvl1pPr marL="0" indent="0" algn="ctr">
+              <a:lnSpc>
+                <a:spcPct val="90000"/>
+              </a:lnSpc>
+              <a:buNone/>
+              <a:defRPr sz="2200" b="0">
+                <a:solidFill>
+                  <a:schemeClr val="accent1"/>
+                </a:solidFill>
               </a:defRPr>
             </a:lvl1pPr>
             <a:lvl2pPr marL="457200" indent="0">
@@ -2228,21 +2544,22 @@
         </p:nvSpPr>
         <p:spPr>
           <a:xfrm>
-            <a:off x="1332085" y="2256354"/>
-            <a:ext cx="2940050" cy="1524000"/>
+            <a:off x="685780" y="2063395"/>
+            <a:ext cx="3310128" cy="1536725"/>
           </a:xfrm>
           <a:prstGeom prst="roundRect">
             <a:avLst>
-              <a:gd name="adj" fmla="val 1858"/>
+              <a:gd name="adj" fmla="val 0"/>
             </a:avLst>
           </a:prstGeom>
-          <a:effectLst>
-            <a:outerShdw blurRad="50800" dist="50800" dir="5400000" algn="tl" rotWithShape="0">
-              <a:srgbClr val="000000">
-                <a:alpha val="43000"/>
-              </a:srgbClr>
-            </a:outerShdw>
-          </a:effectLst>
+          <a:ln w="57150" cmpd="thinThick">
+            <a:solidFill>
+              <a:schemeClr val="bg1">
+                <a:lumMod val="50000"/>
+              </a:schemeClr>
+            </a:solidFill>
+            <a:miter lim="800000"/>
+          </a:ln>
         </p:spPr>
         <p:txBody>
           <a:bodyPr anchor="t">
@@ -2307,178 +2624,9 @@
         </p:nvSpPr>
         <p:spPr>
           <a:xfrm>
-            <a:off x="1332085" y="4873765"/>
-            <a:ext cx="2940050" cy="659189"/>
+            <a:off x="691840" y="4389287"/>
+            <a:ext cx="3310128" cy="985299"/>
           </a:xfrm>
-        </p:spPr>
-        <p:txBody>
-          <a:bodyPr anchor="t">
-            <a:normAutofit/>
-          </a:bodyPr>
-          <a:lstStyle>
-            <a:lvl1pPr marL="0" indent="0">
-              <a:buNone/>
-              <a:defRPr sz="1400"/>
-            </a:lvl1pPr>
-            <a:lvl2pPr marL="457200" indent="0">
-              <a:buNone/>
-              <a:defRPr sz="1200"/>
-            </a:lvl2pPr>
-            <a:lvl3pPr marL="914400" indent="0">
-              <a:buNone/>
-              <a:defRPr sz="1000"/>
-            </a:lvl3pPr>
-            <a:lvl4pPr marL="1371600" indent="0">
-              <a:buNone/>
-              <a:defRPr sz="900"/>
-            </a:lvl4pPr>
-            <a:lvl5pPr marL="1828800" indent="0">
-              <a:buNone/>
-              <a:defRPr sz="900"/>
-            </a:lvl5pPr>
-            <a:lvl6pPr marL="2286000" indent="0">
-              <a:buNone/>
-              <a:defRPr sz="900"/>
-            </a:lvl6pPr>
-            <a:lvl7pPr marL="2743200" indent="0">
-              <a:buNone/>
-              <a:defRPr sz="900"/>
-            </a:lvl7pPr>
-            <a:lvl8pPr marL="3200400" indent="0">
-              <a:buNone/>
-              <a:defRPr sz="900"/>
-            </a:lvl8pPr>
-            <a:lvl9pPr marL="3657600" indent="0">
-              <a:buNone/>
-              <a:defRPr sz="900"/>
-            </a:lvl9pPr>
-          </a:lstStyle>
-          <a:p>
-            <a:pPr lvl="0"/>
-            <a:r>
-              <a:rPr lang="uk-UA"/>
-              <a:t>Клацніть, щоб відредагувати стилі зразків тексту</a:t>
-            </a:r>
-          </a:p>
-        </p:txBody>
-      </p:sp>
-      <p:sp>
-        <p:nvSpPr>
-          <p:cNvPr id="22" name="Text Placeholder 4"/>
-          <p:cNvSpPr>
-            <a:spLocks noGrp="1"/>
-          </p:cNvSpPr>
-          <p:nvPr>
-            <p:ph type="body" sz="quarter" idx="3"/>
-          </p:nvPr>
-        </p:nvSpPr>
-        <p:spPr>
-          <a:xfrm>
-            <a:off x="4568997" y="4297503"/>
-            <a:ext cx="2930525" cy="576262"/>
-          </a:xfrm>
-        </p:spPr>
-        <p:txBody>
-          <a:bodyPr anchor="b">
-            <a:noAutofit/>
-          </a:bodyPr>
-          <a:lstStyle>
-            <a:lvl1pPr marL="0" indent="0">
-              <a:buNone/>
-              <a:defRPr sz="2400" b="0">
-                <a:gradFill>
-                  <a:gsLst>
-                    <a:gs pos="34000">
-                      <a:schemeClr val="tx1">
-                        <a:lumMod val="93000"/>
-                      </a:schemeClr>
-                    </a:gs>
-                    <a:gs pos="0">
-                      <a:schemeClr val="bg1">
-                        <a:lumMod val="41000"/>
-                        <a:lumOff val="59000"/>
-                      </a:schemeClr>
-                    </a:gs>
-                    <a:gs pos="100000">
-                      <a:schemeClr val="tx2">
-                        <a:lumMod val="0"/>
-                        <a:lumOff val="100000"/>
-                      </a:schemeClr>
-                    </a:gs>
-                  </a:gsLst>
-                  <a:lin ang="4800000" scaled="0"/>
-                </a:gradFill>
-              </a:defRPr>
-            </a:lvl1pPr>
-            <a:lvl2pPr marL="457200" indent="0">
-              <a:buNone/>
-              <a:defRPr sz="2000" b="1"/>
-            </a:lvl2pPr>
-            <a:lvl3pPr marL="914400" indent="0">
-              <a:buNone/>
-              <a:defRPr sz="1800" b="1"/>
-            </a:lvl3pPr>
-            <a:lvl4pPr marL="1371600" indent="0">
-              <a:buNone/>
-              <a:defRPr sz="1600" b="1"/>
-            </a:lvl4pPr>
-            <a:lvl5pPr marL="1828800" indent="0">
-              <a:buNone/>
-              <a:defRPr sz="1600" b="1"/>
-            </a:lvl5pPr>
-            <a:lvl6pPr marL="2286000" indent="0">
-              <a:buNone/>
-              <a:defRPr sz="1600" b="1"/>
-            </a:lvl6pPr>
-            <a:lvl7pPr marL="2743200" indent="0">
-              <a:buNone/>
-              <a:defRPr sz="1600" b="1"/>
-            </a:lvl7pPr>
-            <a:lvl8pPr marL="3200400" indent="0">
-              <a:buNone/>
-              <a:defRPr sz="1600" b="1"/>
-            </a:lvl8pPr>
-            <a:lvl9pPr marL="3657600" indent="0">
-              <a:buNone/>
-              <a:defRPr sz="1600" b="1"/>
-            </a:lvl9pPr>
-          </a:lstStyle>
-          <a:p>
-            <a:pPr lvl="0"/>
-            <a:r>
-              <a:rPr lang="uk-UA"/>
-              <a:t>Клацніть, щоб відредагувати стилі зразків тексту</a:t>
-            </a:r>
-          </a:p>
-        </p:txBody>
-      </p:sp>
-      <p:sp>
-        <p:nvSpPr>
-          <p:cNvPr id="23" name="Picture Placeholder 2"/>
-          <p:cNvSpPr>
-            <a:spLocks noGrp="1" noChangeAspect="1"/>
-          </p:cNvSpPr>
-          <p:nvPr>
-            <p:ph type="pic" idx="21"/>
-          </p:nvPr>
-        </p:nvSpPr>
-        <p:spPr>
-          <a:xfrm>
-            <a:off x="4568996" y="2256354"/>
-            <a:ext cx="2930525" cy="1524000"/>
-          </a:xfrm>
-          <a:prstGeom prst="roundRect">
-            <a:avLst>
-              <a:gd name="adj" fmla="val 1858"/>
-            </a:avLst>
-          </a:prstGeom>
-          <a:effectLst>
-            <a:outerShdw blurRad="50800" dist="50800" dir="5400000" algn="tl" rotWithShape="0">
-              <a:srgbClr val="000000">
-                <a:alpha val="43000"/>
-              </a:srgbClr>
-            </a:outerShdw>
-          </a:effectLst>
         </p:spPr>
         <p:txBody>
           <a:bodyPr anchor="t">
@@ -2487,73 +2635,6 @@
           <a:lstStyle>
             <a:lvl1pPr marL="0" indent="0" algn="ctr">
               <a:buNone/>
-              <a:defRPr sz="1600"/>
-            </a:lvl1pPr>
-            <a:lvl2pPr marL="457200" indent="0">
-              <a:buNone/>
-              <a:defRPr sz="1600"/>
-            </a:lvl2pPr>
-            <a:lvl3pPr marL="914400" indent="0">
-              <a:buNone/>
-              <a:defRPr sz="1600"/>
-            </a:lvl3pPr>
-            <a:lvl4pPr marL="1371600" indent="0">
-              <a:buNone/>
-              <a:defRPr sz="1600"/>
-            </a:lvl4pPr>
-            <a:lvl5pPr marL="1828800" indent="0">
-              <a:buNone/>
-              <a:defRPr sz="1600"/>
-            </a:lvl5pPr>
-            <a:lvl6pPr marL="2286000" indent="0">
-              <a:buNone/>
-              <a:defRPr sz="1600"/>
-            </a:lvl6pPr>
-            <a:lvl7pPr marL="2743200" indent="0">
-              <a:buNone/>
-              <a:defRPr sz="1600"/>
-            </a:lvl7pPr>
-            <a:lvl8pPr marL="3200400" indent="0">
-              <a:buNone/>
-              <a:defRPr sz="1600"/>
-            </a:lvl8pPr>
-            <a:lvl9pPr marL="3657600" indent="0">
-              <a:buNone/>
-              <a:defRPr sz="1600"/>
-            </a:lvl9pPr>
-          </a:lstStyle>
-          <a:p>
-            <a:r>
-              <a:rPr lang="uk-UA"/>
-              <a:t>Клацніть піктограму, щоб додати зображення</a:t>
-            </a:r>
-            <a:endParaRPr lang="en-US" dirty="0"/>
-          </a:p>
-        </p:txBody>
-      </p:sp>
-      <p:sp>
-        <p:nvSpPr>
-          <p:cNvPr id="24" name="Text Placeholder 3"/>
-          <p:cNvSpPr>
-            <a:spLocks noGrp="1"/>
-          </p:cNvSpPr>
-          <p:nvPr>
-            <p:ph type="body" sz="half" idx="19"/>
-          </p:nvPr>
-        </p:nvSpPr>
-        <p:spPr>
-          <a:xfrm>
-            <a:off x="4567644" y="4873764"/>
-            <a:ext cx="2934406" cy="659189"/>
-          </a:xfrm>
-        </p:spPr>
-        <p:txBody>
-          <a:bodyPr anchor="t">
-            <a:normAutofit/>
-          </a:bodyPr>
-          <a:lstStyle>
-            <a:lvl1pPr marL="0" indent="0">
-              <a:buNone/>
               <a:defRPr sz="1400"/>
             </a:lvl1pPr>
             <a:lvl2pPr marL="457200" indent="0">
@@ -2600,18 +2681,18 @@
       </p:sp>
       <p:sp>
         <p:nvSpPr>
-          <p:cNvPr id="25" name="Text Placeholder 4"/>
-          <p:cNvSpPr>
-            <a:spLocks noGrp="1"/>
-          </p:cNvSpPr>
-          <p:nvPr>
-            <p:ph type="body" sz="quarter" idx="13"/>
+          <p:cNvPr id="22" name="Text Placeholder 4"/>
+          <p:cNvSpPr>
+            <a:spLocks noGrp="1"/>
+          </p:cNvSpPr>
+          <p:nvPr>
+            <p:ph type="body" sz="quarter" idx="3"/>
           </p:nvPr>
         </p:nvSpPr>
         <p:spPr>
           <a:xfrm>
-            <a:off x="7804322" y="4297503"/>
-            <a:ext cx="2932113" cy="576262"/>
+            <a:off x="4237410" y="3813025"/>
+            <a:ext cx="3310128" cy="576262"/>
           </a:xfrm>
         </p:spPr>
         <p:txBody>
@@ -2619,31 +2700,15 @@
             <a:noAutofit/>
           </a:bodyPr>
           <a:lstStyle>
-            <a:lvl1pPr marL="0" indent="0">
-              <a:buNone/>
-              <a:defRPr sz="2400" b="0">
-                <a:gradFill>
-                  <a:gsLst>
-                    <a:gs pos="34000">
-                      <a:schemeClr val="tx1">
-                        <a:lumMod val="93000"/>
-                      </a:schemeClr>
-                    </a:gs>
-                    <a:gs pos="0">
-                      <a:schemeClr val="bg1">
-                        <a:lumMod val="41000"/>
-                        <a:lumOff val="59000"/>
-                      </a:schemeClr>
-                    </a:gs>
-                    <a:gs pos="100000">
-                      <a:schemeClr val="tx2">
-                        <a:lumMod val="0"/>
-                        <a:lumOff val="100000"/>
-                      </a:schemeClr>
-                    </a:gs>
-                  </a:gsLst>
-                  <a:lin ang="4800000" scaled="0"/>
-                </a:gradFill>
+            <a:lvl1pPr marL="0" indent="0" algn="ctr">
+              <a:lnSpc>
+                <a:spcPct val="90000"/>
+              </a:lnSpc>
+              <a:buNone/>
+              <a:defRPr sz="2200" b="0">
+                <a:solidFill>
+                  <a:schemeClr val="accent1"/>
+                </a:solidFill>
               </a:defRPr>
             </a:lvl1pPr>
             <a:lvl2pPr marL="457200" indent="0">
@@ -2690,31 +2755,32 @@
       </p:sp>
       <p:sp>
         <p:nvSpPr>
-          <p:cNvPr id="26" name="Picture Placeholder 2"/>
+          <p:cNvPr id="23" name="Picture Placeholder 2"/>
           <p:cNvSpPr>
             <a:spLocks noGrp="1" noChangeAspect="1"/>
           </p:cNvSpPr>
           <p:nvPr>
-            <p:ph type="pic" idx="22"/>
+            <p:ph type="pic" idx="21"/>
           </p:nvPr>
         </p:nvSpPr>
         <p:spPr>
           <a:xfrm>
-            <a:off x="7804321" y="2256354"/>
-            <a:ext cx="2932113" cy="1524000"/>
+            <a:off x="4235999" y="2063395"/>
+            <a:ext cx="3310128" cy="1535237"/>
           </a:xfrm>
           <a:prstGeom prst="roundRect">
             <a:avLst>
-              <a:gd name="adj" fmla="val 1858"/>
+              <a:gd name="adj" fmla="val 0"/>
             </a:avLst>
           </a:prstGeom>
-          <a:effectLst>
-            <a:outerShdw blurRad="50800" dist="50800" dir="5400000" algn="tl" rotWithShape="0">
-              <a:srgbClr val="000000">
-                <a:alpha val="43000"/>
-              </a:srgbClr>
-            </a:outerShdw>
-          </a:effectLst>
+          <a:ln w="57150" cmpd="thinThick">
+            <a:solidFill>
+              <a:schemeClr val="bg1">
+                <a:lumMod val="50000"/>
+              </a:schemeClr>
+            </a:solidFill>
+            <a:miter lim="800000"/>
+          </a:ln>
         </p:spPr>
         <p:txBody>
           <a:bodyPr anchor="t">
@@ -2769,18 +2835,18 @@
       </p:sp>
       <p:sp>
         <p:nvSpPr>
-          <p:cNvPr id="27" name="Text Placeholder 3"/>
-          <p:cNvSpPr>
-            <a:spLocks noGrp="1"/>
-          </p:cNvSpPr>
-          <p:nvPr>
-            <p:ph type="body" sz="half" idx="20"/>
+          <p:cNvPr id="24" name="Text Placeholder 3"/>
+          <p:cNvSpPr>
+            <a:spLocks noGrp="1"/>
+          </p:cNvSpPr>
+          <p:nvPr>
+            <p:ph type="body" sz="half" idx="19"/>
           </p:nvPr>
         </p:nvSpPr>
         <p:spPr>
           <a:xfrm>
-            <a:off x="7804197" y="4873762"/>
-            <a:ext cx="2935997" cy="659189"/>
+            <a:off x="4235999" y="4389286"/>
+            <a:ext cx="3310128" cy="985300"/>
           </a:xfrm>
         </p:spPr>
         <p:txBody>
@@ -2788,7 +2854,228 @@
             <a:normAutofit/>
           </a:bodyPr>
           <a:lstStyle>
-            <a:lvl1pPr marL="0" indent="0">
+            <a:lvl1pPr marL="0" indent="0" algn="ctr">
+              <a:buNone/>
+              <a:defRPr sz="1400"/>
+            </a:lvl1pPr>
+            <a:lvl2pPr marL="457200" indent="0">
+              <a:buNone/>
+              <a:defRPr sz="1200"/>
+            </a:lvl2pPr>
+            <a:lvl3pPr marL="914400" indent="0">
+              <a:buNone/>
+              <a:defRPr sz="1000"/>
+            </a:lvl3pPr>
+            <a:lvl4pPr marL="1371600" indent="0">
+              <a:buNone/>
+              <a:defRPr sz="900"/>
+            </a:lvl4pPr>
+            <a:lvl5pPr marL="1828800" indent="0">
+              <a:buNone/>
+              <a:defRPr sz="900"/>
+            </a:lvl5pPr>
+            <a:lvl6pPr marL="2286000" indent="0">
+              <a:buNone/>
+              <a:defRPr sz="900"/>
+            </a:lvl6pPr>
+            <a:lvl7pPr marL="2743200" indent="0">
+              <a:buNone/>
+              <a:defRPr sz="900"/>
+            </a:lvl7pPr>
+            <a:lvl8pPr marL="3200400" indent="0">
+              <a:buNone/>
+              <a:defRPr sz="900"/>
+            </a:lvl8pPr>
+            <a:lvl9pPr marL="3657600" indent="0">
+              <a:buNone/>
+              <a:defRPr sz="900"/>
+            </a:lvl9pPr>
+          </a:lstStyle>
+          <a:p>
+            <a:pPr lvl="0"/>
+            <a:r>
+              <a:rPr lang="uk-UA"/>
+              <a:t>Клацніть, щоб відредагувати стилі зразків тексту</a:t>
+            </a:r>
+          </a:p>
+        </p:txBody>
+      </p:sp>
+      <p:sp>
+        <p:nvSpPr>
+          <p:cNvPr id="25" name="Text Placeholder 4"/>
+          <p:cNvSpPr>
+            <a:spLocks noGrp="1"/>
+          </p:cNvSpPr>
+          <p:nvPr>
+            <p:ph type="body" sz="quarter" idx="13"/>
+          </p:nvPr>
+        </p:nvSpPr>
+        <p:spPr>
+          <a:xfrm>
+            <a:off x="7768944" y="3813025"/>
+            <a:ext cx="3310128" cy="576262"/>
+          </a:xfrm>
+        </p:spPr>
+        <p:txBody>
+          <a:bodyPr anchor="b">
+            <a:noAutofit/>
+          </a:bodyPr>
+          <a:lstStyle>
+            <a:lvl1pPr marL="0" indent="0" algn="ctr">
+              <a:lnSpc>
+                <a:spcPct val="90000"/>
+              </a:lnSpc>
+              <a:buNone/>
+              <a:defRPr sz="2200" b="0">
+                <a:solidFill>
+                  <a:schemeClr val="accent1"/>
+                </a:solidFill>
+              </a:defRPr>
+            </a:lvl1pPr>
+            <a:lvl2pPr marL="457200" indent="0">
+              <a:buNone/>
+              <a:defRPr sz="2000" b="1"/>
+            </a:lvl2pPr>
+            <a:lvl3pPr marL="914400" indent="0">
+              <a:buNone/>
+              <a:defRPr sz="1800" b="1"/>
+            </a:lvl3pPr>
+            <a:lvl4pPr marL="1371600" indent="0">
+              <a:buNone/>
+              <a:defRPr sz="1600" b="1"/>
+            </a:lvl4pPr>
+            <a:lvl5pPr marL="1828800" indent="0">
+              <a:buNone/>
+              <a:defRPr sz="1600" b="1"/>
+            </a:lvl5pPr>
+            <a:lvl6pPr marL="2286000" indent="0">
+              <a:buNone/>
+              <a:defRPr sz="1600" b="1"/>
+            </a:lvl6pPr>
+            <a:lvl7pPr marL="2743200" indent="0">
+              <a:buNone/>
+              <a:defRPr sz="1600" b="1"/>
+            </a:lvl7pPr>
+            <a:lvl8pPr marL="3200400" indent="0">
+              <a:buNone/>
+              <a:defRPr sz="1600" b="1"/>
+            </a:lvl8pPr>
+            <a:lvl9pPr marL="3657600" indent="0">
+              <a:buNone/>
+              <a:defRPr sz="1600" b="1"/>
+            </a:lvl9pPr>
+          </a:lstStyle>
+          <a:p>
+            <a:pPr lvl="0"/>
+            <a:r>
+              <a:rPr lang="uk-UA"/>
+              <a:t>Клацніть, щоб відредагувати стилі зразків тексту</a:t>
+            </a:r>
+          </a:p>
+        </p:txBody>
+      </p:sp>
+      <p:sp>
+        <p:nvSpPr>
+          <p:cNvPr id="26" name="Picture Placeholder 2"/>
+          <p:cNvSpPr>
+            <a:spLocks noGrp="1" noChangeAspect="1"/>
+          </p:cNvSpPr>
+          <p:nvPr>
+            <p:ph type="pic" idx="22"/>
+          </p:nvPr>
+        </p:nvSpPr>
+        <p:spPr>
+          <a:xfrm>
+            <a:off x="7768819" y="2063394"/>
+            <a:ext cx="3310128" cy="1537196"/>
+          </a:xfrm>
+          <a:prstGeom prst="roundRect">
+            <a:avLst>
+              <a:gd name="adj" fmla="val 0"/>
+            </a:avLst>
+          </a:prstGeom>
+          <a:ln w="57150" cmpd="thinThick">
+            <a:solidFill>
+              <a:schemeClr val="bg1">
+                <a:lumMod val="50000"/>
+              </a:schemeClr>
+            </a:solidFill>
+            <a:miter lim="800000"/>
+          </a:ln>
+        </p:spPr>
+        <p:txBody>
+          <a:bodyPr anchor="t">
+            <a:normAutofit/>
+          </a:bodyPr>
+          <a:lstStyle>
+            <a:lvl1pPr marL="0" indent="0" algn="ctr">
+              <a:buNone/>
+              <a:defRPr sz="1600"/>
+            </a:lvl1pPr>
+            <a:lvl2pPr marL="457200" indent="0">
+              <a:buNone/>
+              <a:defRPr sz="1600"/>
+            </a:lvl2pPr>
+            <a:lvl3pPr marL="914400" indent="0">
+              <a:buNone/>
+              <a:defRPr sz="1600"/>
+            </a:lvl3pPr>
+            <a:lvl4pPr marL="1371600" indent="0">
+              <a:buNone/>
+              <a:defRPr sz="1600"/>
+            </a:lvl4pPr>
+            <a:lvl5pPr marL="1828800" indent="0">
+              <a:buNone/>
+              <a:defRPr sz="1600"/>
+            </a:lvl5pPr>
+            <a:lvl6pPr marL="2286000" indent="0">
+              <a:buNone/>
+              <a:defRPr sz="1600"/>
+            </a:lvl6pPr>
+            <a:lvl7pPr marL="2743200" indent="0">
+              <a:buNone/>
+              <a:defRPr sz="1600"/>
+            </a:lvl7pPr>
+            <a:lvl8pPr marL="3200400" indent="0">
+              <a:buNone/>
+              <a:defRPr sz="1600"/>
+            </a:lvl8pPr>
+            <a:lvl9pPr marL="3657600" indent="0">
+              <a:buNone/>
+              <a:defRPr sz="1600"/>
+            </a:lvl9pPr>
+          </a:lstStyle>
+          <a:p>
+            <a:r>
+              <a:rPr lang="uk-UA"/>
+              <a:t>Клацніть піктограму, щоб додати зображення</a:t>
+            </a:r>
+            <a:endParaRPr lang="en-US" dirty="0"/>
+          </a:p>
+        </p:txBody>
+      </p:sp>
+      <p:sp>
+        <p:nvSpPr>
+          <p:cNvPr id="27" name="Text Placeholder 3"/>
+          <p:cNvSpPr>
+            <a:spLocks noGrp="1"/>
+          </p:cNvSpPr>
+          <p:nvPr>
+            <p:ph type="body" sz="half" idx="20"/>
+          </p:nvPr>
+        </p:nvSpPr>
+        <p:spPr>
+          <a:xfrm>
+            <a:off x="7768819" y="4389284"/>
+            <a:ext cx="3310128" cy="985302"/>
+          </a:xfrm>
+        </p:spPr>
+        <p:txBody>
+          <a:bodyPr anchor="t">
+            <a:normAutofit/>
+          </a:bodyPr>
+          <a:lstStyle>
+            <a:lvl1pPr marL="0" indent="0" algn="ctr">
               <a:buNone/>
               <a:defRPr sz="1400"/>
             </a:lvl1pPr>
@@ -2902,7 +3189,7 @@
     </p:spTree>
     <p:extLst>
       <p:ext uri="{BB962C8B-B14F-4D97-AF65-F5344CB8AC3E}">
-        <p14:creationId xmlns:p14="http://schemas.microsoft.com/office/powerpoint/2010/main" val="2214458619"/>
+        <p14:creationId xmlns:p14="http://schemas.microsoft.com/office/powerpoint/2010/main" val="726839217"/>
       </p:ext>
     </p:extLst>
   </p:cSld>
@@ -2942,7 +3229,11 @@
         <p:spPr/>
         <p:txBody>
           <a:bodyPr/>
-          <a:lstStyle/>
+          <a:lstStyle>
+            <a:lvl1pPr algn="r">
+              <a:defRPr/>
+            </a:lvl1pPr>
+          </a:lstStyle>
           <a:p>
             <a:r>
               <a:rPr lang="uk-UA"/>
@@ -2954,17 +3245,22 @@
       </p:sp>
       <p:sp>
         <p:nvSpPr>
-          <p:cNvPr id="3" name="Vertical Text Placeholder 2"/>
-          <p:cNvSpPr>
-            <a:spLocks noGrp="1"/>
-          </p:cNvSpPr>
-          <p:nvPr>
-            <p:ph type="body" orient="vert" idx="1"/>
-          </p:nvPr>
-        </p:nvSpPr>
-        <p:spPr/>
-        <p:txBody>
-          <a:bodyPr vert="eaVert"/>
+          <p:cNvPr id="11" name="Vertical Text Placeholder 2"/>
+          <p:cNvSpPr>
+            <a:spLocks noGrp="1"/>
+          </p:cNvSpPr>
+          <p:nvPr>
+            <p:ph type="body" orient="vert" sz="quarter" idx="13"/>
+          </p:nvPr>
+        </p:nvSpPr>
+        <p:spPr>
+          <a:xfrm>
+            <a:off x="685800" y="2063396"/>
+            <a:ext cx="10394707" cy="3311190"/>
+          </a:xfrm>
+        </p:spPr>
+        <p:txBody>
+          <a:bodyPr vert="eaVert" anchor="t"/>
           <a:lstStyle/>
           <a:p>
             <a:pPr lvl="0"/>
@@ -3072,7 +3368,7 @@
     </p:spTree>
     <p:extLst>
       <p:ext uri="{BB962C8B-B14F-4D97-AF65-F5344CB8AC3E}">
-        <p14:creationId xmlns:p14="http://schemas.microsoft.com/office/powerpoint/2010/main" val="2911365719"/>
+        <p14:creationId xmlns:p14="http://schemas.microsoft.com/office/powerpoint/2010/main" val="1840551102"/>
       </p:ext>
     </p:extLst>
   </p:cSld>
@@ -3111,13 +3407,17 @@
         </p:nvSpPr>
         <p:spPr>
           <a:xfrm>
-            <a:off x="8724900" y="365125"/>
-            <a:ext cx="2628900" cy="5811838"/>
+            <a:off x="8815862" y="685800"/>
+            <a:ext cx="2264646" cy="4688785"/>
           </a:xfrm>
         </p:spPr>
         <p:txBody>
           <a:bodyPr vert="eaVert"/>
-          <a:lstStyle/>
+          <a:lstStyle>
+            <a:lvl1pPr algn="l">
+              <a:defRPr/>
+            </a:lvl1pPr>
+          </a:lstStyle>
           <a:p>
             <a:r>
               <a:rPr lang="uk-UA"/>
@@ -3129,22 +3429,22 @@
       </p:sp>
       <p:sp>
         <p:nvSpPr>
-          <p:cNvPr id="3" name="Vertical Text Placeholder 2"/>
-          <p:cNvSpPr>
-            <a:spLocks noGrp="1"/>
-          </p:cNvSpPr>
-          <p:nvPr>
-            <p:ph type="body" orient="vert" idx="1"/>
+          <p:cNvPr id="8" name="Vertical Text Placeholder 2"/>
+          <p:cNvSpPr>
+            <a:spLocks noGrp="1"/>
+          </p:cNvSpPr>
+          <p:nvPr>
+            <p:ph type="body" orient="vert" sz="quarter" idx="13"/>
           </p:nvPr>
         </p:nvSpPr>
         <p:spPr>
           <a:xfrm>
-            <a:off x="838200" y="365125"/>
-            <a:ext cx="7734300" cy="5811838"/>
+            <a:off x="685800" y="685800"/>
+            <a:ext cx="7904431" cy="4688785"/>
           </a:xfrm>
         </p:spPr>
         <p:txBody>
-          <a:bodyPr vert="eaVert"/>
+          <a:bodyPr vert="eaVert" anchor="t"/>
           <a:lstStyle/>
           <a:p>
             <a:pPr lvl="0"/>
@@ -3252,7 +3552,177 @@
     </p:spTree>
     <p:extLst>
       <p:ext uri="{BB962C8B-B14F-4D97-AF65-F5344CB8AC3E}">
-        <p14:creationId xmlns:p14="http://schemas.microsoft.com/office/powerpoint/2010/main" val="3947257498"/>
+        <p14:creationId xmlns:p14="http://schemas.microsoft.com/office/powerpoint/2010/main" val="2236942000"/>
+      </p:ext>
+    </p:extLst>
+  </p:cSld>
+  <p:clrMapOvr>
+    <a:masterClrMapping/>
+  </p:clrMapOvr>
+</p:sldLayout>
+</file>
+
+<file path=ppt/slideLayouts/slideLayout18.xml><?xml version="1.0" encoding="utf-8"?>
+<p:sldLayout xmlns:a="http://schemas.openxmlformats.org/drawingml/2006/main" xmlns:r="http://schemas.openxmlformats.org/officeDocument/2006/relationships" xmlns:p="http://schemas.openxmlformats.org/presentationml/2006/main" type="obj">
+  <p:cSld name="1_Назва та вміст">
+    <p:spTree>
+      <p:nvGrpSpPr>
+        <p:cNvPr id="1" name=""/>
+        <p:cNvGrpSpPr/>
+        <p:nvPr/>
+      </p:nvGrpSpPr>
+      <p:grpSpPr>
+        <a:xfrm>
+          <a:off x="0" y="0"/>
+          <a:ext cx="0" cy="0"/>
+          <a:chOff x="0" y="0"/>
+          <a:chExt cx="0" cy="0"/>
+        </a:xfrm>
+      </p:grpSpPr>
+      <p:sp>
+        <p:nvSpPr>
+          <p:cNvPr id="2" name="Title 1"/>
+          <p:cNvSpPr>
+            <a:spLocks noGrp="1"/>
+          </p:cNvSpPr>
+          <p:nvPr>
+            <p:ph type="title"/>
+          </p:nvPr>
+        </p:nvSpPr>
+        <p:spPr/>
+        <p:txBody>
+          <a:bodyPr/>
+          <a:lstStyle/>
+          <a:p>
+            <a:r>
+              <a:rPr lang="uk-UA"/>
+              <a:t>Клацніть, щоб редагувати стиль зразка заголовка</a:t>
+            </a:r>
+            <a:endParaRPr lang="en-US" dirty="0"/>
+          </a:p>
+        </p:txBody>
+      </p:sp>
+      <p:sp>
+        <p:nvSpPr>
+          <p:cNvPr id="3" name="Content Placeholder 2"/>
+          <p:cNvSpPr>
+            <a:spLocks noGrp="1"/>
+          </p:cNvSpPr>
+          <p:nvPr>
+            <p:ph idx="1"/>
+          </p:nvPr>
+        </p:nvSpPr>
+        <p:spPr/>
+        <p:txBody>
+          <a:bodyPr anchor="ctr"/>
+          <a:lstStyle/>
+          <a:p>
+            <a:pPr lvl="0"/>
+            <a:r>
+              <a:rPr lang="uk-UA"/>
+              <a:t>Клацніть, щоб відредагувати стилі зразків тексту</a:t>
+            </a:r>
+          </a:p>
+          <a:p>
+            <a:pPr lvl="1"/>
+            <a:r>
+              <a:rPr lang="uk-UA"/>
+              <a:t>Другий рівень</a:t>
+            </a:r>
+          </a:p>
+          <a:p>
+            <a:pPr lvl="2"/>
+            <a:r>
+              <a:rPr lang="uk-UA"/>
+              <a:t>Третій рівень</a:t>
+            </a:r>
+          </a:p>
+          <a:p>
+            <a:pPr lvl="3"/>
+            <a:r>
+              <a:rPr lang="uk-UA"/>
+              <a:t>Четвертий рівень</a:t>
+            </a:r>
+          </a:p>
+          <a:p>
+            <a:pPr lvl="4"/>
+            <a:r>
+              <a:rPr lang="uk-UA"/>
+              <a:t>П’ятий рівень</a:t>
+            </a:r>
+            <a:endParaRPr lang="en-US" dirty="0"/>
+          </a:p>
+        </p:txBody>
+      </p:sp>
+      <p:sp>
+        <p:nvSpPr>
+          <p:cNvPr id="4" name="Date Placeholder 3"/>
+          <p:cNvSpPr>
+            <a:spLocks noGrp="1"/>
+          </p:cNvSpPr>
+          <p:nvPr>
+            <p:ph type="dt" sz="half" idx="10"/>
+          </p:nvPr>
+        </p:nvSpPr>
+        <p:spPr/>
+        <p:txBody>
+          <a:bodyPr/>
+          <a:lstStyle/>
+          <a:p>
+            <a:fld id="{BFB6413F-5667-4D3A-98B8-9E531F53339B}" type="datetimeFigureOut">
+              <a:rPr lang="uk-UA" smtClean="0"/>
+              <a:t>05.06.2025</a:t>
+            </a:fld>
+            <a:endParaRPr lang="uk-UA"/>
+          </a:p>
+        </p:txBody>
+      </p:sp>
+      <p:sp>
+        <p:nvSpPr>
+          <p:cNvPr id="5" name="Footer Placeholder 4"/>
+          <p:cNvSpPr>
+            <a:spLocks noGrp="1"/>
+          </p:cNvSpPr>
+          <p:nvPr>
+            <p:ph type="ftr" sz="quarter" idx="11"/>
+          </p:nvPr>
+        </p:nvSpPr>
+        <p:spPr/>
+        <p:txBody>
+          <a:bodyPr/>
+          <a:lstStyle/>
+          <a:p>
+            <a:endParaRPr lang="uk-UA"/>
+          </a:p>
+        </p:txBody>
+      </p:sp>
+      <p:sp>
+        <p:nvSpPr>
+          <p:cNvPr id="6" name="Slide Number Placeholder 5"/>
+          <p:cNvSpPr>
+            <a:spLocks noGrp="1"/>
+          </p:cNvSpPr>
+          <p:nvPr>
+            <p:ph type="sldNum" sz="quarter" idx="12"/>
+          </p:nvPr>
+        </p:nvSpPr>
+        <p:spPr/>
+        <p:txBody>
+          <a:bodyPr/>
+          <a:lstStyle/>
+          <a:p>
+            <a:fld id="{C259E50E-2C08-43E4-AC45-25B7D1D472F7}" type="slidenum">
+              <a:rPr lang="uk-UA" smtClean="0"/>
+              <a:t>‹№›</a:t>
+            </a:fld>
+            <a:endParaRPr lang="uk-UA"/>
+          </a:p>
+        </p:txBody>
+      </p:sp>
+    </p:spTree>
+    <p:extLst>
+      <p:ext uri="{BB962C8B-B14F-4D97-AF65-F5344CB8AC3E}">
+        <p14:creationId xmlns:p14="http://schemas.microsoft.com/office/powerpoint/2010/main" val="1564314414"/>
       </p:ext>
     </p:extLst>
   </p:cSld>
@@ -3281,7 +3751,7 @@
       </p:grpSpPr>
       <p:sp>
         <p:nvSpPr>
-          <p:cNvPr id="8" name="Title 1"/>
+          <p:cNvPr id="2" name="Title 1"/>
           <p:cNvSpPr>
             <a:spLocks noGrp="1"/>
           </p:cNvSpPr>
@@ -3304,15 +3774,20 @@
       </p:sp>
       <p:sp>
         <p:nvSpPr>
-          <p:cNvPr id="3" name="Content Placeholder 2"/>
-          <p:cNvSpPr>
-            <a:spLocks noGrp="1"/>
-          </p:cNvSpPr>
-          <p:nvPr>
-            <p:ph idx="1"/>
-          </p:nvPr>
-        </p:nvSpPr>
-        <p:spPr/>
+          <p:cNvPr id="12" name="Content Placeholder 2"/>
+          <p:cNvSpPr>
+            <a:spLocks noGrp="1"/>
+          </p:cNvSpPr>
+          <p:nvPr>
+            <p:ph sz="quarter" idx="13"/>
+          </p:nvPr>
+        </p:nvSpPr>
+        <p:spPr>
+          <a:xfrm>
+            <a:off x="685800" y="2063396"/>
+            <a:ext cx="10394707" cy="3311189"/>
+          </a:xfrm>
+        </p:spPr>
         <p:txBody>
           <a:bodyPr/>
           <a:lstStyle/>
@@ -3422,7 +3897,7 @@
     </p:spTree>
     <p:extLst>
       <p:ext uri="{BB962C8B-B14F-4D97-AF65-F5344CB8AC3E}">
-        <p14:creationId xmlns:p14="http://schemas.microsoft.com/office/powerpoint/2010/main" val="123747241"/>
+        <p14:creationId xmlns:p14="http://schemas.microsoft.com/office/powerpoint/2010/main" val="1573093842"/>
       </p:ext>
     </p:extLst>
   </p:cSld>
@@ -3451,59 +3926,27 @@
       </p:grpSpPr>
       <p:sp>
         <p:nvSpPr>
-          <p:cNvPr id="7" name="Title 1"/>
-          <p:cNvSpPr>
-            <a:spLocks noGrp="1"/>
-          </p:cNvSpPr>
-          <p:nvPr>
-            <p:ph type="ctrTitle"/>
+          <p:cNvPr id="2" name="Title 1"/>
+          <p:cNvSpPr>
+            <a:spLocks noGrp="1"/>
+          </p:cNvSpPr>
+          <p:nvPr>
+            <p:ph type="title"/>
           </p:nvPr>
         </p:nvSpPr>
         <p:spPr>
           <a:xfrm>
-            <a:off x="854532" y="4464028"/>
-            <a:ext cx="9144000" cy="1641490"/>
+            <a:off x="685801" y="685800"/>
+            <a:ext cx="10394707" cy="3193487"/>
           </a:xfrm>
         </p:spPr>
         <p:txBody>
-          <a:bodyPr wrap="none" anchor="t">
+          <a:bodyPr anchor="b">
             <a:normAutofit/>
           </a:bodyPr>
           <a:lstStyle>
             <a:lvl1pPr algn="l">
-              <a:defRPr sz="9600" b="0" spc="-300">
-                <a:gradFill flip="none" rotWithShape="1">
-                  <a:gsLst>
-                    <a:gs pos="32000">
-                      <a:schemeClr val="tx1">
-                        <a:lumMod val="89000"/>
-                      </a:schemeClr>
-                    </a:gs>
-                    <a:gs pos="0">
-                      <a:schemeClr val="bg1">
-                        <a:lumMod val="47000"/>
-                        <a:lumOff val="53000"/>
-                      </a:schemeClr>
-                    </a:gs>
-                    <a:gs pos="100000">
-                      <a:schemeClr val="tx2">
-                        <a:lumMod val="0"/>
-                        <a:lumOff val="100000"/>
-                      </a:schemeClr>
-                    </a:gs>
-                  </a:gsLst>
-                  <a:lin ang="8100000" scaled="1"/>
-                  <a:tileRect/>
-                </a:gradFill>
-                <a:effectLst>
-                  <a:outerShdw blurRad="469900" dist="342900" dir="5400000" sy="-20000" rotWithShape="0">
-                    <a:prstClr val="black">
-                      <a:alpha val="66000"/>
-                    </a:prstClr>
-                  </a:outerShdw>
-                </a:effectLst>
-                <a:latin typeface="+mj-lt"/>
-              </a:defRPr>
+              <a:defRPr sz="5400"/>
             </a:lvl1pPr>
           </a:lstStyle>
           <a:p>
@@ -3517,97 +3960,122 @@
       </p:sp>
       <p:sp>
         <p:nvSpPr>
-          <p:cNvPr id="8" name="Subtitle 2"/>
-          <p:cNvSpPr>
-            <a:spLocks noGrp="1"/>
-          </p:cNvSpPr>
-          <p:nvPr>
-            <p:ph type="subTitle" idx="1"/>
+          <p:cNvPr id="3" name="Text Placeholder 2"/>
+          <p:cNvSpPr>
+            <a:spLocks noGrp="1"/>
+          </p:cNvSpPr>
+          <p:nvPr>
+            <p:ph type="body" idx="1"/>
           </p:nvPr>
         </p:nvSpPr>
         <p:spPr>
           <a:xfrm>
-            <a:off x="854532" y="3693674"/>
-            <a:ext cx="9144000" cy="754025"/>
+            <a:off x="685801" y="3742267"/>
+            <a:ext cx="10394707" cy="1639614"/>
           </a:xfrm>
         </p:spPr>
         <p:txBody>
-          <a:bodyPr anchor="b">
+          <a:bodyPr anchor="t">
             <a:normAutofit/>
           </a:bodyPr>
           <a:lstStyle>
             <a:lvl1pPr marL="0" indent="0" algn="l">
               <a:buNone/>
-              <a:defRPr sz="3200" b="0">
-                <a:gradFill flip="none" rotWithShape="1">
-                  <a:gsLst>
-                    <a:gs pos="15000">
-                      <a:schemeClr val="tx2"/>
-                    </a:gs>
-                    <a:gs pos="73000">
-                      <a:schemeClr val="tx2">
-                        <a:lumMod val="60000"/>
-                        <a:lumOff val="40000"/>
-                      </a:schemeClr>
-                    </a:gs>
-                    <a:gs pos="0">
-                      <a:schemeClr val="tx2">
-                        <a:lumMod val="90000"/>
-                        <a:lumOff val="10000"/>
-                      </a:schemeClr>
-                    </a:gs>
-                    <a:gs pos="100000">
-                      <a:schemeClr val="tx2">
-                        <a:lumMod val="0"/>
-                        <a:lumOff val="100000"/>
-                      </a:schemeClr>
-                    </a:gs>
-                  </a:gsLst>
-                  <a:lin ang="16200000" scaled="1"/>
-                  <a:tileRect/>
-                </a:gradFill>
-                <a:latin typeface="+mj-lt"/>
+              <a:defRPr sz="2000">
+                <a:solidFill>
+                  <a:schemeClr val="bg1">
+                    <a:lumMod val="50000"/>
+                  </a:schemeClr>
+                </a:solidFill>
               </a:defRPr>
             </a:lvl1pPr>
-            <a:lvl2pPr marL="457200" indent="0" algn="ctr">
-              <a:buNone/>
-              <a:defRPr sz="2000"/>
+            <a:lvl2pPr marL="457200" indent="0">
+              <a:buNone/>
+              <a:defRPr sz="2000">
+                <a:solidFill>
+                  <a:schemeClr val="tx1">
+                    <a:tint val="75000"/>
+                  </a:schemeClr>
+                </a:solidFill>
+              </a:defRPr>
             </a:lvl2pPr>
-            <a:lvl3pPr marL="914400" indent="0" algn="ctr">
-              <a:buNone/>
-              <a:defRPr sz="1800"/>
+            <a:lvl3pPr marL="914400" indent="0">
+              <a:buNone/>
+              <a:defRPr sz="1800">
+                <a:solidFill>
+                  <a:schemeClr val="tx1">
+                    <a:tint val="75000"/>
+                  </a:schemeClr>
+                </a:solidFill>
+              </a:defRPr>
             </a:lvl3pPr>
-            <a:lvl4pPr marL="1371600" indent="0" algn="ctr">
-              <a:buNone/>
-              <a:defRPr sz="1600"/>
+            <a:lvl4pPr marL="1371600" indent="0">
+              <a:buNone/>
+              <a:defRPr sz="1600">
+                <a:solidFill>
+                  <a:schemeClr val="tx1">
+                    <a:tint val="75000"/>
+                  </a:schemeClr>
+                </a:solidFill>
+              </a:defRPr>
             </a:lvl4pPr>
-            <a:lvl5pPr marL="1828800" indent="0" algn="ctr">
-              <a:buNone/>
-              <a:defRPr sz="1600"/>
+            <a:lvl5pPr marL="1828800" indent="0">
+              <a:buNone/>
+              <a:defRPr sz="1600">
+                <a:solidFill>
+                  <a:schemeClr val="tx1">
+                    <a:tint val="75000"/>
+                  </a:schemeClr>
+                </a:solidFill>
+              </a:defRPr>
             </a:lvl5pPr>
-            <a:lvl6pPr marL="2286000" indent="0" algn="ctr">
-              <a:buNone/>
-              <a:defRPr sz="1600"/>
+            <a:lvl6pPr marL="2286000" indent="0">
+              <a:buNone/>
+              <a:defRPr sz="1600">
+                <a:solidFill>
+                  <a:schemeClr val="tx1">
+                    <a:tint val="75000"/>
+                  </a:schemeClr>
+                </a:solidFill>
+              </a:defRPr>
             </a:lvl6pPr>
-            <a:lvl7pPr marL="2743200" indent="0" algn="ctr">
-              <a:buNone/>
-              <a:defRPr sz="1600"/>
+            <a:lvl7pPr marL="2743200" indent="0">
+              <a:buNone/>
+              <a:defRPr sz="1600">
+                <a:solidFill>
+                  <a:schemeClr val="tx1">
+                    <a:tint val="75000"/>
+                  </a:schemeClr>
+                </a:solidFill>
+              </a:defRPr>
             </a:lvl7pPr>
-            <a:lvl8pPr marL="3200400" indent="0" algn="ctr">
-              <a:buNone/>
-              <a:defRPr sz="1600"/>
+            <a:lvl8pPr marL="3200400" indent="0">
+              <a:buNone/>
+              <a:defRPr sz="1600">
+                <a:solidFill>
+                  <a:schemeClr val="tx1">
+                    <a:tint val="75000"/>
+                  </a:schemeClr>
+                </a:solidFill>
+              </a:defRPr>
             </a:lvl8pPr>
-            <a:lvl9pPr marL="3657600" indent="0" algn="ctr">
-              <a:buNone/>
-              <a:defRPr sz="1600"/>
+            <a:lvl9pPr marL="3657600" indent="0">
+              <a:buNone/>
+              <a:defRPr sz="1600">
+                <a:solidFill>
+                  <a:schemeClr val="tx1">
+                    <a:tint val="75000"/>
+                  </a:schemeClr>
+                </a:solidFill>
+              </a:defRPr>
             </a:lvl9pPr>
           </a:lstStyle>
           <a:p>
+            <a:pPr lvl="0"/>
             <a:r>
               <a:rPr lang="uk-UA"/>
-              <a:t>Клацніть, щоб редагувати стиль зразка підзаголовка</a:t>
-            </a:r>
-            <a:endParaRPr lang="en-US" dirty="0"/>
+              <a:t>Клацніть, щоб відредагувати стилі зразків тексту</a:t>
+            </a:r>
           </a:p>
         </p:txBody>
       </p:sp>
@@ -3679,7 +4147,7 @@
     </p:spTree>
     <p:extLst>
       <p:ext uri="{BB962C8B-B14F-4D97-AF65-F5344CB8AC3E}">
-        <p14:creationId xmlns:p14="http://schemas.microsoft.com/office/powerpoint/2010/main" val="2650130158"/>
+        <p14:creationId xmlns:p14="http://schemas.microsoft.com/office/powerpoint/2010/main" val="725651381"/>
       </p:ext>
     </p:extLst>
   </p:cSld>
@@ -3708,7 +4176,7 @@
       </p:grpSpPr>
       <p:sp>
         <p:nvSpPr>
-          <p:cNvPr id="2" name="Title 1"/>
+          <p:cNvPr id="14" name="Title 1"/>
           <p:cNvSpPr>
             <a:spLocks noGrp="1"/>
           </p:cNvSpPr>
@@ -3716,7 +4184,12 @@
             <p:ph type="title"/>
           </p:nvPr>
         </p:nvSpPr>
-        <p:spPr/>
+        <p:spPr>
+          <a:xfrm>
+            <a:off x="685801" y="685800"/>
+            <a:ext cx="10396882" cy="1158140"/>
+          </a:xfrm>
+        </p:spPr>
         <p:txBody>
           <a:bodyPr/>
           <a:lstStyle/>
@@ -3731,22 +4204,22 @@
       </p:sp>
       <p:sp>
         <p:nvSpPr>
-          <p:cNvPr id="3" name="Content Placeholder 2"/>
-          <p:cNvSpPr>
-            <a:spLocks noGrp="1"/>
-          </p:cNvSpPr>
-          <p:nvPr>
-            <p:ph sz="half" idx="1"/>
+          <p:cNvPr id="12" name="Content Placeholder 2"/>
+          <p:cNvSpPr>
+            <a:spLocks noGrp="1"/>
+          </p:cNvSpPr>
+          <p:nvPr>
+            <p:ph sz="quarter" idx="13"/>
           </p:nvPr>
         </p:nvSpPr>
         <p:spPr>
           <a:xfrm>
-            <a:off x="1120000" y="1825625"/>
-            <a:ext cx="5025216" cy="4351338"/>
+            <a:off x="685800" y="2063396"/>
+            <a:ext cx="5088714" cy="3311189"/>
           </a:xfrm>
         </p:spPr>
         <p:txBody>
-          <a:bodyPr/>
+          <a:bodyPr anchor="t"/>
           <a:lstStyle/>
           <a:p>
             <a:pPr lvl="0"/>
@@ -3788,22 +4261,22 @@
       </p:sp>
       <p:sp>
         <p:nvSpPr>
-          <p:cNvPr id="4" name="Content Placeholder 3"/>
-          <p:cNvSpPr>
-            <a:spLocks noGrp="1"/>
-          </p:cNvSpPr>
-          <p:nvPr>
-            <p:ph sz="half" idx="2"/>
+          <p:cNvPr id="13" name="Content Placeholder 3"/>
+          <p:cNvSpPr>
+            <a:spLocks noGrp="1"/>
+          </p:cNvSpPr>
+          <p:nvPr>
+            <p:ph sz="quarter" idx="14"/>
           </p:nvPr>
         </p:nvSpPr>
         <p:spPr>
           <a:xfrm>
-            <a:off x="6319840" y="1825625"/>
-            <a:ext cx="5033960" cy="4351338"/>
+            <a:off x="5993971" y="2063396"/>
+            <a:ext cx="5086538" cy="3311189"/>
           </a:xfrm>
         </p:spPr>
         <p:txBody>
-          <a:bodyPr/>
+          <a:bodyPr anchor="t"/>
           <a:lstStyle/>
           <a:p>
             <a:pPr lvl="0"/>
@@ -3911,7 +4384,7 @@
     </p:spTree>
     <p:extLst>
       <p:ext uri="{BB962C8B-B14F-4D97-AF65-F5344CB8AC3E}">
-        <p14:creationId xmlns:p14="http://schemas.microsoft.com/office/powerpoint/2010/main" val="2336445210"/>
+        <p14:creationId xmlns:p14="http://schemas.microsoft.com/office/powerpoint/2010/main" val="3078001013"/>
       </p:ext>
     </p:extLst>
   </p:cSld>
@@ -3940,7 +4413,7 @@
       </p:grpSpPr>
       <p:sp>
         <p:nvSpPr>
-          <p:cNvPr id="2" name="Title 1"/>
+          <p:cNvPr id="14" name="Title 1"/>
           <p:cNvSpPr>
             <a:spLocks noGrp="1"/>
           </p:cNvSpPr>
@@ -3950,8 +4423,8 @@
         </p:nvSpPr>
         <p:spPr>
           <a:xfrm>
-            <a:off x="839788" y="365125"/>
-            <a:ext cx="10515600" cy="1325563"/>
+            <a:off x="685801" y="685800"/>
+            <a:ext cx="10394707" cy="1158140"/>
           </a:xfrm>
         </p:spPr>
         <p:txBody>
@@ -3978,42 +4451,24 @@
         </p:nvSpPr>
         <p:spPr>
           <a:xfrm>
-            <a:off x="1120000" y="1681163"/>
-            <a:ext cx="5025216" cy="823912"/>
+            <a:off x="918356" y="2063396"/>
+            <a:ext cx="4856158" cy="679994"/>
           </a:xfrm>
         </p:spPr>
         <p:txBody>
-          <a:bodyPr anchor="b"/>
+          <a:bodyPr anchor="b">
+            <a:noAutofit/>
+          </a:bodyPr>
           <a:lstStyle>
             <a:lvl1pPr marL="0" indent="0">
-              <a:buNone/>
-              <a:defRPr sz="2400" b="0">
-                <a:gradFill>
-                  <a:gsLst>
-                    <a:gs pos="15000">
-                      <a:schemeClr val="tx2"/>
-                    </a:gs>
-                    <a:gs pos="73000">
-                      <a:schemeClr val="tx2">
-                        <a:lumMod val="60000"/>
-                        <a:lumOff val="40000"/>
-                      </a:schemeClr>
-                    </a:gs>
-                    <a:gs pos="0">
-                      <a:schemeClr val="tx2">
-                        <a:lumMod val="90000"/>
-                        <a:lumOff val="10000"/>
-                      </a:schemeClr>
-                    </a:gs>
-                    <a:gs pos="100000">
-                      <a:schemeClr val="tx2">
-                        <a:lumMod val="0"/>
-                        <a:lumOff val="100000"/>
-                      </a:schemeClr>
-                    </a:gs>
-                  </a:gsLst>
-                  <a:lin ang="16200000" scaled="1"/>
-                </a:gradFill>
+              <a:lnSpc>
+                <a:spcPct val="90000"/>
+              </a:lnSpc>
+              <a:buNone/>
+              <a:defRPr sz="2600" b="0">
+                <a:solidFill>
+                  <a:schemeClr val="accent1"/>
+                </a:solidFill>
               </a:defRPr>
             </a:lvl1pPr>
             <a:lvl2pPr marL="457200" indent="0">
@@ -4060,22 +4515,22 @@
       </p:sp>
       <p:sp>
         <p:nvSpPr>
-          <p:cNvPr id="4" name="Content Placeholder 3"/>
-          <p:cNvSpPr>
-            <a:spLocks noGrp="1"/>
-          </p:cNvSpPr>
-          <p:nvPr>
-            <p:ph sz="half" idx="2"/>
+          <p:cNvPr id="12" name="Content Placeholder 3"/>
+          <p:cNvSpPr>
+            <a:spLocks noGrp="1"/>
+          </p:cNvSpPr>
+          <p:nvPr>
+            <p:ph sz="quarter" idx="13"/>
           </p:nvPr>
         </p:nvSpPr>
         <p:spPr>
           <a:xfrm>
-            <a:off x="1120000" y="2505075"/>
-            <a:ext cx="5025216" cy="3684588"/>
+            <a:off x="685802" y="2861733"/>
+            <a:ext cx="5088712" cy="2512852"/>
           </a:xfrm>
         </p:spPr>
         <p:txBody>
-          <a:bodyPr/>
+          <a:bodyPr anchor="t"/>
           <a:lstStyle/>
           <a:p>
             <a:pPr lvl="0"/>
@@ -4127,51 +4582,61 @@
         </p:nvSpPr>
         <p:spPr>
           <a:xfrm>
-            <a:off x="6319840" y="1681163"/>
-            <a:ext cx="5035548" cy="823912"/>
+            <a:off x="6218191" y="2063396"/>
+            <a:ext cx="4864491" cy="679994"/>
           </a:xfrm>
         </p:spPr>
         <p:txBody>
-          <a:bodyPr vert="horz" lIns="91440" tIns="45720" rIns="91440" bIns="45720" rtlCol="0" anchor="b">
-            <a:normAutofit/>
+          <a:bodyPr anchor="b">
+            <a:noAutofit/>
           </a:bodyPr>
           <a:lstStyle>
-            <a:lvl1pPr>
-              <a:buNone/>
-              <a:defRPr lang="en-US" sz="2400" b="0">
-                <a:gradFill>
-                  <a:gsLst>
-                    <a:gs pos="15000">
-                      <a:schemeClr val="tx2"/>
-                    </a:gs>
-                    <a:gs pos="73000">
-                      <a:schemeClr val="tx2">
-                        <a:lumMod val="60000"/>
-                        <a:lumOff val="40000"/>
-                      </a:schemeClr>
-                    </a:gs>
-                    <a:gs pos="0">
-                      <a:schemeClr val="tx2">
-                        <a:lumMod val="90000"/>
-                        <a:lumOff val="10000"/>
-                      </a:schemeClr>
-                    </a:gs>
-                    <a:gs pos="100000">
-                      <a:schemeClr val="tx2">
-                        <a:lumMod val="0"/>
-                        <a:lumOff val="100000"/>
-                      </a:schemeClr>
-                    </a:gs>
-                  </a:gsLst>
-                  <a:lin ang="16200000" scaled="1"/>
-                </a:gradFill>
+            <a:lvl1pPr marL="0" indent="0">
+              <a:lnSpc>
+                <a:spcPct val="90000"/>
+              </a:lnSpc>
+              <a:buNone/>
+              <a:defRPr sz="2600" b="0">
+                <a:solidFill>
+                  <a:schemeClr val="accent1"/>
+                </a:solidFill>
               </a:defRPr>
             </a:lvl1pPr>
+            <a:lvl2pPr marL="457200" indent="0">
+              <a:buNone/>
+              <a:defRPr sz="2000" b="1"/>
+            </a:lvl2pPr>
+            <a:lvl3pPr marL="914400" indent="0">
+              <a:buNone/>
+              <a:defRPr sz="1800" b="1"/>
+            </a:lvl3pPr>
+            <a:lvl4pPr marL="1371600" indent="0">
+              <a:buNone/>
+              <a:defRPr sz="1600" b="1"/>
+            </a:lvl4pPr>
+            <a:lvl5pPr marL="1828800" indent="0">
+              <a:buNone/>
+              <a:defRPr sz="1600" b="1"/>
+            </a:lvl5pPr>
+            <a:lvl6pPr marL="2286000" indent="0">
+              <a:buNone/>
+              <a:defRPr sz="1600" b="1"/>
+            </a:lvl6pPr>
+            <a:lvl7pPr marL="2743200" indent="0">
+              <a:buNone/>
+              <a:defRPr sz="1600" b="1"/>
+            </a:lvl7pPr>
+            <a:lvl8pPr marL="3200400" indent="0">
+              <a:buNone/>
+              <a:defRPr sz="1600" b="1"/>
+            </a:lvl8pPr>
+            <a:lvl9pPr marL="3657600" indent="0">
+              <a:buNone/>
+              <a:defRPr sz="1600" b="1"/>
+            </a:lvl9pPr>
           </a:lstStyle>
           <a:p>
-            <a:pPr marL="0" lvl="0" indent="0">
-              <a:buNone/>
-            </a:pPr>
+            <a:pPr lvl="0"/>
             <a:r>
               <a:rPr lang="uk-UA"/>
               <a:t>Клацніть, щоб відредагувати стилі зразків тексту</a:t>
@@ -4181,22 +4646,22 @@
       </p:sp>
       <p:sp>
         <p:nvSpPr>
-          <p:cNvPr id="6" name="Content Placeholder 5"/>
-          <p:cNvSpPr>
-            <a:spLocks noGrp="1"/>
-          </p:cNvSpPr>
-          <p:nvPr>
-            <p:ph sz="quarter" idx="4"/>
+          <p:cNvPr id="13" name="Content Placeholder 5"/>
+          <p:cNvSpPr>
+            <a:spLocks noGrp="1"/>
+          </p:cNvSpPr>
+          <p:nvPr>
+            <p:ph sz="quarter" idx="14"/>
           </p:nvPr>
         </p:nvSpPr>
         <p:spPr>
           <a:xfrm>
-            <a:off x="6319840" y="2505075"/>
-            <a:ext cx="5035548" cy="3684588"/>
+            <a:off x="5993969" y="2861733"/>
+            <a:ext cx="5088713" cy="2512852"/>
           </a:xfrm>
         </p:spPr>
         <p:txBody>
-          <a:bodyPr/>
+          <a:bodyPr anchor="t"/>
           <a:lstStyle/>
           <a:p>
             <a:pPr lvl="0"/>
@@ -4304,7 +4769,7 @@
     </p:spTree>
     <p:extLst>
       <p:ext uri="{BB962C8B-B14F-4D97-AF65-F5344CB8AC3E}">
-        <p14:creationId xmlns:p14="http://schemas.microsoft.com/office/powerpoint/2010/main" val="2948974331"/>
+        <p14:creationId xmlns:p14="http://schemas.microsoft.com/office/powerpoint/2010/main" val="2601747210"/>
       </p:ext>
     </p:extLst>
   </p:cSld>
@@ -4422,7 +4887,7 @@
     </p:spTree>
     <p:extLst>
       <p:ext uri="{BB962C8B-B14F-4D97-AF65-F5344CB8AC3E}">
-        <p14:creationId xmlns:p14="http://schemas.microsoft.com/office/powerpoint/2010/main" val="1819071676"/>
+        <p14:creationId xmlns:p14="http://schemas.microsoft.com/office/powerpoint/2010/main" val="2968910495"/>
       </p:ext>
     </p:extLst>
   </p:cSld>
@@ -4517,7 +4982,7 @@
     </p:spTree>
     <p:extLst>
       <p:ext uri="{BB962C8B-B14F-4D97-AF65-F5344CB8AC3E}">
-        <p14:creationId xmlns:p14="http://schemas.microsoft.com/office/powerpoint/2010/main" val="867643369"/>
+        <p14:creationId xmlns:p14="http://schemas.microsoft.com/office/powerpoint/2010/main" val="984277452"/>
       </p:ext>
     </p:extLst>
   </p:cSld>
@@ -4556,15 +5021,17 @@
         </p:nvSpPr>
         <p:spPr>
           <a:xfrm>
-            <a:off x="839788" y="457200"/>
-            <a:ext cx="3932237" cy="1600200"/>
+            <a:off x="693643" y="685800"/>
+            <a:ext cx="4126860" cy="2023252"/>
           </a:xfrm>
         </p:spPr>
         <p:txBody>
-          <a:bodyPr anchor="b"/>
+          <a:bodyPr anchor="b">
+            <a:normAutofit/>
+          </a:bodyPr>
           <a:lstStyle>
-            <a:lvl1pPr>
-              <a:defRPr sz="3200"/>
+            <a:lvl1pPr algn="ctr">
+              <a:defRPr sz="3600"/>
             </a:lvl1pPr>
           </a:lstStyle>
           <a:p>
@@ -4578,18 +5045,18 @@
       </p:sp>
       <p:sp>
         <p:nvSpPr>
-          <p:cNvPr id="3" name="Content Placeholder 2"/>
-          <p:cNvSpPr>
-            <a:spLocks noGrp="1"/>
-          </p:cNvSpPr>
-          <p:nvPr>
-            <p:ph idx="1"/>
+          <p:cNvPr id="10" name="Content Placeholder 2"/>
+          <p:cNvSpPr>
+            <a:spLocks noGrp="1"/>
+          </p:cNvSpPr>
+          <p:nvPr>
+            <p:ph sz="quarter" idx="13"/>
           </p:nvPr>
         </p:nvSpPr>
         <p:spPr>
           <a:xfrm>
-            <a:off x="5183188" y="987425"/>
-            <a:ext cx="6172200" cy="4873625"/>
+            <a:off x="5046132" y="685800"/>
+            <a:ext cx="6034375" cy="4688785"/>
           </a:xfrm>
         </p:spPr>
         <p:txBody>
@@ -4645,40 +5112,18 @@
         </p:nvSpPr>
         <p:spPr>
           <a:xfrm>
-            <a:off x="1120000" y="2057400"/>
-            <a:ext cx="3652025" cy="3811588"/>
+            <a:off x="693642" y="2709052"/>
+            <a:ext cx="4126861" cy="2665533"/>
           </a:xfrm>
         </p:spPr>
         <p:txBody>
-          <a:bodyPr/>
+          <a:bodyPr anchor="t">
+            <a:normAutofit/>
+          </a:bodyPr>
           <a:lstStyle>
-            <a:lvl1pPr marL="0" indent="0">
-              <a:buNone/>
-              <a:defRPr sz="1600">
-                <a:gradFill>
-                  <a:gsLst>
-                    <a:gs pos="15000">
-                      <a:schemeClr val="tx2"/>
-                    </a:gs>
-                    <a:gs pos="73000">
-                      <a:schemeClr val="tx2">
-                        <a:lumMod val="60000"/>
-                        <a:lumOff val="40000"/>
-                      </a:schemeClr>
-                    </a:gs>
-                    <a:gs pos="0">
-                      <a:schemeClr val="tx1"/>
-                    </a:gs>
-                    <a:gs pos="100000">
-                      <a:schemeClr val="tx2">
-                        <a:lumMod val="0"/>
-                        <a:lumOff val="100000"/>
-                      </a:schemeClr>
-                    </a:gs>
-                  </a:gsLst>
-                  <a:lin ang="16200000" scaled="1"/>
-                </a:gradFill>
-              </a:defRPr>
+            <a:lvl1pPr marL="0" indent="0" algn="ctr">
+              <a:buNone/>
+              <a:defRPr sz="1800"/>
             </a:lvl1pPr>
             <a:lvl2pPr marL="457200" indent="0">
               <a:buNone/>
@@ -4790,7 +5235,7 @@
     </p:spTree>
     <p:extLst>
       <p:ext uri="{BB962C8B-B14F-4D97-AF65-F5344CB8AC3E}">
-        <p14:creationId xmlns:p14="http://schemas.microsoft.com/office/powerpoint/2010/main" val="492232252"/>
+        <p14:creationId xmlns:p14="http://schemas.microsoft.com/office/powerpoint/2010/main" val="3975233388"/>
       </p:ext>
     </p:extLst>
   </p:cSld>
@@ -4829,15 +5274,17 @@
         </p:nvSpPr>
         <p:spPr>
           <a:xfrm>
-            <a:off x="839788" y="457200"/>
-            <a:ext cx="3932237" cy="1600200"/>
+            <a:off x="685800" y="685800"/>
+            <a:ext cx="6345302" cy="2023252"/>
           </a:xfrm>
         </p:spPr>
         <p:txBody>
-          <a:bodyPr anchor="b"/>
+          <a:bodyPr anchor="b">
+            <a:normAutofit/>
+          </a:bodyPr>
           <a:lstStyle>
-            <a:lvl1pPr>
-              <a:defRPr sz="3200"/>
+            <a:lvl1pPr algn="ctr">
+              <a:defRPr sz="3600"/>
             </a:lvl1pPr>
           </a:lstStyle>
           <a:p>
@@ -4861,14 +5308,22 @@
         </p:nvSpPr>
         <p:spPr>
           <a:xfrm>
-            <a:off x="5183188" y="987425"/>
-            <a:ext cx="6172200" cy="4873625"/>
+            <a:off x="7482362" y="0"/>
+            <a:ext cx="3598146" cy="5071533"/>
           </a:xfrm>
+          <a:ln w="57150" cmpd="thinThick">
+            <a:solidFill>
+              <a:schemeClr val="bg1">
+                <a:lumMod val="50000"/>
+              </a:schemeClr>
+            </a:solidFill>
+            <a:miter lim="800000"/>
+          </a:ln>
         </p:spPr>
         <p:txBody>
           <a:bodyPr anchor="t"/>
           <a:lstStyle>
-            <a:lvl1pPr marL="0" indent="0">
+            <a:lvl1pPr marL="0" indent="0" algn="ctr">
               <a:buNone/>
               <a:defRPr sz="3200"/>
             </a:lvl1pPr>
@@ -4926,40 +5381,18 @@
         </p:nvSpPr>
         <p:spPr>
           <a:xfrm>
-            <a:off x="1120000" y="2057400"/>
-            <a:ext cx="3652025" cy="3811588"/>
+            <a:off x="685801" y="2709052"/>
+            <a:ext cx="6345301" cy="2362481"/>
           </a:xfrm>
         </p:spPr>
         <p:txBody>
-          <a:bodyPr/>
+          <a:bodyPr anchor="t">
+            <a:normAutofit/>
+          </a:bodyPr>
           <a:lstStyle>
-            <a:lvl1pPr marL="0" indent="0">
-              <a:buNone/>
-              <a:defRPr sz="1600">
-                <a:gradFill>
-                  <a:gsLst>
-                    <a:gs pos="15000">
-                      <a:schemeClr val="tx2"/>
-                    </a:gs>
-                    <a:gs pos="73000">
-                      <a:schemeClr val="tx2">
-                        <a:lumMod val="60000"/>
-                        <a:lumOff val="40000"/>
-                      </a:schemeClr>
-                    </a:gs>
-                    <a:gs pos="0">
-                      <a:schemeClr val="tx1"/>
-                    </a:gs>
-                    <a:gs pos="100000">
-                      <a:schemeClr val="tx2">
-                        <a:lumMod val="0"/>
-                        <a:lumOff val="100000"/>
-                      </a:schemeClr>
-                    </a:gs>
-                  </a:gsLst>
-                  <a:lin ang="16200000" scaled="1"/>
-                </a:gradFill>
-              </a:defRPr>
+            <a:lvl1pPr marL="0" indent="0" algn="ctr">
+              <a:buNone/>
+              <a:defRPr sz="1800"/>
             </a:lvl1pPr>
             <a:lvl2pPr marL="457200" indent="0">
               <a:buNone/>
@@ -5071,7 +5504,7 @@
     </p:spTree>
     <p:extLst>
       <p:ext uri="{BB962C8B-B14F-4D97-AF65-F5344CB8AC3E}">
-        <p14:creationId xmlns:p14="http://schemas.microsoft.com/office/powerpoint/2010/main" val="3905230896"/>
+        <p14:creationId xmlns:p14="http://schemas.microsoft.com/office/powerpoint/2010/main" val="2151938911"/>
       </p:ext>
     </p:extLst>
   </p:cSld>
@@ -5085,18 +5518,9 @@
 <p:sldMaster xmlns:a="http://schemas.openxmlformats.org/drawingml/2006/main" xmlns:r="http://schemas.openxmlformats.org/officeDocument/2006/relationships" xmlns:p="http://schemas.openxmlformats.org/presentationml/2006/main">
   <p:cSld>
     <p:bg>
-      <p:bgPr>
-        <a:blipFill dpi="0" rotWithShape="1">
-          <a:blip r:embed="rId19">
-            <a:lum/>
-          </a:blip>
-          <a:srcRect/>
-          <a:stretch>
-            <a:fillRect/>
-          </a:stretch>
-        </a:blipFill>
-        <a:effectLst/>
-      </p:bgPr>
+      <p:bgRef idx="1003">
+        <a:schemeClr val="bg1"/>
+      </p:bgRef>
     </p:bg>
     <p:spTree>
       <p:nvGrpSpPr>
@@ -5112,96 +5536,224 @@
           <a:chExt cx="0" cy="0"/>
         </a:xfrm>
       </p:grpSpPr>
-      <p:sp>
-        <p:nvSpPr>
-          <p:cNvPr id="2" name="Title Placeholder 1"/>
-          <p:cNvSpPr>
-            <a:spLocks noGrp="1"/>
-          </p:cNvSpPr>
-          <p:nvPr>
-            <p:ph type="title"/>
-          </p:nvPr>
-        </p:nvSpPr>
+      <p:pic>
+        <p:nvPicPr>
+          <p:cNvPr id="7" name="Picture 6" descr="Brickwork-HD-R1a.jpg"/>
+          <p:cNvPicPr>
+            <a:picLocks noChangeAspect="1"/>
+          </p:cNvPicPr>
+          <p:nvPr/>
+        </p:nvPicPr>
+        <p:blipFill>
+          <a:blip r:embed="rId20">
+            <a:extLst>
+              <a:ext uri="{28A0092B-C50C-407E-A947-70E740481C1C}">
+                <a14:useLocalDpi xmlns:a14="http://schemas.microsoft.com/office/drawing/2010/main" val="0"/>
+              </a:ext>
+            </a:extLst>
+          </a:blip>
+          <a:stretch>
+            <a:fillRect/>
+          </a:stretch>
+        </p:blipFill>
         <p:spPr>
           <a:xfrm>
-            <a:off x="838200" y="365125"/>
-            <a:ext cx="10515600" cy="1325563"/>
+            <a:off x="0" y="0"/>
+            <a:ext cx="12192000" cy="6858000"/>
           </a:xfrm>
           <a:prstGeom prst="rect">
             <a:avLst/>
           </a:prstGeom>
         </p:spPr>
-        <p:txBody>
-          <a:bodyPr vert="horz" lIns="91440" tIns="45720" rIns="91440" bIns="45720" rtlCol="0" anchor="ctr">
-            <a:normAutofit/>
-          </a:bodyPr>
-          <a:lstStyle/>
-          <a:p>
-            <a:r>
-              <a:rPr lang="uk-UA"/>
-              <a:t>Клацніть, щоб редагувати стиль зразка заголовка</a:t>
-            </a:r>
-            <a:endParaRPr lang="en-US" dirty="0"/>
-          </a:p>
-        </p:txBody>
-      </p:sp>
-      <p:sp>
-        <p:nvSpPr>
-          <p:cNvPr id="3" name="Text Placeholder 2"/>
-          <p:cNvSpPr>
-            <a:spLocks noGrp="1"/>
-          </p:cNvSpPr>
-          <p:nvPr>
-            <p:ph type="body" idx="1"/>
+      </p:pic>
+      <p:grpSp>
+        <p:nvGrpSpPr>
+          <p:cNvPr id="10" name="Group 9"/>
+          <p:cNvGrpSpPr/>
+          <p:nvPr/>
+        </p:nvGrpSpPr>
+        <p:grpSpPr>
+          <a:xfrm>
+            <a:off x="-25397" y="0"/>
+            <a:ext cx="12005350" cy="6644081"/>
+            <a:chOff x="-25397" y="0"/>
+            <a:chExt cx="12005350" cy="6644081"/>
+          </a:xfrm>
+        </p:grpSpPr>
+        <p:sp useBgFill="1">
+          <p:nvSpPr>
+            <p:cNvPr id="11" name="Rectangle 10"/>
+            <p:cNvSpPr/>
+            <p:nvPr/>
+          </p:nvSpPr>
+          <p:spPr>
+            <a:xfrm>
+              <a:off x="1" y="0"/>
+              <a:ext cx="11979952" cy="6644081"/>
+            </a:xfrm>
+            <a:prstGeom prst="rect">
+              <a:avLst/>
+            </a:prstGeom>
+            <a:ln>
+              <a:noFill/>
+            </a:ln>
+            <a:effectLst>
+              <a:outerShdw blurRad="98425" dist="76200" dir="4380000" algn="tl" rotWithShape="0">
+                <a:srgbClr val="000000">
+                  <a:alpha val="68000"/>
+                </a:srgbClr>
+              </a:outerShdw>
+            </a:effectLst>
+          </p:spPr>
+          <p:style>
+            <a:lnRef idx="1">
+              <a:schemeClr val="accent1"/>
+            </a:lnRef>
+            <a:fillRef idx="3">
+              <a:schemeClr val="accent1"/>
+            </a:fillRef>
+            <a:effectRef idx="2">
+              <a:schemeClr val="accent1"/>
+            </a:effectRef>
+            <a:fontRef idx="minor">
+              <a:schemeClr val="lt1"/>
+            </a:fontRef>
+          </p:style>
+        </p:sp>
+        <p:sp>
+          <p:nvSpPr>
+            <p:cNvPr id="12" name="Freeform 11"/>
+            <p:cNvSpPr/>
+            <p:nvPr/>
+          </p:nvSpPr>
+          <p:spPr>
+            <a:xfrm>
+              <a:off x="-25397" y="0"/>
+              <a:ext cx="11773291" cy="6419514"/>
+            </a:xfrm>
+            <a:custGeom>
+              <a:avLst/>
+              <a:gdLst/>
+              <a:ahLst/>
+              <a:cxnLst/>
+              <a:rect l="l" t="t" r="r" b="b"/>
+              <a:pathLst>
+                <a:path w="11773291" h="6419514">
+                  <a:moveTo>
+                    <a:pt x="11750059" y="0"/>
+                  </a:moveTo>
+                  <a:lnTo>
+                    <a:pt x="11773291" y="6419514"/>
+                  </a:lnTo>
+                  <a:lnTo>
+                    <a:pt x="0" y="6411047"/>
+                  </a:lnTo>
+                </a:path>
+              </a:pathLst>
+            </a:custGeom>
+            <a:ln w="82550">
+              <a:solidFill>
+                <a:schemeClr val="tx1">
+                  <a:lumMod val="50000"/>
+                  <a:lumOff val="50000"/>
+                </a:schemeClr>
+              </a:solidFill>
+              <a:miter lim="800000"/>
+            </a:ln>
+          </p:spPr>
+          <p:style>
+            <a:lnRef idx="2">
+              <a:schemeClr val="accent1"/>
+            </a:lnRef>
+            <a:fillRef idx="0">
+              <a:schemeClr val="accent1"/>
+            </a:fillRef>
+            <a:effectRef idx="1">
+              <a:schemeClr val="accent1"/>
+            </a:effectRef>
+            <a:fontRef idx="minor">
+              <a:schemeClr val="tx1"/>
+            </a:fontRef>
+          </p:style>
+        </p:sp>
+        <p:sp>
+          <p:nvSpPr>
+            <p:cNvPr id="13" name="Rectangle 12"/>
+            <p:cNvSpPr/>
+            <p:nvPr/>
+          </p:nvSpPr>
+          <p:spPr>
+            <a:xfrm>
+              <a:off x="1" y="5600215"/>
+              <a:ext cx="11706512" cy="780581"/>
+            </a:xfrm>
+            <a:prstGeom prst="rect">
+              <a:avLst/>
+            </a:prstGeom>
+            <a:gradFill flip="none" rotWithShape="1">
+              <a:gsLst>
+                <a:gs pos="34000">
+                  <a:schemeClr val="accent1"/>
+                </a:gs>
+                <a:gs pos="100000">
+                  <a:schemeClr val="accent1">
+                    <a:lumMod val="50000"/>
+                  </a:schemeClr>
+                </a:gs>
+              </a:gsLst>
+              <a:path path="circle">
+                <a:fillToRect l="50000" t="50000" r="50000" b="50000"/>
+              </a:path>
+              <a:tileRect/>
+            </a:gradFill>
+            <a:ln>
+              <a:noFill/>
+            </a:ln>
+          </p:spPr>
+          <p:style>
+            <a:lnRef idx="1">
+              <a:schemeClr val="accent1"/>
+            </a:lnRef>
+            <a:fillRef idx="3">
+              <a:schemeClr val="accent1"/>
+            </a:fillRef>
+            <a:effectRef idx="2">
+              <a:schemeClr val="accent1"/>
+            </a:effectRef>
+            <a:fontRef idx="minor">
+              <a:schemeClr val="lt1"/>
+            </a:fontRef>
+          </p:style>
+        </p:sp>
+      </p:grpSp>
+      <p:sp>
+        <p:nvSpPr>
+          <p:cNvPr id="2" name="Title Placeholder 1"/>
+          <p:cNvSpPr>
+            <a:spLocks noGrp="1"/>
+          </p:cNvSpPr>
+          <p:nvPr>
+            <p:ph type="title"/>
           </p:nvPr>
         </p:nvSpPr>
         <p:spPr>
           <a:xfrm>
-            <a:off x="1120000" y="1825625"/>
-            <a:ext cx="10233800" cy="4351338"/>
+            <a:off x="685801" y="685800"/>
+            <a:ext cx="10396882" cy="1151965"/>
           </a:xfrm>
           <a:prstGeom prst="rect">
             <a:avLst/>
           </a:prstGeom>
         </p:spPr>
         <p:txBody>
-          <a:bodyPr vert="horz" lIns="91440" tIns="45720" rIns="91440" bIns="45720" rtlCol="0">
+          <a:bodyPr vert="horz" lIns="91440" tIns="45720" rIns="91440" bIns="45720" rtlCol="0" anchor="ctr">
             <a:normAutofit/>
           </a:bodyPr>
           <a:lstStyle/>
           <a:p>
-            <a:pPr lvl="0"/>
             <a:r>
               <a:rPr lang="uk-UA"/>
-              <a:t>Клацніть, щоб відредагувати стилі зразків тексту</a:t>
-            </a:r>
-          </a:p>
-          <a:p>
-            <a:pPr lvl="1"/>
-            <a:r>
-              <a:rPr lang="uk-UA"/>
-              <a:t>Другий рівень</a:t>
-            </a:r>
-          </a:p>
-          <a:p>
-            <a:pPr lvl="2"/>
-            <a:r>
-              <a:rPr lang="uk-UA"/>
-              <a:t>Третій рівень</a:t>
-            </a:r>
-          </a:p>
-          <a:p>
-            <a:pPr lvl="3"/>
-            <a:r>
-              <a:rPr lang="uk-UA"/>
-              <a:t>Четвертий рівень</a:t>
-            </a:r>
-          </a:p>
-          <a:p>
-            <a:pPr lvl="4"/>
-            <a:r>
-              <a:rPr lang="uk-UA"/>
-              <a:t>П’ятий рівень</a:t>
+              <a:t>Клацніть, щоб редагувати стиль зразка заголовка</a:t>
             </a:r>
             <a:endParaRPr lang="en-US" dirty="0"/>
           </a:p>
@@ -5209,51 +5761,95 @@
       </p:sp>
       <p:sp>
         <p:nvSpPr>
-          <p:cNvPr id="4" name="Date Placeholder 3"/>
-          <p:cNvSpPr>
-            <a:spLocks noGrp="1"/>
-          </p:cNvSpPr>
-          <p:nvPr>
-            <p:ph type="dt" sz="half" idx="2"/>
+          <p:cNvPr id="3" name="Text Placeholder 2"/>
+          <p:cNvSpPr>
+            <a:spLocks noGrp="1"/>
+          </p:cNvSpPr>
+          <p:nvPr>
+            <p:ph type="body" idx="1"/>
           </p:nvPr>
         </p:nvSpPr>
         <p:spPr>
           <a:xfrm>
-            <a:off x="838200" y="6356350"/>
-            <a:ext cx="2743200" cy="365125"/>
+            <a:off x="685800" y="2063396"/>
+            <a:ext cx="10396883" cy="3311189"/>
           </a:xfrm>
           <a:prstGeom prst="rect">
             <a:avLst/>
           </a:prstGeom>
         </p:spPr>
         <p:txBody>
+          <a:bodyPr vert="horz" lIns="91440" tIns="45720" rIns="91440" bIns="45720" rtlCol="0" anchor="ctr">
+            <a:normAutofit/>
+          </a:bodyPr>
+          <a:lstStyle/>
+          <a:p>
+            <a:pPr lvl="0"/>
+            <a:r>
+              <a:rPr lang="uk-UA"/>
+              <a:t>Клацніть, щоб відредагувати стилі зразків тексту</a:t>
+            </a:r>
+          </a:p>
+          <a:p>
+            <a:pPr lvl="1"/>
+            <a:r>
+              <a:rPr lang="uk-UA"/>
+              <a:t>Другий рівень</a:t>
+            </a:r>
+          </a:p>
+          <a:p>
+            <a:pPr lvl="2"/>
+            <a:r>
+              <a:rPr lang="uk-UA"/>
+              <a:t>Третій рівень</a:t>
+            </a:r>
+          </a:p>
+          <a:p>
+            <a:pPr lvl="3"/>
+            <a:r>
+              <a:rPr lang="uk-UA"/>
+              <a:t>Четвертий рівень</a:t>
+            </a:r>
+          </a:p>
+          <a:p>
+            <a:pPr lvl="4"/>
+            <a:r>
+              <a:rPr lang="uk-UA"/>
+              <a:t>П’ятий рівень</a:t>
+            </a:r>
+            <a:endParaRPr lang="en-US" dirty="0"/>
+          </a:p>
+        </p:txBody>
+      </p:sp>
+      <p:sp>
+        <p:nvSpPr>
+          <p:cNvPr id="4" name="Date Placeholder 3"/>
+          <p:cNvSpPr>
+            <a:spLocks noGrp="1"/>
+          </p:cNvSpPr>
+          <p:nvPr>
+            <p:ph type="dt" sz="half" idx="2"/>
+          </p:nvPr>
+        </p:nvSpPr>
+        <p:spPr>
+          <a:xfrm>
+            <a:off x="7298083" y="5757334"/>
+            <a:ext cx="3784600" cy="498470"/>
+          </a:xfrm>
+          <a:prstGeom prst="rect">
+            <a:avLst/>
+          </a:prstGeom>
+        </p:spPr>
+        <p:txBody>
           <a:bodyPr vert="horz" lIns="91440" tIns="45720" rIns="91440" bIns="45720" rtlCol="0" anchor="ctr"/>
           <a:lstStyle>
-            <a:lvl1pPr algn="l">
-              <a:defRPr sz="1200">
-                <a:gradFill flip="none" rotWithShape="1">
-                  <a:gsLst>
-                    <a:gs pos="28000">
-                      <a:schemeClr val="tx1">
-                        <a:lumMod val="93000"/>
-                      </a:schemeClr>
-                    </a:gs>
-                    <a:gs pos="0">
-                      <a:schemeClr val="bg1">
-                        <a:lumMod val="38000"/>
-                        <a:lumOff val="62000"/>
-                      </a:schemeClr>
-                    </a:gs>
-                    <a:gs pos="100000">
-                      <a:schemeClr val="tx2">
-                        <a:lumMod val="0"/>
-                        <a:lumOff val="100000"/>
-                      </a:schemeClr>
-                    </a:gs>
-                  </a:gsLst>
-                  <a:lin ang="5400000" scaled="1"/>
-                  <a:tileRect/>
-                </a:gradFill>
+            <a:lvl1pPr algn="r">
+              <a:defRPr sz="3200" cap="all" baseline="0">
+                <a:solidFill>
+                  <a:schemeClr val="accent1">
+                    <a:lumMod val="50000"/>
+                  </a:schemeClr>
+                </a:solidFill>
               </a:defRPr>
             </a:lvl1pPr>
           </a:lstStyle>
@@ -5278,8 +5874,8 @@
         </p:nvSpPr>
         <p:spPr>
           <a:xfrm>
-            <a:off x="4038600" y="6356350"/>
-            <a:ext cx="4114800" cy="365125"/>
+            <a:off x="685801" y="5757334"/>
+            <a:ext cx="5499719" cy="498470"/>
           </a:xfrm>
           <a:prstGeom prst="rect">
             <a:avLst/>
@@ -5288,31 +5884,13 @@
         <p:txBody>
           <a:bodyPr vert="horz" lIns="91440" tIns="45720" rIns="91440" bIns="45720" rtlCol="0" anchor="ctr"/>
           <a:lstStyle>
-            <a:lvl1pPr algn="ctr">
-              <a:defRPr sz="1200">
-                <a:gradFill flip="none" rotWithShape="1">
-                  <a:gsLst>
-                    <a:gs pos="28000">
-                      <a:schemeClr val="tx1">
-                        <a:lumMod val="93000"/>
-                      </a:schemeClr>
-                    </a:gs>
-                    <a:gs pos="0">
-                      <a:schemeClr val="bg1">
-                        <a:lumMod val="38000"/>
-                        <a:lumOff val="62000"/>
-                      </a:schemeClr>
-                    </a:gs>
-                    <a:gs pos="100000">
-                      <a:schemeClr val="tx2">
-                        <a:lumMod val="0"/>
-                        <a:lumOff val="100000"/>
-                      </a:schemeClr>
-                    </a:gs>
-                  </a:gsLst>
-                  <a:lin ang="5400000" scaled="1"/>
-                  <a:tileRect/>
-                </a:gradFill>
+            <a:lvl1pPr algn="l">
+              <a:defRPr sz="3200" cap="all" baseline="0">
+                <a:solidFill>
+                  <a:schemeClr val="accent1">
+                    <a:lumMod val="50000"/>
+                  </a:schemeClr>
+                </a:solidFill>
               </a:defRPr>
             </a:lvl1pPr>
           </a:lstStyle>
@@ -5333,8 +5911,8 @@
         </p:nvSpPr>
         <p:spPr>
           <a:xfrm>
-            <a:off x="8610600" y="6356350"/>
-            <a:ext cx="2743200" cy="365125"/>
+            <a:off x="6287121" y="5757334"/>
+            <a:ext cx="907186" cy="498470"/>
           </a:xfrm>
           <a:prstGeom prst="rect">
             <a:avLst/>
@@ -5343,31 +5921,13 @@
         <p:txBody>
           <a:bodyPr vert="horz" lIns="91440" tIns="45720" rIns="91440" bIns="45720" rtlCol="0" anchor="ctr"/>
           <a:lstStyle>
-            <a:lvl1pPr algn="r">
-              <a:defRPr sz="1200">
-                <a:gradFill flip="none" rotWithShape="1">
-                  <a:gsLst>
-                    <a:gs pos="28000">
-                      <a:schemeClr val="tx1">
-                        <a:lumMod val="93000"/>
-                      </a:schemeClr>
-                    </a:gs>
-                    <a:gs pos="0">
-                      <a:schemeClr val="bg1">
-                        <a:lumMod val="38000"/>
-                        <a:lumOff val="62000"/>
-                      </a:schemeClr>
-                    </a:gs>
-                    <a:gs pos="100000">
-                      <a:schemeClr val="tx2">
-                        <a:lumMod val="0"/>
-                        <a:lumOff val="100000"/>
-                      </a:schemeClr>
-                    </a:gs>
-                  </a:gsLst>
-                  <a:lin ang="5400000" scaled="1"/>
-                  <a:tileRect/>
-                </a:gradFill>
+            <a:lvl1pPr algn="ctr">
+              <a:defRPr sz="3200" cap="all" baseline="0">
+                <a:solidFill>
+                  <a:schemeClr val="accent1">
+                    <a:lumMod val="50000"/>
+                  </a:schemeClr>
+                </a:solidFill>
               </a:defRPr>
             </a:lvl1pPr>
           </a:lstStyle>
@@ -5383,29 +5943,30 @@
     </p:spTree>
     <p:extLst>
       <p:ext uri="{BB962C8B-B14F-4D97-AF65-F5344CB8AC3E}">
-        <p14:creationId xmlns:p14="http://schemas.microsoft.com/office/powerpoint/2010/main" val="470920342"/>
+        <p14:creationId xmlns:p14="http://schemas.microsoft.com/office/powerpoint/2010/main" val="1085760273"/>
       </p:ext>
     </p:extLst>
   </p:cSld>
-  <p:clrMap bg1="dk1" tx1="lt1" bg2="dk2" tx2="lt2" accent1="accent1" accent2="accent2" accent3="accent3" accent4="accent4" accent5="accent5" accent6="accent6" hlink="hlink" folHlink="folHlink"/>
+  <p:clrMap bg1="lt1" tx1="dk1" bg2="lt2" tx2="dk2" accent1="accent1" accent2="accent2" accent3="accent3" accent4="accent4" accent5="accent5" accent6="accent6" hlink="hlink" folHlink="folHlink"/>
   <p:sldLayoutIdLst>
-    <p:sldLayoutId id="2147483661" r:id="rId1"/>
-    <p:sldLayoutId id="2147483662" r:id="rId2"/>
-    <p:sldLayoutId id="2147483663" r:id="rId3"/>
-    <p:sldLayoutId id="2147483664" r:id="rId4"/>
-    <p:sldLayoutId id="2147483665" r:id="rId5"/>
-    <p:sldLayoutId id="2147483666" r:id="rId6"/>
-    <p:sldLayoutId id="2147483667" r:id="rId7"/>
-    <p:sldLayoutId id="2147483668" r:id="rId8"/>
-    <p:sldLayoutId id="2147483669" r:id="rId9"/>
-    <p:sldLayoutId id="2147483670" r:id="rId10"/>
-    <p:sldLayoutId id="2147483671" r:id="rId11"/>
-    <p:sldLayoutId id="2147483672" r:id="rId12"/>
-    <p:sldLayoutId id="2147483673" r:id="rId13"/>
-    <p:sldLayoutId id="2147483674" r:id="rId14"/>
-    <p:sldLayoutId id="2147483675" r:id="rId15"/>
-    <p:sldLayoutId id="2147483676" r:id="rId16"/>
-    <p:sldLayoutId id="2147483677" r:id="rId17"/>
+    <p:sldLayoutId id="2147483709" r:id="rId1"/>
+    <p:sldLayoutId id="2147483710" r:id="rId2"/>
+    <p:sldLayoutId id="2147483711" r:id="rId3"/>
+    <p:sldLayoutId id="2147483712" r:id="rId4"/>
+    <p:sldLayoutId id="2147483713" r:id="rId5"/>
+    <p:sldLayoutId id="2147483714" r:id="rId6"/>
+    <p:sldLayoutId id="2147483715" r:id="rId7"/>
+    <p:sldLayoutId id="2147483716" r:id="rId8"/>
+    <p:sldLayoutId id="2147483717" r:id="rId9"/>
+    <p:sldLayoutId id="2147483718" r:id="rId10"/>
+    <p:sldLayoutId id="2147483719" r:id="rId11"/>
+    <p:sldLayoutId id="2147483720" r:id="rId12"/>
+    <p:sldLayoutId id="2147483721" r:id="rId13"/>
+    <p:sldLayoutId id="2147483722" r:id="rId14"/>
+    <p:sldLayoutId id="2147483723" r:id="rId15"/>
+    <p:sldLayoutId id="2147483724" r:id="rId16"/>
+    <p:sldLayoutId id="2147483725" r:id="rId17"/>
+    <p:sldLayoutId id="2147483726" r:id="rId18"/>
   </p:sldLayoutIdLst>
   <p:txStyles>
     <p:titleStyle>
@@ -5417,30 +5978,11 @@
           <a:spcPct val="0"/>
         </a:spcBef>
         <a:buNone/>
-        <a:defRPr sz="5400" b="0" kern="1200">
-          <a:gradFill flip="none" rotWithShape="1">
-            <a:gsLst>
-              <a:gs pos="28000">
-                <a:schemeClr val="tx1">
-                  <a:lumMod val="93000"/>
-                </a:schemeClr>
-              </a:gs>
-              <a:gs pos="0">
-                <a:schemeClr val="bg1">
-                  <a:lumMod val="25000"/>
-                  <a:lumOff val="75000"/>
-                </a:schemeClr>
-              </a:gs>
-              <a:gs pos="100000">
-                <a:schemeClr val="tx2">
-                  <a:lumMod val="0"/>
-                  <a:lumOff val="100000"/>
-                </a:schemeClr>
-              </a:gs>
-            </a:gsLst>
-            <a:lin ang="4800000" scaled="0"/>
-            <a:tileRect/>
-          </a:gradFill>
+        <a:defRPr sz="5400" kern="1200" cap="all" baseline="0">
+          <a:solidFill>
+            <a:schemeClr val="accent1"/>
+          </a:solidFill>
+          <a:effectLst/>
           <a:latin typeface="+mj-lt"/>
           <a:ea typeface="+mj-ea"/>
           <a:cs typeface="+mj-cs"/>
@@ -5450,36 +5992,22 @@
     <p:bodyStyle>
       <a:lvl1pPr marL="228600" indent="-228600" algn="l" defTabSz="914400" rtl="0" eaLnBrk="1" latinLnBrk="0" hangingPunct="1">
         <a:lnSpc>
-          <a:spcPct val="90000"/>
+          <a:spcPct val="120000"/>
         </a:lnSpc>
         <a:spcBef>
           <a:spcPts val="1000"/>
         </a:spcBef>
+        <a:buClr>
+          <a:schemeClr val="accent1"/>
+        </a:buClr>
+        <a:buSzPct val="160000"/>
         <a:buFont typeface="Arial" panose="020B0604020202020204" pitchFamily="34" charset="0"/>
         <a:buChar char="•"/>
-        <a:defRPr sz="2800" kern="1200">
-          <a:gradFill>
-            <a:gsLst>
-              <a:gs pos="34000">
-                <a:schemeClr val="tx1">
-                  <a:lumMod val="93000"/>
-                </a:schemeClr>
-              </a:gs>
-              <a:gs pos="0">
-                <a:schemeClr val="bg1">
-                  <a:lumMod val="25000"/>
-                  <a:lumOff val="75000"/>
-                </a:schemeClr>
-              </a:gs>
-              <a:gs pos="100000">
-                <a:schemeClr val="tx2">
-                  <a:lumMod val="0"/>
-                  <a:lumOff val="100000"/>
-                </a:schemeClr>
-              </a:gs>
-            </a:gsLst>
-            <a:lin ang="4800000" scaled="0"/>
-          </a:gradFill>
+        <a:defRPr sz="2000" kern="1200" cap="all" baseline="0">
+          <a:solidFill>
+            <a:schemeClr val="tx1"/>
+          </a:solidFill>
+          <a:effectLst/>
           <a:latin typeface="+mn-lt"/>
           <a:ea typeface="+mn-ea"/>
           <a:cs typeface="+mn-cs"/>
@@ -5487,36 +6015,22 @@
       </a:lvl1pPr>
       <a:lvl2pPr marL="685800" indent="-228600" algn="l" defTabSz="914400" rtl="0" eaLnBrk="1" latinLnBrk="0" hangingPunct="1">
         <a:lnSpc>
-          <a:spcPct val="90000"/>
+          <a:spcPct val="120000"/>
         </a:lnSpc>
         <a:spcBef>
           <a:spcPts val="500"/>
         </a:spcBef>
+        <a:buClr>
+          <a:schemeClr val="accent1"/>
+        </a:buClr>
+        <a:buSzPct val="160000"/>
         <a:buFont typeface="Arial" panose="020B0604020202020204" pitchFamily="34" charset="0"/>
         <a:buChar char="•"/>
-        <a:defRPr sz="2400" kern="1200">
-          <a:gradFill>
-            <a:gsLst>
-              <a:gs pos="34000">
-                <a:schemeClr val="tx1">
-                  <a:lumMod val="93000"/>
-                </a:schemeClr>
-              </a:gs>
-              <a:gs pos="0">
-                <a:schemeClr val="bg1">
-                  <a:lumMod val="25000"/>
-                  <a:lumOff val="75000"/>
-                </a:schemeClr>
-              </a:gs>
-              <a:gs pos="100000">
-                <a:schemeClr val="tx2">
-                  <a:lumMod val="0"/>
-                  <a:lumOff val="100000"/>
-                </a:schemeClr>
-              </a:gs>
-            </a:gsLst>
-            <a:lin ang="4800000" scaled="0"/>
-          </a:gradFill>
+        <a:defRPr sz="1800" kern="1200" cap="all" baseline="0">
+          <a:solidFill>
+            <a:schemeClr val="tx1"/>
+          </a:solidFill>
+          <a:effectLst/>
           <a:latin typeface="+mn-lt"/>
           <a:ea typeface="+mn-ea"/>
           <a:cs typeface="+mn-cs"/>
@@ -5524,36 +6038,22 @@
       </a:lvl2pPr>
       <a:lvl3pPr marL="1143000" indent="-228600" algn="l" defTabSz="914400" rtl="0" eaLnBrk="1" latinLnBrk="0" hangingPunct="1">
         <a:lnSpc>
-          <a:spcPct val="90000"/>
+          <a:spcPct val="120000"/>
         </a:lnSpc>
         <a:spcBef>
           <a:spcPts val="500"/>
         </a:spcBef>
+        <a:buClr>
+          <a:schemeClr val="accent1"/>
+        </a:buClr>
+        <a:buSzPct val="160000"/>
         <a:buFont typeface="Arial" panose="020B0604020202020204" pitchFamily="34" charset="0"/>
         <a:buChar char="•"/>
-        <a:defRPr sz="2000" kern="1200">
-          <a:gradFill>
-            <a:gsLst>
-              <a:gs pos="34000">
-                <a:schemeClr val="tx1">
-                  <a:lumMod val="93000"/>
-                </a:schemeClr>
-              </a:gs>
-              <a:gs pos="0">
-                <a:schemeClr val="bg1">
-                  <a:lumMod val="25000"/>
-                  <a:lumOff val="75000"/>
-                </a:schemeClr>
-              </a:gs>
-              <a:gs pos="100000">
-                <a:schemeClr val="tx2">
-                  <a:lumMod val="0"/>
-                  <a:lumOff val="100000"/>
-                </a:schemeClr>
-              </a:gs>
-            </a:gsLst>
-            <a:lin ang="4800000" scaled="0"/>
-          </a:gradFill>
+        <a:defRPr sz="1600" kern="1200" cap="all" baseline="0">
+          <a:solidFill>
+            <a:schemeClr val="tx1"/>
+          </a:solidFill>
+          <a:effectLst/>
           <a:latin typeface="+mn-lt"/>
           <a:ea typeface="+mn-ea"/>
           <a:cs typeface="+mn-cs"/>
@@ -5561,36 +6061,22 @@
       </a:lvl3pPr>
       <a:lvl4pPr marL="1600200" indent="-228600" algn="l" defTabSz="914400" rtl="0" eaLnBrk="1" latinLnBrk="0" hangingPunct="1">
         <a:lnSpc>
-          <a:spcPct val="90000"/>
+          <a:spcPct val="120000"/>
         </a:lnSpc>
         <a:spcBef>
           <a:spcPts val="500"/>
         </a:spcBef>
+        <a:buClr>
+          <a:schemeClr val="accent1"/>
+        </a:buClr>
+        <a:buSzPct val="160000"/>
         <a:buFont typeface="Arial" panose="020B0604020202020204" pitchFamily="34" charset="0"/>
         <a:buChar char="•"/>
-        <a:defRPr sz="1800" kern="1200">
-          <a:gradFill>
-            <a:gsLst>
-              <a:gs pos="34000">
-                <a:schemeClr val="tx1">
-                  <a:lumMod val="93000"/>
-                </a:schemeClr>
-              </a:gs>
-              <a:gs pos="0">
-                <a:schemeClr val="bg1">
-                  <a:lumMod val="25000"/>
-                  <a:lumOff val="75000"/>
-                </a:schemeClr>
-              </a:gs>
-              <a:gs pos="100000">
-                <a:schemeClr val="tx2">
-                  <a:lumMod val="0"/>
-                  <a:lumOff val="100000"/>
-                </a:schemeClr>
-              </a:gs>
-            </a:gsLst>
-            <a:lin ang="4800000" scaled="0"/>
-          </a:gradFill>
+        <a:defRPr sz="1400" kern="1200" cap="all" baseline="0">
+          <a:solidFill>
+            <a:schemeClr val="tx1"/>
+          </a:solidFill>
+          <a:effectLst/>
           <a:latin typeface="+mn-lt"/>
           <a:ea typeface="+mn-ea"/>
           <a:cs typeface="+mn-cs"/>
@@ -5598,36 +6084,22 @@
       </a:lvl4pPr>
       <a:lvl5pPr marL="2057400" indent="-228600" algn="l" defTabSz="914400" rtl="0" eaLnBrk="1" latinLnBrk="0" hangingPunct="1">
         <a:lnSpc>
-          <a:spcPct val="90000"/>
+          <a:spcPct val="120000"/>
         </a:lnSpc>
         <a:spcBef>
           <a:spcPts val="500"/>
         </a:spcBef>
+        <a:buClr>
+          <a:schemeClr val="accent1"/>
+        </a:buClr>
+        <a:buSzPct val="160000"/>
         <a:buFont typeface="Arial" panose="020B0604020202020204" pitchFamily="34" charset="0"/>
         <a:buChar char="•"/>
-        <a:defRPr sz="1800" kern="1200">
-          <a:gradFill>
-            <a:gsLst>
-              <a:gs pos="34000">
-                <a:schemeClr val="tx1">
-                  <a:lumMod val="93000"/>
-                </a:schemeClr>
-              </a:gs>
-              <a:gs pos="0">
-                <a:schemeClr val="bg1">
-                  <a:lumMod val="25000"/>
-                  <a:lumOff val="75000"/>
-                </a:schemeClr>
-              </a:gs>
-              <a:gs pos="100000">
-                <a:schemeClr val="tx2">
-                  <a:lumMod val="0"/>
-                  <a:lumOff val="100000"/>
-                </a:schemeClr>
-              </a:gs>
-            </a:gsLst>
-            <a:lin ang="4800000" scaled="0"/>
-          </a:gradFill>
+        <a:defRPr sz="1400" kern="1200" cap="all" baseline="0">
+          <a:solidFill>
+            <a:schemeClr val="tx1"/>
+          </a:solidFill>
+          <a:effectLst/>
           <a:latin typeface="+mn-lt"/>
           <a:ea typeface="+mn-ea"/>
           <a:cs typeface="+mn-cs"/>
@@ -5635,17 +6107,22 @@
       </a:lvl5pPr>
       <a:lvl6pPr marL="2514600" indent="-228600" algn="l" defTabSz="914400" rtl="0" eaLnBrk="1" latinLnBrk="0" hangingPunct="1">
         <a:lnSpc>
-          <a:spcPct val="90000"/>
+          <a:spcPct val="120000"/>
         </a:lnSpc>
         <a:spcBef>
           <a:spcPts val="500"/>
         </a:spcBef>
+        <a:buClr>
+          <a:schemeClr val="accent1"/>
+        </a:buClr>
+        <a:buSzPct val="160000"/>
         <a:buFont typeface="Arial" panose="020B0604020202020204" pitchFamily="34" charset="0"/>
         <a:buChar char="•"/>
-        <a:defRPr sz="1800" kern="1200">
+        <a:defRPr sz="1400" kern="1200" cap="all" baseline="0">
           <a:solidFill>
             <a:schemeClr val="tx1"/>
           </a:solidFill>
+          <a:effectLst/>
           <a:latin typeface="+mn-lt"/>
           <a:ea typeface="+mn-ea"/>
           <a:cs typeface="+mn-cs"/>
@@ -5653,17 +6130,22 @@
       </a:lvl6pPr>
       <a:lvl7pPr marL="2971800" indent="-228600" algn="l" defTabSz="914400" rtl="0" eaLnBrk="1" latinLnBrk="0" hangingPunct="1">
         <a:lnSpc>
-          <a:spcPct val="90000"/>
+          <a:spcPct val="120000"/>
         </a:lnSpc>
         <a:spcBef>
           <a:spcPts val="500"/>
         </a:spcBef>
+        <a:buClr>
+          <a:schemeClr val="accent1"/>
+        </a:buClr>
+        <a:buSzPct val="160000"/>
         <a:buFont typeface="Arial" panose="020B0604020202020204" pitchFamily="34" charset="0"/>
         <a:buChar char="•"/>
-        <a:defRPr sz="1800" kern="1200">
+        <a:defRPr sz="1400" kern="1200" cap="all" baseline="0">
           <a:solidFill>
             <a:schemeClr val="tx1"/>
           </a:solidFill>
+          <a:effectLst/>
           <a:latin typeface="+mn-lt"/>
           <a:ea typeface="+mn-ea"/>
           <a:cs typeface="+mn-cs"/>
@@ -5671,17 +6153,22 @@
       </a:lvl7pPr>
       <a:lvl8pPr marL="3429000" indent="-228600" algn="l" defTabSz="914400" rtl="0" eaLnBrk="1" latinLnBrk="0" hangingPunct="1">
         <a:lnSpc>
-          <a:spcPct val="90000"/>
+          <a:spcPct val="120000"/>
         </a:lnSpc>
         <a:spcBef>
           <a:spcPts val="500"/>
         </a:spcBef>
+        <a:buClr>
+          <a:schemeClr val="accent1"/>
+        </a:buClr>
+        <a:buSzPct val="160000"/>
         <a:buFont typeface="Arial" panose="020B0604020202020204" pitchFamily="34" charset="0"/>
         <a:buChar char="•"/>
-        <a:defRPr sz="1800" kern="1200">
+        <a:defRPr sz="1400" kern="1200" cap="all" baseline="0">
           <a:solidFill>
             <a:schemeClr val="tx1"/>
           </a:solidFill>
+          <a:effectLst/>
           <a:latin typeface="+mn-lt"/>
           <a:ea typeface="+mn-ea"/>
           <a:cs typeface="+mn-cs"/>
@@ -5689,17 +6176,22 @@
       </a:lvl8pPr>
       <a:lvl9pPr marL="3886200" indent="-228600" algn="l" defTabSz="914400" rtl="0" eaLnBrk="1" latinLnBrk="0" hangingPunct="1">
         <a:lnSpc>
-          <a:spcPct val="90000"/>
+          <a:spcPct val="120000"/>
         </a:lnSpc>
         <a:spcBef>
           <a:spcPts val="500"/>
         </a:spcBef>
+        <a:buClr>
+          <a:schemeClr val="accent1"/>
+        </a:buClr>
+        <a:buSzPct val="160000"/>
         <a:buFont typeface="Arial" panose="020B0604020202020204" pitchFamily="34" charset="0"/>
         <a:buChar char="•"/>
-        <a:defRPr sz="1800" kern="1200">
+        <a:defRPr sz="1400" kern="1200" cap="all" baseline="0">
           <a:solidFill>
             <a:schemeClr val="tx1"/>
           </a:solidFill>
+          <a:effectLst/>
           <a:latin typeface="+mn-lt"/>
           <a:ea typeface="+mn-ea"/>
           <a:cs typeface="+mn-cs"/>
@@ -5822,139 +6314,12 @@
           <a:chExt cx="0" cy="0"/>
         </a:xfrm>
       </p:grpSpPr>
-      <p:sp>
-        <p:nvSpPr>
-          <p:cNvPr id="4" name="Заголовок 3">
+      <p:pic>
+        <p:nvPicPr>
+          <p:cNvPr id="4" name="Picture 4">
             <a:extLst>
               <a:ext uri="{FF2B5EF4-FFF2-40B4-BE49-F238E27FC236}">
-                <a16:creationId xmlns:a16="http://schemas.microsoft.com/office/drawing/2014/main" id="{5203F4DC-71DF-4F63-A8FE-FF723B7079A0}"/>
-              </a:ext>
-            </a:extLst>
-          </p:cNvPr>
-          <p:cNvSpPr>
-            <a:spLocks noGrp="1"/>
-          </p:cNvSpPr>
-          <p:nvPr>
-            <p:ph type="title"/>
-          </p:nvPr>
-        </p:nvSpPr>
-        <p:spPr/>
-        <p:txBody>
-          <a:bodyPr>
-            <a:normAutofit fontScale="90000"/>
-          </a:bodyPr>
-          <a:lstStyle/>
-          <a:p>
-            <a:r>
-              <a:rPr lang="ru-RU" dirty="0" err="1"/>
-              <a:t>Методи</a:t>
-            </a:r>
-            <a:r>
-              <a:rPr lang="ru-RU" dirty="0"/>
-              <a:t> </a:t>
-            </a:r>
-            <a:r>
-              <a:rPr lang="ru-RU" dirty="0" err="1"/>
-              <a:t>навчання</a:t>
-            </a:r>
-            <a:r>
-              <a:rPr lang="ru-RU" dirty="0"/>
-              <a:t> </a:t>
-            </a:r>
-            <a:r>
-              <a:rPr lang="ru-RU" dirty="0" err="1"/>
-              <a:t>нейромереж</a:t>
-            </a:r>
-            <a:r>
-              <a:rPr lang="ru-RU" dirty="0"/>
-              <a:t> у задачах </a:t>
-            </a:r>
-            <a:r>
-              <a:rPr lang="ru-RU" dirty="0" err="1"/>
-              <a:t>прогнозування</a:t>
-            </a:r>
-            <a:r>
-              <a:rPr lang="ru-RU" dirty="0"/>
-              <a:t> </a:t>
-            </a:r>
-            <a:r>
-              <a:rPr lang="ru-RU" dirty="0" err="1"/>
-              <a:t>цін</a:t>
-            </a:r>
-            <a:endParaRPr lang="uk-UA" dirty="0"/>
-          </a:p>
-        </p:txBody>
-      </p:sp>
-      <p:sp>
-        <p:nvSpPr>
-          <p:cNvPr id="5" name="Місце для вмісту 4">
-            <a:extLst>
-              <a:ext uri="{FF2B5EF4-FFF2-40B4-BE49-F238E27FC236}">
-                <a16:creationId xmlns:a16="http://schemas.microsoft.com/office/drawing/2014/main" id="{B328FE51-8222-4584-A7F1-AB5C9F522A67}"/>
-              </a:ext>
-            </a:extLst>
-          </p:cNvPr>
-          <p:cNvSpPr>
-            <a:spLocks noGrp="1"/>
-          </p:cNvSpPr>
-          <p:nvPr>
-            <p:ph idx="1"/>
-          </p:nvPr>
-        </p:nvSpPr>
-        <p:spPr/>
-        <p:txBody>
-          <a:bodyPr/>
-          <a:lstStyle/>
-          <a:p>
-            <a:pPr marL="0" indent="0">
-              <a:buNone/>
-            </a:pPr>
-            <a:br>
-              <a:rPr lang="ru-RU" dirty="0"/>
-            </a:br>
-            <a:r>
-              <a:rPr lang="ru-RU" dirty="0"/>
-              <a:t>🔹 </a:t>
-            </a:r>
-            <a:r>
-              <a:rPr lang="ru-RU" dirty="0" err="1"/>
-              <a:t>Актуальність</a:t>
-            </a:r>
-            <a:endParaRPr lang="ru-RU" dirty="0"/>
-          </a:p>
-          <a:p>
-            <a:pPr marL="0" indent="0">
-              <a:buNone/>
-            </a:pPr>
-            <a:br>
-              <a:rPr lang="ru-RU" dirty="0"/>
-            </a:br>
-            <a:r>
-              <a:rPr lang="ru-RU" dirty="0"/>
-              <a:t>🔹 </a:t>
-            </a:r>
-            <a:r>
-              <a:rPr lang="ru-RU" dirty="0" err="1"/>
-              <a:t>Сфери</a:t>
-            </a:r>
-            <a:r>
-              <a:rPr lang="ru-RU" dirty="0"/>
-              <a:t> </a:t>
-            </a:r>
-            <a:r>
-              <a:rPr lang="ru-RU" dirty="0" err="1"/>
-              <a:t>застосування</a:t>
-            </a:r>
-            <a:endParaRPr lang="uk-UA" dirty="0"/>
-          </a:p>
-        </p:txBody>
-      </p:sp>
-      <p:pic>
-        <p:nvPicPr>
-          <p:cNvPr id="1028" name="Picture 4" descr="Уроки трейдинга, которые пригодятся в жизни ☑️ SDG Trade">
-            <a:extLst>
-              <a:ext uri="{FF2B5EF4-FFF2-40B4-BE49-F238E27FC236}">
-                <a16:creationId xmlns:a16="http://schemas.microsoft.com/office/drawing/2014/main" id="{372FF312-B00F-4EB6-B0F6-079329DC821C}"/>
+                <a16:creationId xmlns:a16="http://schemas.microsoft.com/office/drawing/2014/main" id="{00EC6F2B-E6B4-4556-B100-FF4E0D5395BB}"/>
               </a:ext>
             </a:extLst>
           </p:cNvPr>
@@ -5978,13 +6343,16 @@
         </p:blipFill>
         <p:spPr bwMode="auto">
           <a:xfrm>
-            <a:off x="982579" y="3719237"/>
-            <a:ext cx="5193632" cy="2914926"/>
+            <a:off x="72190" y="56148"/>
+            <a:ext cx="1695450" cy="1714500"/>
           </a:xfrm>
           <a:prstGeom prst="rect">
             <a:avLst/>
           </a:prstGeom>
           <a:noFill/>
+          <a:ln>
+            <a:noFill/>
+          </a:ln>
           <a:extLst>
             <a:ext uri="{909E8E84-426E-40DD-AFC4-6F175D3DCCD1}">
               <a14:hiddenFill xmlns:a14="http://schemas.microsoft.com/office/drawing/2010/main">
@@ -5993,60 +6361,446 @@
                 </a:solidFill>
               </a14:hiddenFill>
             </a:ext>
+            <a:ext uri="{91240B29-F687-4F45-9708-019B960494DF}">
+              <a14:hiddenLine xmlns:a14="http://schemas.microsoft.com/office/drawing/2010/main" w="9525">
+                <a:solidFill>
+                  <a:srgbClr val="000000"/>
+                </a:solidFill>
+                <a:miter lim="800000"/>
+                <a:headEnd/>
+                <a:tailEnd/>
+              </a14:hiddenLine>
+            </a:ext>
           </a:extLst>
         </p:spPr>
       </p:pic>
-      <p:pic>
-        <p:nvPicPr>
-          <p:cNvPr id="1030" name="Picture 6" descr="Трейдинг: что такое уровни поддержки/сопротивления">
+      <p:sp>
+        <p:nvSpPr>
+          <p:cNvPr id="7" name="Rectangle 2">
             <a:extLst>
               <a:ext uri="{FF2B5EF4-FFF2-40B4-BE49-F238E27FC236}">
-                <a16:creationId xmlns:a16="http://schemas.microsoft.com/office/drawing/2014/main" id="{1432448D-7A28-43AB-BC2A-99FD24DFCC12}"/>
+                <a16:creationId xmlns:a16="http://schemas.microsoft.com/office/drawing/2014/main" id="{08134355-C0AE-47A2-A9D0-5666FA2D85BD}"/>
               </a:ext>
             </a:extLst>
           </p:cNvPr>
-          <p:cNvPicPr>
-            <a:picLocks noChangeAspect="1" noChangeArrowheads="1"/>
-          </p:cNvPicPr>
+          <p:cNvSpPr txBox="1">
+            <a:spLocks noChangeArrowheads="1"/>
+          </p:cNvSpPr>
           <p:nvPr/>
-        </p:nvPicPr>
-        <p:blipFill>
-          <a:blip r:embed="rId3">
+        </p:nvSpPr>
+        <p:spPr>
+          <a:xfrm>
+            <a:off x="1674394" y="136358"/>
+            <a:ext cx="8843211" cy="3292642"/>
+          </a:xfrm>
+          <a:prstGeom prst="rect">
+            <a:avLst/>
+          </a:prstGeom>
+        </p:spPr>
+        <p:txBody>
+          <a:bodyPr vert="horz" lIns="91440" tIns="45720" rIns="91440" bIns="45720" rtlCol="0" anchor="ctr">
+            <a:normAutofit/>
+          </a:bodyPr>
+          <a:lstStyle>
+            <a:lvl1pPr algn="l" defTabSz="914400" rtl="0" eaLnBrk="1" latinLnBrk="0" hangingPunct="1">
+              <a:lnSpc>
+                <a:spcPct val="90000"/>
+              </a:lnSpc>
+              <a:spcBef>
+                <a:spcPct val="0"/>
+              </a:spcBef>
+              <a:buNone/>
+              <a:defRPr sz="5400" kern="1200" cap="all" baseline="0">
+                <a:solidFill>
+                  <a:schemeClr val="accent1"/>
+                </a:solidFill>
+                <a:effectLst/>
+                <a:latin typeface="+mj-lt"/>
+                <a:ea typeface="+mj-ea"/>
+                <a:cs typeface="+mj-cs"/>
+              </a:defRPr>
+            </a:lvl1pPr>
+          </a:lstStyle>
+          <a:p>
+            <a:pPr algn="ctr">
+              <a:defRPr/>
+            </a:pPr>
+            <a:r>
+              <a:rPr lang="uk-UA" sz="2200" dirty="0">
+                <a:solidFill>
+                  <a:schemeClr val="tx1">
+                    <a:lumMod val="85000"/>
+                    <a:lumOff val="15000"/>
+                  </a:schemeClr>
+                </a:solidFill>
+                <a:latin typeface="+mn-lt"/>
+              </a:rPr>
+              <a:t>Міністерство освіти та науки України</a:t>
+            </a:r>
+            <a:br>
+              <a:rPr lang="uk-UA" sz="2200" dirty="0">
+                <a:solidFill>
+                  <a:schemeClr val="tx1">
+                    <a:lumMod val="85000"/>
+                    <a:lumOff val="15000"/>
+                  </a:schemeClr>
+                </a:solidFill>
+                <a:latin typeface="+mn-lt"/>
+              </a:rPr>
+            </a:br>
+            <a:r>
+              <a:rPr lang="uk-UA" sz="2200" dirty="0">
+                <a:solidFill>
+                  <a:schemeClr val="tx1">
+                    <a:lumMod val="85000"/>
+                    <a:lumOff val="15000"/>
+                  </a:schemeClr>
+                </a:solidFill>
+                <a:latin typeface="+mn-lt"/>
+              </a:rPr>
+              <a:t>ДВНЗ </a:t>
+            </a:r>
+            <a:r>
+              <a:rPr lang="en-US" sz="2200" dirty="0">
+                <a:solidFill>
+                  <a:schemeClr val="tx1">
+                    <a:lumMod val="85000"/>
+                    <a:lumOff val="15000"/>
+                  </a:schemeClr>
+                </a:solidFill>
+                <a:latin typeface="+mn-lt"/>
+              </a:rPr>
+              <a:t>“</a:t>
+            </a:r>
+            <a:r>
+              <a:rPr lang="uk-UA" sz="2200" dirty="0">
+                <a:solidFill>
+                  <a:schemeClr val="tx1">
+                    <a:lumMod val="85000"/>
+                    <a:lumOff val="15000"/>
+                  </a:schemeClr>
+                </a:solidFill>
+                <a:latin typeface="+mn-lt"/>
+              </a:rPr>
+              <a:t>Ужгородський національний університет</a:t>
+            </a:r>
+            <a:r>
+              <a:rPr lang="en-US" sz="2200" dirty="0">
+                <a:solidFill>
+                  <a:schemeClr val="tx1">
+                    <a:lumMod val="85000"/>
+                    <a:lumOff val="15000"/>
+                  </a:schemeClr>
+                </a:solidFill>
+                <a:latin typeface="+mn-lt"/>
+              </a:rPr>
+              <a:t>”</a:t>
+            </a:r>
+            <a:br>
+              <a:rPr lang="uk-UA" sz="2200" dirty="0">
+                <a:solidFill>
+                  <a:schemeClr val="tx1">
+                    <a:lumMod val="85000"/>
+                    <a:lumOff val="15000"/>
+                  </a:schemeClr>
+                </a:solidFill>
+                <a:latin typeface="+mn-lt"/>
+              </a:rPr>
+            </a:br>
+            <a:r>
+              <a:rPr lang="uk-UA" sz="2200" dirty="0">
+                <a:solidFill>
+                  <a:schemeClr val="tx1">
+                    <a:lumMod val="85000"/>
+                    <a:lumOff val="15000"/>
+                  </a:schemeClr>
+                </a:solidFill>
+                <a:latin typeface="+mn-lt"/>
+              </a:rPr>
+              <a:t>Факультет інформаційних технологій</a:t>
+            </a:r>
+            <a:br>
+              <a:rPr lang="uk-UA" sz="2200" dirty="0">
+                <a:solidFill>
+                  <a:schemeClr val="tx1">
+                    <a:lumMod val="85000"/>
+                    <a:lumOff val="15000"/>
+                  </a:schemeClr>
+                </a:solidFill>
+                <a:latin typeface="+mn-lt"/>
+              </a:rPr>
+            </a:br>
+            <a:r>
+              <a:rPr lang="uk-UA" sz="2200" dirty="0">
+                <a:solidFill>
+                  <a:schemeClr val="tx1">
+                    <a:lumMod val="85000"/>
+                    <a:lumOff val="15000"/>
+                  </a:schemeClr>
+                </a:solidFill>
+                <a:latin typeface="+mn-lt"/>
+              </a:rPr>
+              <a:t>Кафедра інформаційних управляючих систем та технологій</a:t>
+            </a:r>
+            <a:br>
+              <a:rPr lang="uk-UA" sz="2200" dirty="0">
+                <a:solidFill>
+                  <a:schemeClr val="tx1">
+                    <a:lumMod val="85000"/>
+                    <a:lumOff val="15000"/>
+                  </a:schemeClr>
+                </a:solidFill>
+              </a:rPr>
+            </a:br>
+            <a:br>
+              <a:rPr lang="uk-UA" sz="2400" dirty="0">
+                <a:solidFill>
+                  <a:schemeClr val="tx1">
+                    <a:lumMod val="85000"/>
+                    <a:lumOff val="15000"/>
+                  </a:schemeClr>
+                </a:solidFill>
+              </a:rPr>
+            </a:br>
+            <a:br>
+              <a:rPr lang="uk-UA" sz="2400" dirty="0">
+                <a:solidFill>
+                  <a:schemeClr val="tx1">
+                    <a:lumMod val="85000"/>
+                    <a:lumOff val="15000"/>
+                  </a:schemeClr>
+                </a:solidFill>
+              </a:rPr>
+            </a:br>
+            <a:r>
+              <a:rPr lang="uk-UA" sz="2000" i="1" dirty="0">
+                <a:solidFill>
+                  <a:schemeClr val="tx1">
+                    <a:lumMod val="85000"/>
+                    <a:lumOff val="15000"/>
+                  </a:schemeClr>
+                </a:solidFill>
+              </a:rPr>
+              <a:t>тема дипломної роботи</a:t>
+            </a:r>
+            <a:r>
+              <a:rPr lang="uk-UA" sz="2000" dirty="0">
+                <a:solidFill>
+                  <a:schemeClr val="tx1">
+                    <a:lumMod val="85000"/>
+                    <a:lumOff val="15000"/>
+                  </a:schemeClr>
+                </a:solidFill>
+              </a:rPr>
+              <a:t>:</a:t>
+            </a:r>
+            <a:br>
+              <a:rPr lang="uk-UA" sz="2200" dirty="0">
+                <a:solidFill>
+                  <a:schemeClr val="tx1">
+                    <a:lumMod val="85000"/>
+                    <a:lumOff val="15000"/>
+                  </a:schemeClr>
+                </a:solidFill>
+              </a:rPr>
+            </a:br>
+            <a:r>
+              <a:rPr lang="ru-RU" sz="2800" dirty="0" err="1">
+                <a:solidFill>
+                  <a:schemeClr val="tx1">
+                    <a:lumMod val="85000"/>
+                    <a:lumOff val="15000"/>
+                  </a:schemeClr>
+                </a:solidFill>
+                <a:latin typeface="+mn-lt"/>
+              </a:rPr>
+              <a:t>Методи</a:t>
+            </a:r>
+            <a:r>
+              <a:rPr lang="ru-RU" sz="2800" dirty="0">
+                <a:solidFill>
+                  <a:schemeClr val="tx1">
+                    <a:lumMod val="85000"/>
+                    <a:lumOff val="15000"/>
+                  </a:schemeClr>
+                </a:solidFill>
+                <a:latin typeface="+mn-lt"/>
+              </a:rPr>
+              <a:t> </a:t>
+            </a:r>
+            <a:r>
+              <a:rPr lang="ru-RU" sz="2800" dirty="0" err="1">
+                <a:solidFill>
+                  <a:schemeClr val="tx1">
+                    <a:lumMod val="85000"/>
+                    <a:lumOff val="15000"/>
+                  </a:schemeClr>
+                </a:solidFill>
+                <a:latin typeface="+mn-lt"/>
+              </a:rPr>
+              <a:t>навчання</a:t>
+            </a:r>
+            <a:r>
+              <a:rPr lang="ru-RU" sz="2800" dirty="0">
+                <a:solidFill>
+                  <a:schemeClr val="tx1">
+                    <a:lumMod val="85000"/>
+                    <a:lumOff val="15000"/>
+                  </a:schemeClr>
+                </a:solidFill>
+                <a:latin typeface="+mn-lt"/>
+              </a:rPr>
+              <a:t> </a:t>
+            </a:r>
+            <a:r>
+              <a:rPr lang="ru-RU" sz="2800" dirty="0" err="1">
+                <a:solidFill>
+                  <a:schemeClr val="tx1">
+                    <a:lumMod val="85000"/>
+                    <a:lumOff val="15000"/>
+                  </a:schemeClr>
+                </a:solidFill>
+                <a:latin typeface="+mn-lt"/>
+              </a:rPr>
+              <a:t>нейромереж</a:t>
+            </a:r>
+            <a:r>
+              <a:rPr lang="ru-RU" sz="2800" dirty="0">
+                <a:solidFill>
+                  <a:schemeClr val="tx1">
+                    <a:lumMod val="85000"/>
+                    <a:lumOff val="15000"/>
+                  </a:schemeClr>
+                </a:solidFill>
+                <a:latin typeface="+mn-lt"/>
+              </a:rPr>
+              <a:t> у задачах </a:t>
+            </a:r>
+            <a:r>
+              <a:rPr lang="ru-RU" sz="2800" dirty="0" err="1">
+                <a:solidFill>
+                  <a:schemeClr val="tx1">
+                    <a:lumMod val="85000"/>
+                    <a:lumOff val="15000"/>
+                  </a:schemeClr>
+                </a:solidFill>
+                <a:latin typeface="+mn-lt"/>
+              </a:rPr>
+              <a:t>прогнозування</a:t>
+            </a:r>
+            <a:r>
+              <a:rPr lang="ru-RU" sz="2800" dirty="0">
+                <a:solidFill>
+                  <a:schemeClr val="tx1">
+                    <a:lumMod val="85000"/>
+                    <a:lumOff val="15000"/>
+                  </a:schemeClr>
+                </a:solidFill>
+                <a:latin typeface="+mn-lt"/>
+              </a:rPr>
+              <a:t> </a:t>
+            </a:r>
+            <a:r>
+              <a:rPr lang="ru-RU" sz="2800" dirty="0" err="1">
+                <a:solidFill>
+                  <a:schemeClr val="tx1">
+                    <a:lumMod val="85000"/>
+                    <a:lumOff val="15000"/>
+                  </a:schemeClr>
+                </a:solidFill>
+                <a:latin typeface="+mn-lt"/>
+              </a:rPr>
+              <a:t>цін</a:t>
+            </a:r>
+            <a:endParaRPr lang="uk-UA" sz="3000" dirty="0">
+              <a:solidFill>
+                <a:schemeClr val="tx1">
+                  <a:lumMod val="85000"/>
+                  <a:lumOff val="15000"/>
+                </a:schemeClr>
+              </a:solidFill>
+              <a:latin typeface="+mn-lt"/>
+            </a:endParaRPr>
+          </a:p>
+        </p:txBody>
+      </p:sp>
+      <p:sp>
+        <p:nvSpPr>
+          <p:cNvPr id="9" name="TextBox 8">
             <a:extLst>
-              <a:ext uri="{28A0092B-C50C-407E-A947-70E740481C1C}">
-                <a14:useLocalDpi xmlns:a14="http://schemas.microsoft.com/office/drawing/2010/main" val="0"/>
+              <a:ext uri="{FF2B5EF4-FFF2-40B4-BE49-F238E27FC236}">
+                <a16:creationId xmlns:a16="http://schemas.microsoft.com/office/drawing/2014/main" id="{3D14F752-8D17-4121-B279-DF5B86D5A898}"/>
               </a:ext>
             </a:extLst>
-          </a:blip>
-          <a:srcRect/>
-          <a:stretch>
-            <a:fillRect/>
-          </a:stretch>
-        </p:blipFill>
-        <p:spPr bwMode="auto">
+          </p:cNvPr>
+          <p:cNvSpPr txBox="1"/>
+          <p:nvPr/>
+        </p:nvSpPr>
+        <p:spPr>
           <a:xfrm>
-            <a:off x="6749355" y="2174457"/>
-            <a:ext cx="4460066" cy="2509085"/>
+            <a:off x="2939715" y="4605772"/>
+            <a:ext cx="6136104" cy="646331"/>
           </a:xfrm>
           <a:prstGeom prst="rect">
             <a:avLst/>
           </a:prstGeom>
           <a:noFill/>
-          <a:extLst>
-            <a:ext uri="{909E8E84-426E-40DD-AFC4-6F175D3DCCD1}">
-              <a14:hiddenFill xmlns:a14="http://schemas.microsoft.com/office/drawing/2010/main">
-                <a:solidFill>
-                  <a:srgbClr val="FFFFFF"/>
-                </a:solidFill>
-              </a14:hiddenFill>
-            </a:ext>
-          </a:extLst>
         </p:spPr>
-      </p:pic>
+        <p:txBody>
+          <a:bodyPr wrap="square">
+            <a:spAutoFit/>
+          </a:bodyPr>
+          <a:lstStyle/>
+          <a:p>
+            <a:pPr eaLnBrk="1" fontAlgn="auto" hangingPunct="1">
+              <a:spcAft>
+                <a:spcPts val="0"/>
+              </a:spcAft>
+              <a:buFont typeface="Wingdings 2"/>
+              <a:buNone/>
+              <a:defRPr/>
+            </a:pPr>
+            <a:r>
+              <a:rPr lang="uk-UA" sz="1800" b="1" dirty="0"/>
+              <a:t>Доповідач</a:t>
+            </a:r>
+            <a:r>
+              <a:rPr lang="uk-UA" sz="1800" dirty="0"/>
+              <a:t>: Параска Богдан Володимирович</a:t>
+            </a:r>
+          </a:p>
+          <a:p>
+            <a:pPr eaLnBrk="1" fontAlgn="auto" hangingPunct="1">
+              <a:spcAft>
+                <a:spcPts val="0"/>
+              </a:spcAft>
+              <a:buFont typeface="Wingdings 2"/>
+              <a:buNone/>
+              <a:defRPr/>
+            </a:pPr>
+            <a:r>
+              <a:rPr lang="uk-UA" sz="1800" b="1" dirty="0"/>
+              <a:t>Науковий керівник</a:t>
+            </a:r>
+            <a:r>
+              <a:rPr lang="uk-UA" sz="1800" dirty="0"/>
+              <a:t>: </a:t>
+            </a:r>
+            <a:r>
+              <a:rPr lang="uk-UA" sz="1800" dirty="0" err="1"/>
+              <a:t>д.т.н</a:t>
+            </a:r>
+            <a:r>
+              <a:rPr lang="uk-UA" sz="1800" dirty="0"/>
+              <a:t>., проф. Ніколенко В. В.</a:t>
+            </a:r>
+          </a:p>
+        </p:txBody>
+      </p:sp>
     </p:spTree>
     <p:extLst>
       <p:ext uri="{BB962C8B-B14F-4D97-AF65-F5344CB8AC3E}">
-        <p14:creationId xmlns:p14="http://schemas.microsoft.com/office/powerpoint/2010/main" val="1922859017"/>
+        <p14:creationId xmlns:p14="http://schemas.microsoft.com/office/powerpoint/2010/main" val="3365764772"/>
       </p:ext>
     </p:extLst>
   </p:cSld>
@@ -6178,8 +6932,8 @@
         </p:nvSpPr>
         <p:spPr>
           <a:xfrm>
-            <a:off x="1120000" y="2695073"/>
-            <a:ext cx="9628211" cy="3481889"/>
+            <a:off x="902370" y="2446403"/>
+            <a:ext cx="2851484" cy="2687419"/>
           </a:xfrm>
         </p:spPr>
         <p:txBody>
@@ -6296,8 +7050,8 @@
         </p:blipFill>
         <p:spPr bwMode="auto">
           <a:xfrm>
-            <a:off x="4617008" y="2695073"/>
-            <a:ext cx="6632519" cy="3850105"/>
+            <a:off x="5691829" y="2446403"/>
+            <a:ext cx="4863878" cy="2823428"/>
           </a:xfrm>
           <a:prstGeom prst="rect">
             <a:avLst/>
@@ -6366,9 +7120,10 @@
           <a:lstStyle/>
           <a:p>
             <a:r>
-              <a:rPr lang="uk-UA" dirty="0"/>
-              <a:t>Методи та архітектури</a:t>
-            </a:r>
+              <a:rPr lang="uk-UA" dirty="0" err="1"/>
+              <a:t>нейромережі</a:t>
+            </a:r>
+            <a:endParaRPr lang="uk-UA" dirty="0"/>
           </a:p>
         </p:txBody>
       </p:sp>
@@ -6390,7 +7145,7 @@
         </p:nvSpPr>
         <p:spPr>
           <a:xfrm>
-            <a:off x="3686737" y="1572593"/>
+            <a:off x="3482200" y="703705"/>
             <a:ext cx="3756800" cy="2497722"/>
           </a:xfrm>
         </p:spPr>
@@ -6424,8 +7179,8 @@
         </p:nvSpPr>
         <p:spPr>
           <a:xfrm>
-            <a:off x="5694947" y="3429000"/>
-            <a:ext cx="3088106" cy="523220"/>
+            <a:off x="5823284" y="3814296"/>
+            <a:ext cx="3088106" cy="954107"/>
           </a:xfrm>
           <a:prstGeom prst="rect">
             <a:avLst/>
@@ -6442,6 +7197,18 @@
               <a:rPr lang="en-US" sz="2800" dirty="0"/>
               <a:t>CNN</a:t>
             </a:r>
+            <a:endParaRPr lang="uk-UA" sz="2800" dirty="0"/>
+          </a:p>
+          <a:p>
+            <a:r>
+              <a:rPr lang="en-US" sz="2800" dirty="0"/>
+              <a:t>(</a:t>
+            </a:r>
+            <a:r>
+              <a:rPr lang="uk-UA" sz="2800" dirty="0"/>
+              <a:t>планується)</a:t>
+            </a:r>
+            <a:endParaRPr lang="en-US" sz="2800" dirty="0"/>
           </a:p>
         </p:txBody>
       </p:sp>
@@ -6494,8 +7261,8 @@
         </p:nvSpPr>
         <p:spPr>
           <a:xfrm>
-            <a:off x="1026694" y="3429000"/>
-            <a:ext cx="3088106" cy="523220"/>
+            <a:off x="1026694" y="3810285"/>
+            <a:ext cx="3088106" cy="954107"/>
           </a:xfrm>
           <a:prstGeom prst="rect">
             <a:avLst/>
@@ -6510,8 +7277,13 @@
           <a:p>
             <a:r>
               <a:rPr lang="en-US" sz="2800" dirty="0"/>
-              <a:t>Transformer</a:t>
-            </a:r>
+              <a:t>Transformer (</a:t>
+            </a:r>
+            <a:r>
+              <a:rPr lang="uk-UA" sz="2800" dirty="0"/>
+              <a:t>планується)</a:t>
+            </a:r>
+            <a:endParaRPr lang="en-US" sz="2800" dirty="0"/>
           </a:p>
         </p:txBody>
       </p:sp>
@@ -6529,8 +7301,8 @@
         </p:nvSpPr>
         <p:spPr>
           <a:xfrm>
-            <a:off x="5847347" y="2450634"/>
-            <a:ext cx="3088106" cy="523220"/>
+            <a:off x="5823284" y="2450634"/>
+            <a:ext cx="3088106" cy="954107"/>
           </a:xfrm>
           <a:prstGeom prst="rect">
             <a:avLst/>
@@ -6547,6 +7319,18 @@
               <a:rPr lang="en-US" sz="2800" dirty="0"/>
               <a:t>LSTM</a:t>
             </a:r>
+            <a:endParaRPr lang="uk-UA" sz="2800" dirty="0"/>
+          </a:p>
+          <a:p>
+            <a:r>
+              <a:rPr lang="en-US" sz="2800" dirty="0"/>
+              <a:t>(</a:t>
+            </a:r>
+            <a:r>
+              <a:rPr lang="uk-UA" sz="2800" dirty="0"/>
+              <a:t>планується)</a:t>
+            </a:r>
+            <a:endParaRPr lang="en-US" sz="2800" dirty="0"/>
           </a:p>
         </p:txBody>
       </p:sp>
@@ -6585,6 +7369,368 @@
           <p:cNvPr id="2" name="Заголовок 1">
             <a:extLst>
               <a:ext uri="{FF2B5EF4-FFF2-40B4-BE49-F238E27FC236}">
+                <a16:creationId xmlns:a16="http://schemas.microsoft.com/office/drawing/2014/main" id="{8D9E5ABC-0A88-4453-AFC9-3683A6D4DF5B}"/>
+              </a:ext>
+            </a:extLst>
+          </p:cNvPr>
+          <p:cNvSpPr>
+            <a:spLocks noGrp="1"/>
+          </p:cNvSpPr>
+          <p:nvPr>
+            <p:ph type="title"/>
+          </p:nvPr>
+        </p:nvSpPr>
+        <p:spPr/>
+        <p:txBody>
+          <a:bodyPr/>
+          <a:lstStyle/>
+          <a:p>
+            <a:r>
+              <a:rPr lang="uk-UA" dirty="0"/>
+              <a:t>Бібліотеки</a:t>
+            </a:r>
+          </a:p>
+        </p:txBody>
+      </p:sp>
+      <p:sp>
+        <p:nvSpPr>
+          <p:cNvPr id="3" name="Місце для вмісту 2">
+            <a:extLst>
+              <a:ext uri="{FF2B5EF4-FFF2-40B4-BE49-F238E27FC236}">
+                <a16:creationId xmlns:a16="http://schemas.microsoft.com/office/drawing/2014/main" id="{83E78424-FB47-475F-8CFB-A7AEC4C1EAE0}"/>
+              </a:ext>
+            </a:extLst>
+          </p:cNvPr>
+          <p:cNvSpPr>
+            <a:spLocks noGrp="1"/>
+          </p:cNvSpPr>
+          <p:nvPr>
+            <p:ph idx="1"/>
+          </p:nvPr>
+        </p:nvSpPr>
+        <p:spPr/>
+        <p:txBody>
+          <a:bodyPr>
+            <a:normAutofit lnSpcReduction="10000"/>
+          </a:bodyPr>
+          <a:lstStyle/>
+          <a:p>
+            <a:r>
+              <a:rPr lang="en-IN" dirty="0"/>
+              <a:t>Python</a:t>
+            </a:r>
+          </a:p>
+          <a:p>
+            <a:r>
+              <a:rPr lang="en-IN" dirty="0"/>
+              <a:t>Seaborn</a:t>
+            </a:r>
+            <a:endParaRPr lang="uk-UA" dirty="0"/>
+          </a:p>
+          <a:p>
+            <a:r>
+              <a:rPr lang="en-IN" dirty="0" err="1"/>
+              <a:t>Numpy</a:t>
+            </a:r>
+            <a:endParaRPr lang="en-IN" dirty="0"/>
+          </a:p>
+          <a:p>
+            <a:r>
+              <a:rPr lang="en-IN" dirty="0"/>
+              <a:t>Scikit-learn</a:t>
+            </a:r>
+          </a:p>
+          <a:p>
+            <a:r>
+              <a:rPr lang="en-IN" dirty="0"/>
+              <a:t>matplotlib</a:t>
+            </a:r>
+          </a:p>
+          <a:p>
+            <a:r>
+              <a:rPr lang="en-IN" dirty="0" err="1"/>
+              <a:t>Pytorch</a:t>
+            </a:r>
+            <a:endParaRPr lang="en-IN" dirty="0"/>
+          </a:p>
+          <a:p>
+            <a:r>
+              <a:rPr lang="en-IN" dirty="0"/>
+              <a:t>pandas</a:t>
+            </a:r>
+          </a:p>
+        </p:txBody>
+      </p:sp>
+      <p:pic>
+        <p:nvPicPr>
+          <p:cNvPr id="1026" name="Picture 2" descr="What is Python Coding? | Juni Learning">
+            <a:extLst>
+              <a:ext uri="{FF2B5EF4-FFF2-40B4-BE49-F238E27FC236}">
+                <a16:creationId xmlns:a16="http://schemas.microsoft.com/office/drawing/2014/main" id="{C6C5BD5A-301F-453D-8EBF-100A331A9084}"/>
+              </a:ext>
+            </a:extLst>
+          </p:cNvPr>
+          <p:cNvPicPr>
+            <a:picLocks noChangeAspect="1" noChangeArrowheads="1"/>
+          </p:cNvPicPr>
+          <p:nvPr/>
+        </p:nvPicPr>
+        <p:blipFill>
+          <a:blip r:embed="rId2">
+            <a:extLst>
+              <a:ext uri="{28A0092B-C50C-407E-A947-70E740481C1C}">
+                <a14:useLocalDpi xmlns:a14="http://schemas.microsoft.com/office/drawing/2010/main" val="0"/>
+              </a:ext>
+            </a:extLst>
+          </a:blip>
+          <a:srcRect/>
+          <a:stretch>
+            <a:fillRect/>
+          </a:stretch>
+        </p:blipFill>
+        <p:spPr bwMode="auto">
+          <a:xfrm>
+            <a:off x="3573379" y="1837765"/>
+            <a:ext cx="1375611" cy="1375611"/>
+          </a:xfrm>
+          <a:prstGeom prst="rect">
+            <a:avLst/>
+          </a:prstGeom>
+          <a:noFill/>
+          <a:extLst>
+            <a:ext uri="{909E8E84-426E-40DD-AFC4-6F175D3DCCD1}">
+              <a14:hiddenFill xmlns:a14="http://schemas.microsoft.com/office/drawing/2010/main">
+                <a:solidFill>
+                  <a:srgbClr val="FFFFFF"/>
+                </a:solidFill>
+              </a14:hiddenFill>
+            </a:ext>
+          </a:extLst>
+        </p:spPr>
+      </p:pic>
+      <p:pic>
+        <p:nvPicPr>
+          <p:cNvPr id="1032" name="Picture 8" descr="Python Vizardry- 6mins to ECDF Plots using Seaborn | by Numerical Addiction  | Medium">
+            <a:extLst>
+              <a:ext uri="{FF2B5EF4-FFF2-40B4-BE49-F238E27FC236}">
+                <a16:creationId xmlns:a16="http://schemas.microsoft.com/office/drawing/2014/main" id="{4FA42C98-7666-402F-9D5F-89A85CBBCFB9}"/>
+              </a:ext>
+            </a:extLst>
+          </p:cNvPr>
+          <p:cNvPicPr>
+            <a:picLocks noChangeAspect="1" noChangeArrowheads="1"/>
+          </p:cNvPicPr>
+          <p:nvPr/>
+        </p:nvPicPr>
+        <p:blipFill>
+          <a:blip r:embed="rId3">
+            <a:extLst>
+              <a:ext uri="{28A0092B-C50C-407E-A947-70E740481C1C}">
+                <a14:useLocalDpi xmlns:a14="http://schemas.microsoft.com/office/drawing/2010/main" val="0"/>
+              </a:ext>
+            </a:extLst>
+          </a:blip>
+          <a:srcRect/>
+          <a:stretch>
+            <a:fillRect/>
+          </a:stretch>
+        </p:blipFill>
+        <p:spPr bwMode="auto">
+          <a:xfrm>
+            <a:off x="5229477" y="1958634"/>
+            <a:ext cx="1484144" cy="1133871"/>
+          </a:xfrm>
+          <a:prstGeom prst="rect">
+            <a:avLst/>
+          </a:prstGeom>
+          <a:noFill/>
+          <a:extLst>
+            <a:ext uri="{909E8E84-426E-40DD-AFC4-6F175D3DCCD1}">
+              <a14:hiddenFill xmlns:a14="http://schemas.microsoft.com/office/drawing/2010/main">
+                <a:solidFill>
+                  <a:srgbClr val="FFFFFF"/>
+                </a:solidFill>
+              </a14:hiddenFill>
+            </a:ext>
+          </a:extLst>
+        </p:spPr>
+      </p:pic>
+      <p:pic>
+        <p:nvPicPr>
+          <p:cNvPr id="1036" name="Picture 12" descr="numpy · PyPI">
+            <a:extLst>
+              <a:ext uri="{FF2B5EF4-FFF2-40B4-BE49-F238E27FC236}">
+                <a16:creationId xmlns:a16="http://schemas.microsoft.com/office/drawing/2014/main" id="{E73DEEE3-DF54-45A8-8C04-C210B0895845}"/>
+              </a:ext>
+            </a:extLst>
+          </p:cNvPr>
+          <p:cNvPicPr>
+            <a:picLocks noChangeAspect="1" noChangeArrowheads="1"/>
+          </p:cNvPicPr>
+          <p:nvPr/>
+        </p:nvPicPr>
+        <p:blipFill>
+          <a:blip r:embed="rId4">
+            <a:extLst>
+              <a:ext uri="{28A0092B-C50C-407E-A947-70E740481C1C}">
+                <a14:useLocalDpi xmlns:a14="http://schemas.microsoft.com/office/drawing/2010/main" val="0"/>
+              </a:ext>
+            </a:extLst>
+          </a:blip>
+          <a:srcRect/>
+          <a:stretch>
+            <a:fillRect/>
+          </a:stretch>
+        </p:blipFill>
+        <p:spPr bwMode="auto">
+          <a:xfrm>
+            <a:off x="6994108" y="1938860"/>
+            <a:ext cx="2576474" cy="1153645"/>
+          </a:xfrm>
+          <a:prstGeom prst="rect">
+            <a:avLst/>
+          </a:prstGeom>
+          <a:noFill/>
+          <a:extLst>
+            <a:ext uri="{909E8E84-426E-40DD-AFC4-6F175D3DCCD1}">
+              <a14:hiddenFill xmlns:a14="http://schemas.microsoft.com/office/drawing/2010/main">
+                <a:solidFill>
+                  <a:srgbClr val="FFFFFF"/>
+                </a:solidFill>
+              </a14:hiddenFill>
+            </a:ext>
+          </a:extLst>
+        </p:spPr>
+      </p:pic>
+      <p:pic>
+        <p:nvPicPr>
+          <p:cNvPr id="1038" name="Picture 14" descr="scikit-learn">
+            <a:extLst>
+              <a:ext uri="{FF2B5EF4-FFF2-40B4-BE49-F238E27FC236}">
+                <a16:creationId xmlns:a16="http://schemas.microsoft.com/office/drawing/2014/main" id="{E8202147-201E-455B-8EB8-A7541D960D82}"/>
+              </a:ext>
+            </a:extLst>
+          </p:cNvPr>
+          <p:cNvPicPr>
+            <a:picLocks noChangeAspect="1" noChangeArrowheads="1"/>
+          </p:cNvPicPr>
+          <p:nvPr/>
+        </p:nvPicPr>
+        <p:blipFill>
+          <a:blip r:embed="rId5">
+            <a:extLst>
+              <a:ext uri="{28A0092B-C50C-407E-A947-70E740481C1C}">
+                <a14:useLocalDpi xmlns:a14="http://schemas.microsoft.com/office/drawing/2010/main" val="0"/>
+              </a:ext>
+            </a:extLst>
+          </a:blip>
+          <a:srcRect/>
+          <a:stretch>
+            <a:fillRect/>
+          </a:stretch>
+        </p:blipFill>
+        <p:spPr bwMode="auto">
+          <a:xfrm>
+            <a:off x="3573379" y="3644625"/>
+            <a:ext cx="1656098" cy="1656098"/>
+          </a:xfrm>
+          <a:prstGeom prst="rect">
+            <a:avLst/>
+          </a:prstGeom>
+          <a:noFill/>
+          <a:extLst>
+            <a:ext uri="{909E8E84-426E-40DD-AFC4-6F175D3DCCD1}">
+              <a14:hiddenFill xmlns:a14="http://schemas.microsoft.com/office/drawing/2010/main">
+                <a:solidFill>
+                  <a:srgbClr val="FFFFFF"/>
+                </a:solidFill>
+              </a14:hiddenFill>
+            </a:ext>
+          </a:extLst>
+        </p:spPr>
+      </p:pic>
+      <p:pic>
+        <p:nvPicPr>
+          <p:cNvPr id="1040" name="Picture 16" descr="Matplotlib - Python Library - Studyopedia">
+            <a:extLst>
+              <a:ext uri="{FF2B5EF4-FFF2-40B4-BE49-F238E27FC236}">
+                <a16:creationId xmlns:a16="http://schemas.microsoft.com/office/drawing/2014/main" id="{DC79531E-B17B-4630-90BA-55530507792F}"/>
+              </a:ext>
+            </a:extLst>
+          </p:cNvPr>
+          <p:cNvPicPr>
+            <a:picLocks noChangeAspect="1" noChangeArrowheads="1"/>
+          </p:cNvPicPr>
+          <p:nvPr/>
+        </p:nvPicPr>
+        <p:blipFill>
+          <a:blip r:embed="rId6">
+            <a:extLst>
+              <a:ext uri="{28A0092B-C50C-407E-A947-70E740481C1C}">
+                <a14:useLocalDpi xmlns:a14="http://schemas.microsoft.com/office/drawing/2010/main" val="0"/>
+              </a:ext>
+            </a:extLst>
+          </a:blip>
+          <a:srcRect/>
+          <a:stretch>
+            <a:fillRect/>
+          </a:stretch>
+        </p:blipFill>
+        <p:spPr bwMode="auto">
+          <a:xfrm>
+            <a:off x="5878727" y="3318136"/>
+            <a:ext cx="3418472" cy="1899151"/>
+          </a:xfrm>
+          <a:prstGeom prst="rect">
+            <a:avLst/>
+          </a:prstGeom>
+          <a:noFill/>
+          <a:extLst>
+            <a:ext uri="{909E8E84-426E-40DD-AFC4-6F175D3DCCD1}">
+              <a14:hiddenFill xmlns:a14="http://schemas.microsoft.com/office/drawing/2010/main">
+                <a:solidFill>
+                  <a:srgbClr val="FFFFFF"/>
+                </a:solidFill>
+              </a14:hiddenFill>
+            </a:ext>
+          </a:extLst>
+        </p:spPr>
+      </p:pic>
+    </p:spTree>
+    <p:extLst>
+      <p:ext uri="{BB962C8B-B14F-4D97-AF65-F5344CB8AC3E}">
+        <p14:creationId xmlns:p14="http://schemas.microsoft.com/office/powerpoint/2010/main" val="4195561661"/>
+      </p:ext>
+    </p:extLst>
+  </p:cSld>
+  <p:clrMapOvr>
+    <a:masterClrMapping/>
+  </p:clrMapOvr>
+</p:sld>
+</file>
+
+<file path=ppt/slides/slide5.xml><?xml version="1.0" encoding="utf-8"?>
+<p:sld xmlns:a="http://schemas.openxmlformats.org/drawingml/2006/main" xmlns:r="http://schemas.openxmlformats.org/officeDocument/2006/relationships" xmlns:p="http://schemas.openxmlformats.org/presentationml/2006/main">
+  <p:cSld>
+    <p:spTree>
+      <p:nvGrpSpPr>
+        <p:cNvPr id="1" name=""/>
+        <p:cNvGrpSpPr/>
+        <p:nvPr/>
+      </p:nvGrpSpPr>
+      <p:grpSpPr>
+        <a:xfrm>
+          <a:off x="0" y="0"/>
+          <a:ext cx="0" cy="0"/>
+          <a:chOff x="0" y="0"/>
+          <a:chExt cx="0" cy="0"/>
+        </a:xfrm>
+      </p:grpSpPr>
+      <p:sp>
+        <p:nvSpPr>
+          <p:cNvPr id="2" name="Заголовок 1">
+            <a:extLst>
+              <a:ext uri="{FF2B5EF4-FFF2-40B4-BE49-F238E27FC236}">
                 <a16:creationId xmlns:a16="http://schemas.microsoft.com/office/drawing/2014/main" id="{E2953A5A-7AC2-46BB-8C6A-EFF2BF02C48F}"/>
               </a:ext>
             </a:extLst>
@@ -6608,8 +7754,8 @@
           </a:p>
         </p:txBody>
       </p:sp>
-      <mc:AlternateContent xmlns:mc="http://schemas.openxmlformats.org/markup-compatibility/2006">
-        <mc:Choice xmlns:a14="http://schemas.microsoft.com/office/drawing/2010/main" Requires="a14">
+      <mc:AlternateContent xmlns:mc="http://schemas.openxmlformats.org/markup-compatibility/2006" xmlns:a14="http://schemas.microsoft.com/office/drawing/2010/main">
+        <mc:Choice Requires="a14">
           <p:sp>
             <p:nvSpPr>
               <p:cNvPr id="4" name="Rectangle 1">
@@ -6896,7 +8042,7 @@
             </p:txBody>
           </p:sp>
         </mc:Choice>
-        <mc:Fallback>
+        <mc:Fallback xmlns="">
           <p:sp>
             <p:nvSpPr>
               <p:cNvPr id="4" name="Rectangle 1">
@@ -6975,8 +8121,8 @@
           </p:sp>
         </mc:Fallback>
       </mc:AlternateContent>
-      <mc:AlternateContent xmlns:mc="http://schemas.openxmlformats.org/markup-compatibility/2006">
-        <mc:Choice xmlns:a14="http://schemas.microsoft.com/office/drawing/2010/main" Requires="a14">
+      <mc:AlternateContent xmlns:mc="http://schemas.openxmlformats.org/markup-compatibility/2006" xmlns:a14="http://schemas.microsoft.com/office/drawing/2010/main">
+        <mc:Choice Requires="a14">
           <p:sp>
             <p:nvSpPr>
               <p:cNvPr id="8" name="Rectangle 1">
@@ -6993,7 +8139,7 @@
             </p:nvSpPr>
             <p:spPr bwMode="auto">
               <a:xfrm>
-                <a:off x="6233420" y="2119330"/>
+                <a:off x="5962303" y="2127351"/>
                 <a:ext cx="5120380" cy="1384995"/>
               </a:xfrm>
               <a:prstGeom prst="rect">
@@ -7310,11 +8456,14 @@
                   <a:spcAft>
                     <a:spcPct val="0"/>
                   </a:spcAft>
-                  <a:buFont typeface="Arial" panose="020B0604020202020204" pitchFamily="34" charset="0"/>
                   <a:buNone/>
                 </a:pPr>
                 <a:r>
-                  <a:rPr lang="en-US" dirty="0"/>
+                  <a:rPr lang="en-US" dirty="0">
+                    <a:solidFill>
+                      <a:schemeClr val="tx1"/>
+                    </a:solidFill>
+                  </a:rPr>
                   <a:t>MSE (Mean Squared Error)</a:t>
                 </a:r>
               </a:p>
@@ -7443,7 +8592,7 @@
             </p:txBody>
           </p:sp>
         </mc:Choice>
-        <mc:Fallback>
+        <mc:Fallback xmlns="">
           <p:sp>
             <p:nvSpPr>
               <p:cNvPr id="8" name="Rectangle 1">
@@ -7460,7 +8609,7 @@
             </p:nvSpPr>
             <p:spPr bwMode="auto">
               <a:xfrm>
-                <a:off x="6233420" y="2119330"/>
+                <a:off x="5962303" y="2127351"/>
                 <a:ext cx="5120380" cy="1384995"/>
               </a:xfrm>
               <a:prstGeom prst="rect">
@@ -7469,7 +8618,7 @@
               <a:blipFill>
                 <a:blip r:embed="rId3"/>
                 <a:stretch>
-                  <a:fillRect/>
+                  <a:fillRect l="-2381" t="-3965"/>
                 </a:stretch>
               </a:blipFill>
               <a:ln>
@@ -7520,8 +8669,8 @@
           </p:sp>
         </mc:Fallback>
       </mc:AlternateContent>
-      <mc:AlternateContent xmlns:mc="http://schemas.openxmlformats.org/markup-compatibility/2006">
-        <mc:Choice xmlns:a14="http://schemas.microsoft.com/office/drawing/2010/main" Requires="a14">
+      <mc:AlternateContent xmlns:mc="http://schemas.openxmlformats.org/markup-compatibility/2006" xmlns:a14="http://schemas.microsoft.com/office/drawing/2010/main">
+        <mc:Choice Requires="a14">
           <p:sp>
             <p:nvSpPr>
               <p:cNvPr id="9" name="Rectangle 1">
@@ -7538,7 +8687,7 @@
             </p:nvSpPr>
             <p:spPr bwMode="auto">
               <a:xfrm>
-                <a:off x="2128647" y="5009480"/>
+                <a:off x="1993089" y="4038932"/>
                 <a:ext cx="6764694" cy="1417632"/>
               </a:xfrm>
               <a:prstGeom prst="rect">
@@ -7859,7 +9008,11 @@
                   <a:buNone/>
                 </a:pPr>
                 <a:r>
-                  <a:rPr lang="en-US" dirty="0"/>
+                  <a:rPr lang="en-US" dirty="0">
+                    <a:solidFill>
+                      <a:schemeClr val="tx1"/>
+                    </a:solidFill>
+                  </a:rPr>
                   <a:t>RMSE (Root Mean Squared Error)</a:t>
                 </a:r>
               </a:p>
@@ -7988,7 +9141,7 @@
             </p:txBody>
           </p:sp>
         </mc:Choice>
-        <mc:Fallback>
+        <mc:Fallback xmlns="">
           <p:sp>
             <p:nvSpPr>
               <p:cNvPr id="9" name="Rectangle 1">
@@ -8005,7 +9158,7 @@
             </p:nvSpPr>
             <p:spPr bwMode="auto">
               <a:xfrm>
-                <a:off x="2128647" y="5009480"/>
+                <a:off x="1993089" y="4038932"/>
                 <a:ext cx="6764694" cy="1417632"/>
               </a:xfrm>
               <a:prstGeom prst="rect">
@@ -8014,7 +9167,7 @@
               <a:blipFill>
                 <a:blip r:embed="rId4"/>
                 <a:stretch>
-                  <a:fillRect/>
+                  <a:fillRect l="-1892" t="-4310"/>
                 </a:stretch>
               </a:blipFill>
               <a:ln>
@@ -8078,111 +9231,6 @@
 </p:sld>
 </file>
 
-<file path=ppt/slides/slide5.xml><?xml version="1.0" encoding="utf-8"?>
-<p:sld xmlns:a="http://schemas.openxmlformats.org/drawingml/2006/main" xmlns:r="http://schemas.openxmlformats.org/officeDocument/2006/relationships" xmlns:p="http://schemas.openxmlformats.org/presentationml/2006/main">
-  <p:cSld>
-    <p:spTree>
-      <p:nvGrpSpPr>
-        <p:cNvPr id="1" name=""/>
-        <p:cNvGrpSpPr/>
-        <p:nvPr/>
-      </p:nvGrpSpPr>
-      <p:grpSpPr>
-        <a:xfrm>
-          <a:off x="0" y="0"/>
-          <a:ext cx="0" cy="0"/>
-          <a:chOff x="0" y="0"/>
-          <a:chExt cx="0" cy="0"/>
-        </a:xfrm>
-      </p:grpSpPr>
-      <p:sp>
-        <p:nvSpPr>
-          <p:cNvPr id="2" name="Заголовок 1">
-            <a:extLst>
-              <a:ext uri="{FF2B5EF4-FFF2-40B4-BE49-F238E27FC236}">
-                <a16:creationId xmlns:a16="http://schemas.microsoft.com/office/drawing/2014/main" id="{6B56BBC0-0A0B-4008-B57F-5741390EF4FB}"/>
-              </a:ext>
-            </a:extLst>
-          </p:cNvPr>
-          <p:cNvSpPr>
-            <a:spLocks noGrp="1"/>
-          </p:cNvSpPr>
-          <p:nvPr>
-            <p:ph type="title"/>
-          </p:nvPr>
-        </p:nvSpPr>
-        <p:spPr/>
-        <p:txBody>
-          <a:bodyPr/>
-          <a:lstStyle/>
-          <a:p>
-            <a:r>
-              <a:rPr lang="uk-UA" dirty="0"/>
-              <a:t>Порівняння результатів моделей</a:t>
-            </a:r>
-          </a:p>
-        </p:txBody>
-      </p:sp>
-      <p:pic>
-        <p:nvPicPr>
-          <p:cNvPr id="3074" name="Picture 2" descr="What is AI? A Beginner's Guide to Artificial Intelligence (2025)">
-            <a:extLst>
-              <a:ext uri="{FF2B5EF4-FFF2-40B4-BE49-F238E27FC236}">
-                <a16:creationId xmlns:a16="http://schemas.microsoft.com/office/drawing/2014/main" id="{D2050E19-DDBE-4064-AD27-D5F85D5FF684}"/>
-              </a:ext>
-            </a:extLst>
-          </p:cNvPr>
-          <p:cNvPicPr>
-            <a:picLocks noChangeAspect="1" noChangeArrowheads="1"/>
-          </p:cNvPicPr>
-          <p:nvPr/>
-        </p:nvPicPr>
-        <p:blipFill>
-          <a:blip r:embed="rId2">
-            <a:extLst>
-              <a:ext uri="{28A0092B-C50C-407E-A947-70E740481C1C}">
-                <a14:useLocalDpi xmlns:a14="http://schemas.microsoft.com/office/drawing/2010/main" val="0"/>
-              </a:ext>
-            </a:extLst>
-          </a:blip>
-          <a:srcRect/>
-          <a:stretch>
-            <a:fillRect/>
-          </a:stretch>
-        </p:blipFill>
-        <p:spPr bwMode="auto">
-          <a:xfrm>
-            <a:off x="3080084" y="2045994"/>
-            <a:ext cx="5662863" cy="3174300"/>
-          </a:xfrm>
-          <a:prstGeom prst="rect">
-            <a:avLst/>
-          </a:prstGeom>
-          <a:noFill/>
-          <a:extLst>
-            <a:ext uri="{909E8E84-426E-40DD-AFC4-6F175D3DCCD1}">
-              <a14:hiddenFill xmlns:a14="http://schemas.microsoft.com/office/drawing/2010/main">
-                <a:solidFill>
-                  <a:srgbClr val="FFFFFF"/>
-                </a:solidFill>
-              </a14:hiddenFill>
-            </a:ext>
-          </a:extLst>
-        </p:spPr>
-      </p:pic>
-    </p:spTree>
-    <p:extLst>
-      <p:ext uri="{BB962C8B-B14F-4D97-AF65-F5344CB8AC3E}">
-        <p14:creationId xmlns:p14="http://schemas.microsoft.com/office/powerpoint/2010/main" val="4152154489"/>
-      </p:ext>
-    </p:extLst>
-  </p:cSld>
-  <p:clrMapOvr>
-    <a:masterClrMapping/>
-  </p:clrMapOvr>
-</p:sld>
-</file>
-
 <file path=ppt/slides/slide6.xml><?xml version="1.0" encoding="utf-8"?>
 <p:sld xmlns:a="http://schemas.openxmlformats.org/drawingml/2006/main" xmlns:r="http://schemas.openxmlformats.org/officeDocument/2006/relationships" xmlns:p="http://schemas.openxmlformats.org/presentationml/2006/main">
   <p:cSld>
@@ -8228,51 +9276,92 @@
           </a:p>
         </p:txBody>
       </p:sp>
+      <p:sp>
+        <p:nvSpPr>
+          <p:cNvPr id="3" name="Місце для вмісту 2">
+            <a:extLst>
+              <a:ext uri="{FF2B5EF4-FFF2-40B4-BE49-F238E27FC236}">
+                <a16:creationId xmlns:a16="http://schemas.microsoft.com/office/drawing/2014/main" id="{45DD850B-2F1F-4D9D-A2DE-DFA4B64AF50E}"/>
+              </a:ext>
+            </a:extLst>
+          </p:cNvPr>
+          <p:cNvSpPr>
+            <a:spLocks noGrp="1"/>
+          </p:cNvSpPr>
+          <p:nvPr>
+            <p:ph sz="quarter" idx="13"/>
+          </p:nvPr>
+        </p:nvSpPr>
+        <p:spPr/>
+        <p:txBody>
+          <a:bodyPr/>
+          <a:lstStyle/>
+          <a:p>
+            <a:br>
+              <a:rPr lang="en-US" dirty="0"/>
+            </a:br>
+            <a:endParaRPr lang="uk-UA" dirty="0"/>
+          </a:p>
+        </p:txBody>
+      </p:sp>
       <p:pic>
         <p:nvPicPr>
-          <p:cNvPr id="4099" name="Picture 3" descr="AI principles | OECD">
+          <p:cNvPr id="5" name="Рисунок 4">
             <a:extLst>
               <a:ext uri="{FF2B5EF4-FFF2-40B4-BE49-F238E27FC236}">
-                <a16:creationId xmlns:a16="http://schemas.microsoft.com/office/drawing/2014/main" id="{86B2F26B-D3B1-44D1-A63B-051B6FCD99F4}"/>
+                <a16:creationId xmlns:a16="http://schemas.microsoft.com/office/drawing/2014/main" id="{7E1314BC-58C2-4EFC-9EBD-F743CAE4BF5B}"/>
               </a:ext>
             </a:extLst>
           </p:cNvPr>
           <p:cNvPicPr>
-            <a:picLocks noChangeAspect="1" noChangeArrowheads="1"/>
+            <a:picLocks noChangeAspect="1"/>
           </p:cNvPicPr>
           <p:nvPr/>
         </p:nvPicPr>
         <p:blipFill>
-          <a:blip r:embed="rId2">
-            <a:extLst>
-              <a:ext uri="{28A0092B-C50C-407E-A947-70E740481C1C}">
-                <a14:useLocalDpi xmlns:a14="http://schemas.microsoft.com/office/drawing/2010/main" val="0"/>
-              </a:ext>
-            </a:extLst>
-          </a:blip>
-          <a:srcRect/>
+          <a:blip r:embed="rId2"/>
           <a:stretch>
             <a:fillRect/>
           </a:stretch>
         </p:blipFill>
-        <p:spPr bwMode="auto">
+        <p:spPr>
           <a:xfrm>
-            <a:off x="2526632" y="2883892"/>
-            <a:ext cx="7323221" cy="3643493"/>
+            <a:off x="685800" y="1939119"/>
+            <a:ext cx="4324954" cy="3172268"/>
           </a:xfrm>
           <a:prstGeom prst="rect">
             <a:avLst/>
           </a:prstGeom>
-          <a:noFill/>
-          <a:extLst>
-            <a:ext uri="{909E8E84-426E-40DD-AFC4-6F175D3DCCD1}">
-              <a14:hiddenFill xmlns:a14="http://schemas.microsoft.com/office/drawing/2010/main">
-                <a:solidFill>
-                  <a:srgbClr val="FFFFFF"/>
-                </a:solidFill>
-              </a14:hiddenFill>
-            </a:ext>
-          </a:extLst>
+        </p:spPr>
+      </p:pic>
+      <p:pic>
+        <p:nvPicPr>
+          <p:cNvPr id="7" name="Рисунок 6">
+            <a:extLst>
+              <a:ext uri="{FF2B5EF4-FFF2-40B4-BE49-F238E27FC236}">
+                <a16:creationId xmlns:a16="http://schemas.microsoft.com/office/drawing/2014/main" id="{9AF82B54-4395-4FAF-BBCD-86C9A1612CF5}"/>
+              </a:ext>
+            </a:extLst>
+          </p:cNvPr>
+          <p:cNvPicPr>
+            <a:picLocks noChangeAspect="1"/>
+          </p:cNvPicPr>
+          <p:nvPr/>
+        </p:nvPicPr>
+        <p:blipFill>
+          <a:blip r:embed="rId3"/>
+          <a:stretch>
+            <a:fillRect/>
+          </a:stretch>
+        </p:blipFill>
+        <p:spPr>
+          <a:xfrm>
+            <a:off x="5747121" y="1706956"/>
+            <a:ext cx="5081300" cy="3858294"/>
+          </a:xfrm>
+          <a:prstGeom prst="rect">
+            <a:avLst/>
+          </a:prstGeom>
         </p:spPr>
       </p:pic>
     </p:spTree>
@@ -8326,7 +9415,10 @@
           <a:bodyPr/>
           <a:lstStyle/>
           <a:p>
-            <a:endParaRPr lang="uk-UA"/>
+            <a:r>
+              <a:rPr lang="uk-UA" dirty="0"/>
+              <a:t>Як покращити роботу</a:t>
+            </a:r>
           </a:p>
         </p:txBody>
       </p:sp>
@@ -8346,18 +9438,26 @@
             <p:ph idx="1"/>
           </p:nvPr>
         </p:nvSpPr>
-        <p:spPr/>
+        <p:spPr>
+          <a:xfrm>
+            <a:off x="685801" y="2173705"/>
+            <a:ext cx="6067926" cy="1396143"/>
+          </a:xfrm>
+        </p:spPr>
         <p:txBody>
           <a:bodyPr/>
           <a:lstStyle/>
           <a:p>
             <a:r>
               <a:rPr lang="uk-UA" dirty="0"/>
-              <a:t>Конкретна задача прогнозування</a:t>
-            </a:r>
-          </a:p>
-          <a:p>
-            <a:endParaRPr lang="uk-UA" dirty="0"/>
+              <a:t>Збільшити вибірку даних</a:t>
+            </a:r>
+          </a:p>
+          <a:p>
+            <a:r>
+              <a:rPr lang="uk-UA" dirty="0"/>
+              <a:t>Додати заплановані моделі, провести їх аналіз</a:t>
+            </a:r>
           </a:p>
         </p:txBody>
       </p:sp>
@@ -8374,10 +9474,102 @@
 </p:sld>
 </file>
 
+<file path=ppt/slides/slide8.xml><?xml version="1.0" encoding="utf-8"?>
+<p:sld xmlns:a="http://schemas.openxmlformats.org/drawingml/2006/main" xmlns:r="http://schemas.openxmlformats.org/officeDocument/2006/relationships" xmlns:p="http://schemas.openxmlformats.org/presentationml/2006/main">
+  <p:cSld>
+    <p:spTree>
+      <p:nvGrpSpPr>
+        <p:cNvPr id="1" name=""/>
+        <p:cNvGrpSpPr/>
+        <p:nvPr/>
+      </p:nvGrpSpPr>
+      <p:grpSpPr>
+        <a:xfrm>
+          <a:off x="0" y="0"/>
+          <a:ext cx="0" cy="0"/>
+          <a:chOff x="0" y="0"/>
+          <a:chExt cx="0" cy="0"/>
+        </a:xfrm>
+      </p:grpSpPr>
+      <p:sp>
+        <p:nvSpPr>
+          <p:cNvPr id="2" name="Заголовок 1">
+            <a:extLst>
+              <a:ext uri="{FF2B5EF4-FFF2-40B4-BE49-F238E27FC236}">
+                <a16:creationId xmlns:a16="http://schemas.microsoft.com/office/drawing/2014/main" id="{42915B36-5B91-4593-81AC-4FC34DE7B4F3}"/>
+              </a:ext>
+            </a:extLst>
+          </p:cNvPr>
+          <p:cNvSpPr>
+            <a:spLocks noGrp="1"/>
+          </p:cNvSpPr>
+          <p:nvPr>
+            <p:ph type="title"/>
+          </p:nvPr>
+        </p:nvSpPr>
+        <p:spPr/>
+        <p:txBody>
+          <a:bodyPr/>
+          <a:lstStyle/>
+          <a:p>
+            <a:r>
+              <a:rPr lang="uk-UA" dirty="0"/>
+              <a:t>висновки</a:t>
+            </a:r>
+          </a:p>
+        </p:txBody>
+      </p:sp>
+      <p:sp>
+        <p:nvSpPr>
+          <p:cNvPr id="3" name="Місце для вмісту 2">
+            <a:extLst>
+              <a:ext uri="{FF2B5EF4-FFF2-40B4-BE49-F238E27FC236}">
+                <a16:creationId xmlns:a16="http://schemas.microsoft.com/office/drawing/2014/main" id="{312F6594-7F7F-40AB-98EE-D1A052ABBD78}"/>
+              </a:ext>
+            </a:extLst>
+          </p:cNvPr>
+          <p:cNvSpPr>
+            <a:spLocks noGrp="1"/>
+          </p:cNvSpPr>
+          <p:nvPr>
+            <p:ph idx="1"/>
+          </p:nvPr>
+        </p:nvSpPr>
+        <p:spPr/>
+        <p:txBody>
+          <a:bodyPr/>
+          <a:lstStyle/>
+          <a:p>
+            <a:r>
+              <a:rPr lang="uk-UA" dirty="0"/>
+              <a:t>Модель видала досить не поганий результат, враховуючи малу кількість навчальних даних</a:t>
+            </a:r>
+          </a:p>
+          <a:p>
+            <a:r>
+              <a:rPr lang="uk-UA" dirty="0"/>
+              <a:t>Ця робота в перспективі може використатись для прогнозування часових рядів. Що може бути корисним, для людей які працюють в арбітражі</a:t>
+            </a:r>
+          </a:p>
+        </p:txBody>
+      </p:sp>
+    </p:spTree>
+    <p:extLst>
+      <p:ext uri="{BB962C8B-B14F-4D97-AF65-F5344CB8AC3E}">
+        <p14:creationId xmlns:p14="http://schemas.microsoft.com/office/powerpoint/2010/main" val="3428357975"/>
+      </p:ext>
+    </p:extLst>
+  </p:cSld>
+  <p:clrMapOvr>
+    <a:masterClrMapping/>
+  </p:clrMapOvr>
+</p:sld>
+</file>
+
 <file path=ppt/theme/theme1.xml><?xml version="1.0" encoding="utf-8"?>
-<a:theme xmlns:a="http://schemas.openxmlformats.org/drawingml/2006/main" name="Глибина">
+<a:theme xmlns:a="http://schemas.openxmlformats.org/drawingml/2006/main" name="Основна подія">
   <a:themeElements>
-    <a:clrScheme name="Глибина">
+    <a:clrScheme name="Основна подія">
       <a:dk1>
         <a:sysClr val="windowText" lastClr="000000"/>
       </a:dk1>
@@ -8385,52 +9577,52 @@
         <a:sysClr val="window" lastClr="FFFFFF"/>
       </a:lt1>
       <a:dk2>
-        <a:srgbClr val="455F51"/>
+        <a:srgbClr val="424242"/>
       </a:dk2>
       <a:lt2>
-        <a:srgbClr val="94D7E4"/>
+        <a:srgbClr val="C8C8C8"/>
       </a:lt2>
       <a:accent1>
-        <a:srgbClr val="41AEBD"/>
+        <a:srgbClr val="B80E0F"/>
       </a:accent1>
       <a:accent2>
-        <a:srgbClr val="97E9D5"/>
+        <a:srgbClr val="A6987D"/>
       </a:accent2>
       <a:accent3>
-        <a:srgbClr val="A2CF49"/>
+        <a:srgbClr val="7F9A71"/>
       </a:accent3>
       <a:accent4>
-        <a:srgbClr val="608F3D"/>
+        <a:srgbClr val="64969F"/>
       </a:accent4>
       <a:accent5>
-        <a:srgbClr val="F4DE3A"/>
+        <a:srgbClr val="9B75B2"/>
       </a:accent5>
       <a:accent6>
-        <a:srgbClr val="FCB11C"/>
+        <a:srgbClr val="80737A"/>
       </a:accent6>
       <a:hlink>
-        <a:srgbClr val="FBCA98"/>
+        <a:srgbClr val="F21213"/>
       </a:hlink>
       <a:folHlink>
-        <a:srgbClr val="D3B86D"/>
+        <a:srgbClr val="B6A394"/>
       </a:folHlink>
     </a:clrScheme>
-    <a:fontScheme name="Глибина">
+    <a:fontScheme name="Основна подія">
       <a:majorFont>
-        <a:latin typeface="Corbel" panose="020B0503020204020204"/>
+        <a:latin typeface="Impact" panose="020B0806030902050204"/>
         <a:ea typeface=""/>
         <a:cs typeface=""/>
-        <a:font script="Jpan" typeface="メイリオ"/>
-        <a:font script="Hang" typeface="HY엽서L"/>
-        <a:font script="Hans" typeface="华文楷体"/>
+        <a:font script="Jpan" typeface="ＭＳ Ｐゴシック"/>
+        <a:font script="Hang" typeface="맑은 고딕"/>
+        <a:font script="Hans" typeface="宋体"/>
         <a:font script="Hant" typeface="新細明體"/>
-        <a:font script="Arab" typeface="Tahoma"/>
-        <a:font script="Hebr" typeface="Miriam"/>
-        <a:font script="Thai" typeface="DilleniaUPC"/>
+        <a:font script="Arab" typeface="Times New Roman"/>
+        <a:font script="Hebr" typeface="Times New Roman"/>
+        <a:font script="Thai" typeface="Angsana New"/>
         <a:font script="Ethi" typeface="Nyala"/>
         <a:font script="Beng" typeface="Vrinda"/>
         <a:font script="Gujr" typeface="Shruti"/>
-        <a:font script="Khmr" typeface="DaunPenh"/>
+        <a:font script="Khmr" typeface="MoolBoran"/>
         <a:font script="Knda" typeface="Tunga"/>
         <a:font script="Guru" typeface="Raavi"/>
         <a:font script="Cans" typeface="Euphemia"/>
@@ -8447,21 +9639,21 @@
         <a:font script="Laoo" typeface="DokChampa"/>
         <a:font script="Sinh" typeface="Iskoola Pota"/>
         <a:font script="Mong" typeface="Mongolian Baiti"/>
-        <a:font script="Viet" typeface="Arial"/>
+        <a:font script="Viet" typeface="Times New Roman"/>
         <a:font script="Uigh" typeface="Microsoft Uighur"/>
         <a:font script="Geor" typeface="Sylfaen"/>
       </a:majorFont>
       <a:minorFont>
-        <a:latin typeface="Corbel" panose="020B0503020204020204"/>
+        <a:latin typeface="Impact" panose="020B0806030902050204"/>
         <a:ea typeface=""/>
         <a:cs typeface=""/>
-        <a:font script="Jpan" typeface="メイリオ"/>
-        <a:font script="Hang" typeface="HY엽서L"/>
-        <a:font script="Hans" typeface="华文楷体"/>
+        <a:font script="Jpan" typeface="ＭＳ Ｐゴシック"/>
+        <a:font script="Hang" typeface="맑은 고딕"/>
+        <a:font script="Hans" typeface="宋体"/>
         <a:font script="Hant" typeface="新細明體"/>
-        <a:font script="Arab" typeface="Tahoma"/>
-        <a:font script="Hebr" typeface="Miriam"/>
-        <a:font script="Thai" typeface="DilleniaUPC"/>
+        <a:font script="Arab" typeface="Arial"/>
+        <a:font script="Hebr" typeface="Arial"/>
+        <a:font script="Thai" typeface="Cordia New"/>
         <a:font script="Ethi" typeface="Nyala"/>
         <a:font script="Beng" typeface="Vrinda"/>
         <a:font script="Gujr" typeface="Shruti"/>
@@ -8487,85 +9679,51 @@
         <a:font script="Geor" typeface="Sylfaen"/>
       </a:minorFont>
     </a:fontScheme>
-    <a:fmtScheme name="Глибина">
+    <a:fmtScheme name="Основна подія">
       <a:fillStyleLst>
         <a:solidFill>
           <a:schemeClr val="phClr"/>
         </a:solidFill>
-        <a:gradFill rotWithShape="1">
-          <a:gsLst>
-            <a:gs pos="0">
+        <a:solidFill>
+          <a:schemeClr val="phClr">
+            <a:tint val="69000"/>
+            <a:satMod val="105000"/>
+            <a:lumMod val="110000"/>
+          </a:schemeClr>
+        </a:solidFill>
+        <a:blipFill>
+          <a:blip xmlns:r="http://schemas.openxmlformats.org/officeDocument/2006/relationships" r:embed="rId1">
+            <a:duotone>
               <a:schemeClr val="phClr">
-                <a:lumMod val="110000"/>
-                <a:satMod val="105000"/>
-                <a:tint val="67000"/>
+                <a:shade val="88000"/>
+                <a:lumMod val="88000"/>
               </a:schemeClr>
-            </a:gs>
-            <a:gs pos="50000">
-              <a:schemeClr val="phClr">
-                <a:lumMod val="105000"/>
-                <a:satMod val="103000"/>
-                <a:tint val="73000"/>
-              </a:schemeClr>
-            </a:gs>
-            <a:gs pos="100000">
-              <a:schemeClr val="phClr">
-                <a:lumMod val="105000"/>
-                <a:satMod val="109000"/>
-                <a:tint val="81000"/>
-              </a:schemeClr>
-            </a:gs>
-          </a:gsLst>
-          <a:lin ang="5400000" scaled="0"/>
-        </a:gradFill>
-        <a:gradFill rotWithShape="1">
-          <a:gsLst>
-            <a:gs pos="0">
-              <a:schemeClr val="phClr">
-                <a:satMod val="103000"/>
-                <a:lumMod val="102000"/>
-                <a:tint val="94000"/>
-              </a:schemeClr>
-            </a:gs>
-            <a:gs pos="50000">
-              <a:schemeClr val="phClr">
-                <a:satMod val="110000"/>
-                <a:lumMod val="100000"/>
-                <a:shade val="100000"/>
-              </a:schemeClr>
-            </a:gs>
-            <a:gs pos="100000">
-              <a:schemeClr val="phClr">
-                <a:lumMod val="99000"/>
-                <a:satMod val="120000"/>
-                <a:shade val="78000"/>
-              </a:schemeClr>
-            </a:gs>
-          </a:gsLst>
-          <a:lin ang="5400000" scaled="0"/>
-        </a:gradFill>
+              <a:schemeClr val="phClr"/>
+            </a:duotone>
+          </a:blip>
+          <a:tile tx="0" ty="0" sx="100000" sy="100000" flip="none" algn="tl"/>
+        </a:blipFill>
       </a:fillStyleLst>
       <a:lnStyleLst>
-        <a:ln w="6350" cap="flat" cmpd="sng" algn="ctr">
+        <a:ln w="9525" cap="flat" cmpd="sng" algn="ctr">
           <a:solidFill>
-            <a:schemeClr val="phClr"/>
+            <a:schemeClr val="phClr">
+              <a:shade val="60000"/>
+            </a:schemeClr>
           </a:solidFill>
           <a:prstDash val="solid"/>
-          <a:miter lim="800000"/>
-        </a:ln>
-        <a:ln w="12700" cap="flat" cmpd="sng" algn="ctr">
-          <a:solidFill>
-            <a:schemeClr val="phClr"/>
-          </a:solidFill>
-          <a:prstDash val="solid"/>
-          <a:miter lim="800000"/>
         </a:ln>
         <a:ln w="19050" cap="flat" cmpd="sng" algn="ctr">
           <a:solidFill>
             <a:schemeClr val="phClr"/>
           </a:solidFill>
           <a:prstDash val="solid"/>
-          <a:miter lim="800000"/>
+        </a:ln>
+        <a:ln w="25400" cap="flat" cmpd="sng" algn="ctr">
+          <a:solidFill>
+            <a:schemeClr val="phClr"/>
+          </a:solidFill>
+          <a:prstDash val="solid"/>
         </a:ln>
       </a:lnStyleLst>
       <a:effectStyleLst>
@@ -8577,9 +9735,9 @@
         </a:effectStyle>
         <a:effectStyle>
           <a:effectLst>
-            <a:outerShdw blurRad="57150" dist="19050" dir="5400000" algn="ctr" rotWithShape="0">
+            <a:outerShdw blurRad="25400" dist="12700" dir="5400000" rotWithShape="0">
               <a:srgbClr val="000000">
-                <a:alpha val="63000"/>
+                <a:alpha val="60000"/>
               </a:srgbClr>
             </a:outerShdw>
           </a:effectLst>
@@ -8589,39 +9747,39 @@
         <a:solidFill>
           <a:schemeClr val="phClr"/>
         </a:solidFill>
-        <a:solidFill>
-          <a:schemeClr val="phClr">
-            <a:tint val="95000"/>
-            <a:satMod val="170000"/>
-          </a:schemeClr>
-        </a:solidFill>
         <a:gradFill rotWithShape="1">
           <a:gsLst>
             <a:gs pos="0">
               <a:schemeClr val="phClr">
-                <a:tint val="93000"/>
-                <a:satMod val="150000"/>
-                <a:shade val="98000"/>
-                <a:lumMod val="102000"/>
-              </a:schemeClr>
-            </a:gs>
-            <a:gs pos="50000">
-              <a:schemeClr val="phClr">
-                <a:tint val="98000"/>
-                <a:satMod val="130000"/>
-                <a:shade val="90000"/>
-                <a:lumMod val="103000"/>
+                <a:tint val="90000"/>
+                <a:lumMod val="110000"/>
               </a:schemeClr>
             </a:gs>
             <a:gs pos="100000">
               <a:schemeClr val="phClr">
-                <a:shade val="63000"/>
-                <a:satMod val="120000"/>
+                <a:shade val="88000"/>
+                <a:lumMod val="88000"/>
               </a:schemeClr>
             </a:gs>
           </a:gsLst>
           <a:lin ang="5400000" scaled="0"/>
         </a:gradFill>
+        <a:blipFill>
+          <a:blip xmlns:r="http://schemas.openxmlformats.org/officeDocument/2006/relationships" r:embed="rId2">
+            <a:duotone>
+              <a:schemeClr val="phClr">
+                <a:shade val="48000"/>
+                <a:satMod val="110000"/>
+                <a:lumMod val="40000"/>
+              </a:schemeClr>
+              <a:schemeClr val="phClr">
+                <a:tint val="90000"/>
+                <a:lumMod val="106000"/>
+              </a:schemeClr>
+            </a:duotone>
+          </a:blip>
+          <a:stretch/>
+        </a:blipFill>
       </a:bgFillStyleLst>
     </a:fmtScheme>
   </a:themeElements>
@@ -8629,7 +9787,7 @@
   <a:extraClrSchemeLst/>
   <a:extLst>
     <a:ext uri="{05A4C25C-085E-4340-85A3-A5531E510DB2}">
-      <thm15:themeFamily xmlns:thm15="http://schemas.microsoft.com/office/thememl/2012/main" name="Depth" id="{7BEAFC2A-325C-49C4-AC08-2B765DA903F9}" vid="{1735E755-43E6-43AA-ABA2-C989ECC79AF5}"/>
+      <thm15:themeFamily xmlns:thm15="http://schemas.microsoft.com/office/thememl/2012/main" name="Main Event" id="{AC372BB4-D83D-411E-B849-B641926BA760}" vid="{F1EFBDE3-1A95-4E3D-81AD-1F53D65BEA01}"/>
     </a:ext>
   </a:extLst>
 </a:theme>

--- a/Презентація.pptx
+++ b/Презентація.pptx
@@ -6,13 +6,16 @@
   </p:sldMasterIdLst>
   <p:sldIdLst>
     <p:sldId id="264" r:id="rId2"/>
-    <p:sldId id="257" r:id="rId3"/>
-    <p:sldId id="258" r:id="rId4"/>
-    <p:sldId id="263" r:id="rId5"/>
-    <p:sldId id="259" r:id="rId6"/>
-    <p:sldId id="261" r:id="rId7"/>
-    <p:sldId id="262" r:id="rId8"/>
-    <p:sldId id="265" r:id="rId9"/>
+    <p:sldId id="267" r:id="rId3"/>
+    <p:sldId id="257" r:id="rId4"/>
+    <p:sldId id="258" r:id="rId5"/>
+    <p:sldId id="263" r:id="rId6"/>
+    <p:sldId id="268" r:id="rId7"/>
+    <p:sldId id="266" r:id="rId8"/>
+    <p:sldId id="259" r:id="rId9"/>
+    <p:sldId id="269" r:id="rId10"/>
+    <p:sldId id="261" r:id="rId11"/>
+    <p:sldId id="265" r:id="rId12"/>
   </p:sldIdLst>
   <p:sldSz cx="12192000" cy="6858000"/>
   <p:notesSz cx="6858000" cy="9144000"/>
@@ -572,7 +575,7 @@
           <a:p>
             <a:fld id="{BFB6413F-5667-4D3A-98B8-9E531F53339B}" type="datetimeFigureOut">
               <a:rPr lang="uk-UA" smtClean="0"/>
-              <a:t>05.06.2025</a:t>
+              <a:t>15.06.2025</a:t>
             </a:fld>
             <a:endParaRPr lang="uk-UA"/>
           </a:p>
@@ -904,7 +907,7 @@
           <a:p>
             <a:fld id="{BFB6413F-5667-4D3A-98B8-9E531F53339B}" type="datetimeFigureOut">
               <a:rPr lang="uk-UA" smtClean="0"/>
-              <a:t>05.06.2025</a:t>
+              <a:t>15.06.2025</a:t>
             </a:fld>
             <a:endParaRPr lang="uk-UA"/>
           </a:p>
@@ -1100,7 +1103,7 @@
           <a:p>
             <a:fld id="{BFB6413F-5667-4D3A-98B8-9E531F53339B}" type="datetimeFigureOut">
               <a:rPr lang="uk-UA" smtClean="0"/>
-              <a:t>05.06.2025</a:t>
+              <a:t>15.06.2025</a:t>
             </a:fld>
             <a:endParaRPr lang="uk-UA"/>
           </a:p>
@@ -1370,7 +1373,7 @@
           <a:p>
             <a:fld id="{BFB6413F-5667-4D3A-98B8-9E531F53339B}" type="datetimeFigureOut">
               <a:rPr lang="uk-UA" smtClean="0"/>
-              <a:t>05.06.2025</a:t>
+              <a:t>15.06.2025</a:t>
             </a:fld>
             <a:endParaRPr lang="uk-UA"/>
           </a:p>
@@ -1798,7 +1801,7 @@
           <a:p>
             <a:fld id="{BFB6413F-5667-4D3A-98B8-9E531F53339B}" type="datetimeFigureOut">
               <a:rPr lang="uk-UA" smtClean="0"/>
-              <a:t>05.06.2025</a:t>
+              <a:t>15.06.2025</a:t>
             </a:fld>
             <a:endParaRPr lang="uk-UA"/>
           </a:p>
@@ -2348,7 +2351,7 @@
           <a:p>
             <a:fld id="{BFB6413F-5667-4D3A-98B8-9E531F53339B}" type="datetimeFigureOut">
               <a:rPr lang="uk-UA" smtClean="0"/>
-              <a:t>05.06.2025</a:t>
+              <a:t>15.06.2025</a:t>
             </a:fld>
             <a:endParaRPr lang="uk-UA"/>
           </a:p>
@@ -3138,7 +3141,7 @@
           <a:p>
             <a:fld id="{BFB6413F-5667-4D3A-98B8-9E531F53339B}" type="datetimeFigureOut">
               <a:rPr lang="uk-UA" smtClean="0"/>
-              <a:t>05.06.2025</a:t>
+              <a:t>15.06.2025</a:t>
             </a:fld>
             <a:endParaRPr lang="uk-UA"/>
           </a:p>
@@ -3317,7 +3320,7 @@
           <a:p>
             <a:fld id="{BFB6413F-5667-4D3A-98B8-9E531F53339B}" type="datetimeFigureOut">
               <a:rPr lang="uk-UA" smtClean="0"/>
-              <a:t>05.06.2025</a:t>
+              <a:t>15.06.2025</a:t>
             </a:fld>
             <a:endParaRPr lang="uk-UA"/>
           </a:p>
@@ -3501,7 +3504,7 @@
           <a:p>
             <a:fld id="{BFB6413F-5667-4D3A-98B8-9E531F53339B}" type="datetimeFigureOut">
               <a:rPr lang="uk-UA" smtClean="0"/>
-              <a:t>05.06.2025</a:t>
+              <a:t>15.06.2025</a:t>
             </a:fld>
             <a:endParaRPr lang="uk-UA"/>
           </a:p>
@@ -3671,7 +3674,7 @@
           <a:p>
             <a:fld id="{BFB6413F-5667-4D3A-98B8-9E531F53339B}" type="datetimeFigureOut">
               <a:rPr lang="uk-UA" smtClean="0"/>
-              <a:t>05.06.2025</a:t>
+              <a:t>15.06.2025</a:t>
             </a:fld>
             <a:endParaRPr lang="uk-UA"/>
           </a:p>
@@ -3846,7 +3849,7 @@
           <a:p>
             <a:fld id="{BFB6413F-5667-4D3A-98B8-9E531F53339B}" type="datetimeFigureOut">
               <a:rPr lang="uk-UA" smtClean="0"/>
-              <a:t>05.06.2025</a:t>
+              <a:t>15.06.2025</a:t>
             </a:fld>
             <a:endParaRPr lang="uk-UA"/>
           </a:p>
@@ -4096,7 +4099,7 @@
           <a:p>
             <a:fld id="{BFB6413F-5667-4D3A-98B8-9E531F53339B}" type="datetimeFigureOut">
               <a:rPr lang="uk-UA" smtClean="0"/>
-              <a:t>05.06.2025</a:t>
+              <a:t>15.06.2025</a:t>
             </a:fld>
             <a:endParaRPr lang="uk-UA"/>
           </a:p>
@@ -4333,7 +4336,7 @@
           <a:p>
             <a:fld id="{BFB6413F-5667-4D3A-98B8-9E531F53339B}" type="datetimeFigureOut">
               <a:rPr lang="uk-UA" smtClean="0"/>
-              <a:t>05.06.2025</a:t>
+              <a:t>15.06.2025</a:t>
             </a:fld>
             <a:endParaRPr lang="uk-UA"/>
           </a:p>
@@ -4718,7 +4721,7 @@
           <a:p>
             <a:fld id="{BFB6413F-5667-4D3A-98B8-9E531F53339B}" type="datetimeFigureOut">
               <a:rPr lang="uk-UA" smtClean="0"/>
-              <a:t>05.06.2025</a:t>
+              <a:t>15.06.2025</a:t>
             </a:fld>
             <a:endParaRPr lang="uk-UA"/>
           </a:p>
@@ -4836,7 +4839,7 @@
           <a:p>
             <a:fld id="{BFB6413F-5667-4D3A-98B8-9E531F53339B}" type="datetimeFigureOut">
               <a:rPr lang="uk-UA" smtClean="0"/>
-              <a:t>05.06.2025</a:t>
+              <a:t>15.06.2025</a:t>
             </a:fld>
             <a:endParaRPr lang="uk-UA"/>
           </a:p>
@@ -4931,7 +4934,7 @@
           <a:p>
             <a:fld id="{BFB6413F-5667-4D3A-98B8-9E531F53339B}" type="datetimeFigureOut">
               <a:rPr lang="uk-UA" smtClean="0"/>
-              <a:t>05.06.2025</a:t>
+              <a:t>15.06.2025</a:t>
             </a:fld>
             <a:endParaRPr lang="uk-UA"/>
           </a:p>
@@ -5184,7 +5187,7 @@
           <a:p>
             <a:fld id="{BFB6413F-5667-4D3A-98B8-9E531F53339B}" type="datetimeFigureOut">
               <a:rPr lang="uk-UA" smtClean="0"/>
-              <a:t>05.06.2025</a:t>
+              <a:t>15.06.2025</a:t>
             </a:fld>
             <a:endParaRPr lang="uk-UA"/>
           </a:p>
@@ -5453,7 +5456,7 @@
           <a:p>
             <a:fld id="{BFB6413F-5667-4D3A-98B8-9E531F53339B}" type="datetimeFigureOut">
               <a:rPr lang="uk-UA" smtClean="0"/>
-              <a:t>05.06.2025</a:t>
+              <a:t>15.06.2025</a:t>
             </a:fld>
             <a:endParaRPr lang="uk-UA"/>
           </a:p>
@@ -5856,7 +5859,7 @@
           <a:p>
             <a:fld id="{BFB6413F-5667-4D3A-98B8-9E531F53339B}" type="datetimeFigureOut">
               <a:rPr lang="uk-UA" smtClean="0"/>
-              <a:t>05.06.2025</a:t>
+              <a:t>15.06.2025</a:t>
             </a:fld>
             <a:endParaRPr lang="uk-UA"/>
           </a:p>
@@ -6605,7 +6608,18 @@
               </a:rPr>
             </a:br>
             <a:r>
-              <a:rPr lang="ru-RU" sz="2800" dirty="0" err="1">
+              <a:rPr lang="uk-UA" sz="2400" dirty="0">
+                <a:solidFill>
+                  <a:schemeClr val="tx1">
+                    <a:lumMod val="85000"/>
+                    <a:lumOff val="15000"/>
+                  </a:schemeClr>
+                </a:solidFill>
+              </a:rPr>
+              <a:t>ДОСЛІДЖЕННЯ </a:t>
+            </a:r>
+            <a:r>
+              <a:rPr lang="ru-RU" sz="2400" dirty="0" err="1">
                 <a:solidFill>
                   <a:schemeClr val="tx1">
                     <a:lumMod val="85000"/>
@@ -6614,10 +6628,10 @@
                 </a:solidFill>
                 <a:latin typeface="+mn-lt"/>
               </a:rPr>
-              <a:t>Методи</a:t>
-            </a:r>
-            <a:r>
-              <a:rPr lang="ru-RU" sz="2800" dirty="0">
+              <a:t>Методів</a:t>
+            </a:r>
+            <a:r>
+              <a:rPr lang="ru-RU" sz="2400" dirty="0">
                 <a:solidFill>
                   <a:schemeClr val="tx1">
                     <a:lumMod val="85000"/>
@@ -6629,7 +6643,7 @@
               <a:t> </a:t>
             </a:r>
             <a:r>
-              <a:rPr lang="ru-RU" sz="2800" dirty="0" err="1">
+              <a:rPr lang="ru-RU" sz="2400" dirty="0" err="1">
                 <a:solidFill>
                   <a:schemeClr val="tx1">
                     <a:lumMod val="85000"/>
@@ -6641,7 +6655,7 @@
               <a:t>навчання</a:t>
             </a:r>
             <a:r>
-              <a:rPr lang="ru-RU" sz="2800" dirty="0">
+              <a:rPr lang="ru-RU" sz="2400" dirty="0">
                 <a:solidFill>
                   <a:schemeClr val="tx1">
                     <a:lumMod val="85000"/>
@@ -6653,7 +6667,7 @@
               <a:t> </a:t>
             </a:r>
             <a:r>
-              <a:rPr lang="ru-RU" sz="2800" dirty="0" err="1">
+              <a:rPr lang="ru-RU" sz="2400" dirty="0" err="1">
                 <a:solidFill>
                   <a:schemeClr val="tx1">
                     <a:lumMod val="85000"/>
@@ -6665,7 +6679,7 @@
               <a:t>нейромереж</a:t>
             </a:r>
             <a:r>
-              <a:rPr lang="ru-RU" sz="2800" dirty="0">
+              <a:rPr lang="ru-RU" sz="2400" dirty="0">
                 <a:solidFill>
                   <a:schemeClr val="tx1">
                     <a:lumMod val="85000"/>
@@ -6677,7 +6691,7 @@
               <a:t> у задачах </a:t>
             </a:r>
             <a:r>
-              <a:rPr lang="ru-RU" sz="2800" dirty="0" err="1">
+              <a:rPr lang="ru-RU" sz="2400" dirty="0" err="1">
                 <a:solidFill>
                   <a:schemeClr val="tx1">
                     <a:lumMod val="85000"/>
@@ -6689,7 +6703,7 @@
               <a:t>прогнозування</a:t>
             </a:r>
             <a:r>
-              <a:rPr lang="ru-RU" sz="2800" dirty="0">
+              <a:rPr lang="ru-RU" sz="2400" dirty="0">
                 <a:solidFill>
                   <a:schemeClr val="tx1">
                     <a:lumMod val="85000"/>
@@ -6701,7 +6715,7 @@
               <a:t> </a:t>
             </a:r>
             <a:r>
-              <a:rPr lang="ru-RU" sz="2800" dirty="0" err="1">
+              <a:rPr lang="ru-RU" sz="2400" dirty="0" err="1">
                 <a:solidFill>
                   <a:schemeClr val="tx1">
                     <a:lumMod val="85000"/>
@@ -6712,7 +6726,7 @@
               </a:rPr>
               <a:t>цін</a:t>
             </a:r>
-            <a:endParaRPr lang="uk-UA" sz="3000" dirty="0">
+            <a:endParaRPr lang="uk-UA" sz="2400" dirty="0">
               <a:solidFill>
                 <a:schemeClr val="tx1">
                   <a:lumMod val="85000"/>
@@ -6792,7 +6806,7 @@
             </a:r>
             <a:r>
               <a:rPr lang="uk-UA" sz="1800" dirty="0"/>
-              <a:t>., проф. Ніколенко В. В.</a:t>
+              <a:t>., доц. Ніколенко В. В.</a:t>
             </a:r>
           </a:p>
         </p:txBody>
@@ -6810,7 +6824,392 @@
 </p:sld>
 </file>
 
+<file path=ppt/slides/slide10.xml><?xml version="1.0" encoding="utf-8"?>
+<p:sld xmlns:a="http://schemas.openxmlformats.org/drawingml/2006/main" xmlns:r="http://schemas.openxmlformats.org/officeDocument/2006/relationships" xmlns:p="http://schemas.openxmlformats.org/presentationml/2006/main">
+  <p:cSld>
+    <p:spTree>
+      <p:nvGrpSpPr>
+        <p:cNvPr id="1" name=""/>
+        <p:cNvGrpSpPr/>
+        <p:nvPr/>
+      </p:nvGrpSpPr>
+      <p:grpSpPr>
+        <a:xfrm>
+          <a:off x="0" y="0"/>
+          <a:ext cx="0" cy="0"/>
+          <a:chOff x="0" y="0"/>
+          <a:chExt cx="0" cy="0"/>
+        </a:xfrm>
+      </p:grpSpPr>
+      <p:sp>
+        <p:nvSpPr>
+          <p:cNvPr id="2" name="Заголовок 1">
+            <a:extLst>
+              <a:ext uri="{FF2B5EF4-FFF2-40B4-BE49-F238E27FC236}">
+                <a16:creationId xmlns:a16="http://schemas.microsoft.com/office/drawing/2014/main" id="{395C006F-EA03-434A-ADE8-051C019F853D}"/>
+              </a:ext>
+            </a:extLst>
+          </p:cNvPr>
+          <p:cNvSpPr>
+            <a:spLocks noGrp="1"/>
+          </p:cNvSpPr>
+          <p:nvPr>
+            <p:ph type="title"/>
+          </p:nvPr>
+        </p:nvSpPr>
+        <p:spPr/>
+        <p:txBody>
+          <a:bodyPr/>
+          <a:lstStyle/>
+          <a:p>
+            <a:r>
+              <a:rPr lang="uk-UA" dirty="0"/>
+              <a:t>✅ Результати:</a:t>
+            </a:r>
+          </a:p>
+        </p:txBody>
+      </p:sp>
+      <p:sp>
+        <p:nvSpPr>
+          <p:cNvPr id="3" name="Місце для вмісту 2">
+            <a:extLst>
+              <a:ext uri="{FF2B5EF4-FFF2-40B4-BE49-F238E27FC236}">
+                <a16:creationId xmlns:a16="http://schemas.microsoft.com/office/drawing/2014/main" id="{45DD850B-2F1F-4D9D-A2DE-DFA4B64AF50E}"/>
+              </a:ext>
+            </a:extLst>
+          </p:cNvPr>
+          <p:cNvSpPr>
+            <a:spLocks noGrp="1"/>
+          </p:cNvSpPr>
+          <p:nvPr>
+            <p:ph sz="quarter" idx="13"/>
+          </p:nvPr>
+        </p:nvSpPr>
+        <p:spPr/>
+        <p:txBody>
+          <a:bodyPr/>
+          <a:lstStyle/>
+          <a:p>
+            <a:br>
+              <a:rPr lang="en-US" dirty="0"/>
+            </a:br>
+            <a:endParaRPr lang="uk-UA" dirty="0"/>
+          </a:p>
+        </p:txBody>
+      </p:sp>
+      <p:pic>
+        <p:nvPicPr>
+          <p:cNvPr id="5" name="Рисунок 4">
+            <a:extLst>
+              <a:ext uri="{FF2B5EF4-FFF2-40B4-BE49-F238E27FC236}">
+                <a16:creationId xmlns:a16="http://schemas.microsoft.com/office/drawing/2014/main" id="{7E1314BC-58C2-4EFC-9EBD-F743CAE4BF5B}"/>
+              </a:ext>
+            </a:extLst>
+          </p:cNvPr>
+          <p:cNvPicPr>
+            <a:picLocks noChangeAspect="1"/>
+          </p:cNvPicPr>
+          <p:nvPr/>
+        </p:nvPicPr>
+        <p:blipFill>
+          <a:blip r:embed="rId2"/>
+          <a:stretch>
+            <a:fillRect/>
+          </a:stretch>
+        </p:blipFill>
+        <p:spPr>
+          <a:xfrm>
+            <a:off x="685800" y="1939119"/>
+            <a:ext cx="4324954" cy="3172268"/>
+          </a:xfrm>
+          <a:prstGeom prst="rect">
+            <a:avLst/>
+          </a:prstGeom>
+        </p:spPr>
+      </p:pic>
+      <p:pic>
+        <p:nvPicPr>
+          <p:cNvPr id="7" name="Рисунок 6">
+            <a:extLst>
+              <a:ext uri="{FF2B5EF4-FFF2-40B4-BE49-F238E27FC236}">
+                <a16:creationId xmlns:a16="http://schemas.microsoft.com/office/drawing/2014/main" id="{9AF82B54-4395-4FAF-BBCD-86C9A1612CF5}"/>
+              </a:ext>
+            </a:extLst>
+          </p:cNvPr>
+          <p:cNvPicPr>
+            <a:picLocks noChangeAspect="1"/>
+          </p:cNvPicPr>
+          <p:nvPr/>
+        </p:nvPicPr>
+        <p:blipFill>
+          <a:blip r:embed="rId3"/>
+          <a:stretch>
+            <a:fillRect/>
+          </a:stretch>
+        </p:blipFill>
+        <p:spPr>
+          <a:xfrm>
+            <a:off x="5747121" y="1706956"/>
+            <a:ext cx="5081300" cy="3858294"/>
+          </a:xfrm>
+          <a:prstGeom prst="rect">
+            <a:avLst/>
+          </a:prstGeom>
+        </p:spPr>
+      </p:pic>
+    </p:spTree>
+    <p:extLst>
+      <p:ext uri="{BB962C8B-B14F-4D97-AF65-F5344CB8AC3E}">
+        <p14:creationId xmlns:p14="http://schemas.microsoft.com/office/powerpoint/2010/main" val="2266038934"/>
+      </p:ext>
+    </p:extLst>
+  </p:cSld>
+  <p:clrMapOvr>
+    <a:masterClrMapping/>
+  </p:clrMapOvr>
+</p:sld>
+</file>
+
+<file path=ppt/slides/slide11.xml><?xml version="1.0" encoding="utf-8"?>
+<p:sld xmlns:a="http://schemas.openxmlformats.org/drawingml/2006/main" xmlns:r="http://schemas.openxmlformats.org/officeDocument/2006/relationships" xmlns:p="http://schemas.openxmlformats.org/presentationml/2006/main">
+  <p:cSld>
+    <p:spTree>
+      <p:nvGrpSpPr>
+        <p:cNvPr id="1" name=""/>
+        <p:cNvGrpSpPr/>
+        <p:nvPr/>
+      </p:nvGrpSpPr>
+      <p:grpSpPr>
+        <a:xfrm>
+          <a:off x="0" y="0"/>
+          <a:ext cx="0" cy="0"/>
+          <a:chOff x="0" y="0"/>
+          <a:chExt cx="0" cy="0"/>
+        </a:xfrm>
+      </p:grpSpPr>
+      <p:sp>
+        <p:nvSpPr>
+          <p:cNvPr id="2" name="Заголовок 1">
+            <a:extLst>
+              <a:ext uri="{FF2B5EF4-FFF2-40B4-BE49-F238E27FC236}">
+                <a16:creationId xmlns:a16="http://schemas.microsoft.com/office/drawing/2014/main" id="{1DDC1808-A956-4A71-BC60-60CC0FAAA3D4}"/>
+              </a:ext>
+            </a:extLst>
+          </p:cNvPr>
+          <p:cNvSpPr>
+            <a:spLocks noGrp="1"/>
+          </p:cNvSpPr>
+          <p:nvPr>
+            <p:ph type="title"/>
+          </p:nvPr>
+        </p:nvSpPr>
+        <p:spPr/>
+        <p:txBody>
+          <a:bodyPr/>
+          <a:lstStyle/>
+          <a:p>
+            <a:r>
+              <a:rPr lang="uk-UA" dirty="0"/>
+              <a:t>висновки</a:t>
+            </a:r>
+          </a:p>
+        </p:txBody>
+      </p:sp>
+      <p:sp>
+        <p:nvSpPr>
+          <p:cNvPr id="3" name="Місце для вмісту 2">
+            <a:extLst>
+              <a:ext uri="{FF2B5EF4-FFF2-40B4-BE49-F238E27FC236}">
+                <a16:creationId xmlns:a16="http://schemas.microsoft.com/office/drawing/2014/main" id="{301FF36F-42B1-477E-9A96-DD7339575216}"/>
+              </a:ext>
+            </a:extLst>
+          </p:cNvPr>
+          <p:cNvSpPr>
+            <a:spLocks noGrp="1"/>
+          </p:cNvSpPr>
+          <p:nvPr>
+            <p:ph sz="quarter" idx="13"/>
+          </p:nvPr>
+        </p:nvSpPr>
+        <p:spPr/>
+        <p:txBody>
+          <a:bodyPr/>
+          <a:lstStyle/>
+          <a:p>
+            <a:r>
+              <a:rPr lang="uk-UA" dirty="0"/>
+              <a:t>Вдалося отримати результати моделей і знайти найкращу</a:t>
+            </a:r>
+          </a:p>
+          <a:p>
+            <a:r>
+              <a:rPr lang="ru-RU" dirty="0" err="1"/>
+              <a:t>Результати</a:t>
+            </a:r>
+            <a:r>
+              <a:rPr lang="ru-RU" dirty="0"/>
+              <a:t> </a:t>
+            </a:r>
+            <a:r>
+              <a:rPr lang="ru-RU" dirty="0" err="1"/>
+              <a:t>дослідження</a:t>
+            </a:r>
+            <a:r>
+              <a:rPr lang="ru-RU" dirty="0"/>
+              <a:t> </a:t>
+            </a:r>
+            <a:r>
+              <a:rPr lang="ru-RU" dirty="0" err="1"/>
+              <a:t>можуть</a:t>
+            </a:r>
+            <a:r>
+              <a:rPr lang="ru-RU" dirty="0"/>
+              <a:t> бути </a:t>
+            </a:r>
+            <a:r>
+              <a:rPr lang="ru-RU" dirty="0" err="1"/>
+              <a:t>використані</a:t>
+            </a:r>
+            <a:r>
+              <a:rPr lang="ru-RU" dirty="0"/>
+              <a:t> на </a:t>
+            </a:r>
+            <a:r>
+              <a:rPr lang="ru-RU" dirty="0" err="1"/>
+              <a:t>практиці</a:t>
+            </a:r>
+            <a:endParaRPr lang="ru-RU" dirty="0"/>
+          </a:p>
+          <a:p>
+            <a:endParaRPr lang="uk-UA" dirty="0"/>
+          </a:p>
+        </p:txBody>
+      </p:sp>
+    </p:spTree>
+    <p:extLst>
+      <p:ext uri="{BB962C8B-B14F-4D97-AF65-F5344CB8AC3E}">
+        <p14:creationId xmlns:p14="http://schemas.microsoft.com/office/powerpoint/2010/main" val="1042917486"/>
+      </p:ext>
+    </p:extLst>
+  </p:cSld>
+  <p:clrMapOvr>
+    <a:masterClrMapping/>
+  </p:clrMapOvr>
+</p:sld>
+</file>
+
 <file path=ppt/slides/slide2.xml><?xml version="1.0" encoding="utf-8"?>
+<p:sld xmlns:a="http://schemas.openxmlformats.org/drawingml/2006/main" xmlns:r="http://schemas.openxmlformats.org/officeDocument/2006/relationships" xmlns:p="http://schemas.openxmlformats.org/presentationml/2006/main">
+  <p:cSld>
+    <p:spTree>
+      <p:nvGrpSpPr>
+        <p:cNvPr id="1" name=""/>
+        <p:cNvGrpSpPr/>
+        <p:nvPr/>
+      </p:nvGrpSpPr>
+      <p:grpSpPr>
+        <a:xfrm>
+          <a:off x="0" y="0"/>
+          <a:ext cx="0" cy="0"/>
+          <a:chOff x="0" y="0"/>
+          <a:chExt cx="0" cy="0"/>
+        </a:xfrm>
+      </p:grpSpPr>
+      <p:sp>
+        <p:nvSpPr>
+          <p:cNvPr id="2" name="Заголовок 1">
+            <a:extLst>
+              <a:ext uri="{FF2B5EF4-FFF2-40B4-BE49-F238E27FC236}">
+                <a16:creationId xmlns:a16="http://schemas.microsoft.com/office/drawing/2014/main" id="{1F6FDF6C-2B88-427B-9157-95E1DCD5125C}"/>
+              </a:ext>
+            </a:extLst>
+          </p:cNvPr>
+          <p:cNvSpPr>
+            <a:spLocks noGrp="1"/>
+          </p:cNvSpPr>
+          <p:nvPr>
+            <p:ph type="title"/>
+          </p:nvPr>
+        </p:nvSpPr>
+        <p:spPr/>
+        <p:txBody>
+          <a:bodyPr/>
+          <a:lstStyle/>
+          <a:p>
+            <a:r>
+              <a:rPr lang="uk-UA" dirty="0"/>
+              <a:t>Актуальність роботи</a:t>
+            </a:r>
+          </a:p>
+        </p:txBody>
+      </p:sp>
+      <p:sp>
+        <p:nvSpPr>
+          <p:cNvPr id="3" name="Місце для вмісту 2">
+            <a:extLst>
+              <a:ext uri="{FF2B5EF4-FFF2-40B4-BE49-F238E27FC236}">
+                <a16:creationId xmlns:a16="http://schemas.microsoft.com/office/drawing/2014/main" id="{7A00F491-A13C-4142-9DB9-AA3633C0E638}"/>
+              </a:ext>
+            </a:extLst>
+          </p:cNvPr>
+          <p:cNvSpPr>
+            <a:spLocks noGrp="1"/>
+          </p:cNvSpPr>
+          <p:nvPr>
+            <p:ph sz="quarter" idx="13"/>
+          </p:nvPr>
+        </p:nvSpPr>
+        <p:spPr>
+          <a:xfrm>
+            <a:off x="549442" y="1566091"/>
+            <a:ext cx="10394707" cy="3311189"/>
+          </a:xfrm>
+        </p:spPr>
+        <p:txBody>
+          <a:bodyPr/>
+          <a:lstStyle/>
+          <a:p>
+            <a:r>
+              <a:rPr lang="uk-UA" dirty="0"/>
+              <a:t>Ріст впливу </a:t>
+            </a:r>
+            <a:r>
+              <a:rPr lang="uk-UA" dirty="0" err="1"/>
+              <a:t>криптовалютного</a:t>
+            </a:r>
+            <a:r>
+              <a:rPr lang="uk-UA" dirty="0"/>
+              <a:t> ринку</a:t>
+            </a:r>
+          </a:p>
+          <a:p>
+            <a:r>
+              <a:rPr lang="uk-UA" dirty="0"/>
+              <a:t>Робота з великими обсягами даних</a:t>
+            </a:r>
+          </a:p>
+          <a:p>
+            <a:r>
+              <a:rPr lang="uk-UA" dirty="0"/>
+              <a:t>Аналіз інформації</a:t>
+            </a:r>
+          </a:p>
+        </p:txBody>
+      </p:sp>
+    </p:spTree>
+    <p:extLst>
+      <p:ext uri="{BB962C8B-B14F-4D97-AF65-F5344CB8AC3E}">
+        <p14:creationId xmlns:p14="http://schemas.microsoft.com/office/powerpoint/2010/main" val="3787080266"/>
+      </p:ext>
+    </p:extLst>
+  </p:cSld>
+  <p:clrMapOvr>
+    <a:masterClrMapping/>
+  </p:clrMapOvr>
+</p:sld>
+</file>
+
+<file path=ppt/slides/slide3.xml><?xml version="1.0" encoding="utf-8"?>
 <p:sld xmlns:a="http://schemas.openxmlformats.org/drawingml/2006/main" xmlns:r="http://schemas.openxmlformats.org/officeDocument/2006/relationships" xmlns:p="http://schemas.openxmlformats.org/presentationml/2006/main">
   <p:cSld>
     <p:spTree>
@@ -7081,7 +7480,7 @@
 </p:sld>
 </file>
 
-<file path=ppt/slides/slide3.xml><?xml version="1.0" encoding="utf-8"?>
+<file path=ppt/slides/slide4.xml><?xml version="1.0" encoding="utf-8"?>
 <p:sld xmlns:a="http://schemas.openxmlformats.org/drawingml/2006/main" xmlns:r="http://schemas.openxmlformats.org/officeDocument/2006/relationships" xmlns:p="http://schemas.openxmlformats.org/presentationml/2006/main">
   <p:cSld>
     <p:spTree>
@@ -7180,7 +7579,7 @@
         <p:spPr>
           <a:xfrm>
             <a:off x="5823284" y="3814296"/>
-            <a:ext cx="3088106" cy="954107"/>
+            <a:ext cx="3088106" cy="523220"/>
           </a:xfrm>
           <a:prstGeom prst="rect">
             <a:avLst/>
@@ -7198,17 +7597,6 @@
               <a:t>CNN</a:t>
             </a:r>
             <a:endParaRPr lang="uk-UA" sz="2800" dirty="0"/>
-          </a:p>
-          <a:p>
-            <a:r>
-              <a:rPr lang="en-US" sz="2800" dirty="0"/>
-              <a:t>(</a:t>
-            </a:r>
-            <a:r>
-              <a:rPr lang="uk-UA" sz="2800" dirty="0"/>
-              <a:t>планується)</a:t>
-            </a:r>
-            <a:endParaRPr lang="en-US" sz="2800" dirty="0"/>
           </a:p>
         </p:txBody>
       </p:sp>
@@ -7277,11 +7665,15 @@
           <a:p>
             <a:r>
               <a:rPr lang="en-US" sz="2800" dirty="0"/>
-              <a:t>Transformer (</a:t>
+              <a:t>Transformer</a:t>
             </a:r>
             <a:r>
               <a:rPr lang="uk-UA" sz="2800" dirty="0"/>
-              <a:t>планується)</a:t>
+              <a:t> (</a:t>
+            </a:r>
+            <a:r>
+              <a:rPr lang="en-IN" sz="2800" dirty="0"/>
+              <a:t>Informer)</a:t>
             </a:r>
             <a:endParaRPr lang="en-US" sz="2800" dirty="0"/>
           </a:p>
@@ -7302,7 +7694,7 @@
         <p:spPr>
           <a:xfrm>
             <a:off x="5823284" y="2450634"/>
-            <a:ext cx="3088106" cy="954107"/>
+            <a:ext cx="3088106" cy="523220"/>
           </a:xfrm>
           <a:prstGeom prst="rect">
             <a:avLst/>
@@ -7320,17 +7712,6 @@
               <a:t>LSTM</a:t>
             </a:r>
             <a:endParaRPr lang="uk-UA" sz="2800" dirty="0"/>
-          </a:p>
-          <a:p>
-            <a:r>
-              <a:rPr lang="en-US" sz="2800" dirty="0"/>
-              <a:t>(</a:t>
-            </a:r>
-            <a:r>
-              <a:rPr lang="uk-UA" sz="2800" dirty="0"/>
-              <a:t>планується)</a:t>
-            </a:r>
-            <a:endParaRPr lang="en-US" sz="2800" dirty="0"/>
           </a:p>
         </p:txBody>
       </p:sp>
@@ -7347,7 +7728,7 @@
 </p:sld>
 </file>
 
-<file path=ppt/slides/slide4.xml><?xml version="1.0" encoding="utf-8"?>
+<file path=ppt/slides/slide5.xml><?xml version="1.0" encoding="utf-8"?>
 <p:sld xmlns:a="http://schemas.openxmlformats.org/drawingml/2006/main" xmlns:r="http://schemas.openxmlformats.org/officeDocument/2006/relationships" xmlns:p="http://schemas.openxmlformats.org/presentationml/2006/main">
   <p:cSld>
     <p:spTree>
@@ -7709,7 +8090,243 @@
 </p:sld>
 </file>
 
-<file path=ppt/slides/slide5.xml><?xml version="1.0" encoding="utf-8"?>
+<file path=ppt/slides/slide6.xml><?xml version="1.0" encoding="utf-8"?>
+<p:sld xmlns:a="http://schemas.openxmlformats.org/drawingml/2006/main" xmlns:r="http://schemas.openxmlformats.org/officeDocument/2006/relationships" xmlns:p="http://schemas.openxmlformats.org/presentationml/2006/main">
+  <p:cSld>
+    <p:spTree>
+      <p:nvGrpSpPr>
+        <p:cNvPr id="1" name=""/>
+        <p:cNvGrpSpPr/>
+        <p:nvPr/>
+      </p:nvGrpSpPr>
+      <p:grpSpPr>
+        <a:xfrm>
+          <a:off x="0" y="0"/>
+          <a:ext cx="0" cy="0"/>
+          <a:chOff x="0" y="0"/>
+          <a:chExt cx="0" cy="0"/>
+        </a:xfrm>
+      </p:grpSpPr>
+      <p:sp>
+        <p:nvSpPr>
+          <p:cNvPr id="2" name="Заголовок 1">
+            <a:extLst>
+              <a:ext uri="{FF2B5EF4-FFF2-40B4-BE49-F238E27FC236}">
+                <a16:creationId xmlns:a16="http://schemas.microsoft.com/office/drawing/2014/main" id="{86079209-E149-4BE1-BF17-78A3FDBAD5F8}"/>
+              </a:ext>
+            </a:extLst>
+          </p:cNvPr>
+          <p:cNvSpPr>
+            <a:spLocks noGrp="1"/>
+          </p:cNvSpPr>
+          <p:nvPr>
+            <p:ph type="title"/>
+          </p:nvPr>
+        </p:nvSpPr>
+        <p:spPr/>
+        <p:txBody>
+          <a:bodyPr/>
+          <a:lstStyle/>
+          <a:p>
+            <a:r>
+              <a:rPr lang="uk-UA" dirty="0"/>
+              <a:t>Вибір даних</a:t>
+            </a:r>
+          </a:p>
+        </p:txBody>
+      </p:sp>
+      <p:pic>
+        <p:nvPicPr>
+          <p:cNvPr id="5" name="Місце для вмісту 4">
+            <a:extLst>
+              <a:ext uri="{FF2B5EF4-FFF2-40B4-BE49-F238E27FC236}">
+                <a16:creationId xmlns:a16="http://schemas.microsoft.com/office/drawing/2014/main" id="{2D45349C-7D9D-4B39-8DDC-480019EDF141}"/>
+              </a:ext>
+            </a:extLst>
+          </p:cNvPr>
+          <p:cNvPicPr>
+            <a:picLocks noGrp="1" noChangeAspect="1"/>
+          </p:cNvPicPr>
+          <p:nvPr>
+            <p:ph idx="1"/>
+          </p:nvPr>
+        </p:nvPicPr>
+        <p:blipFill>
+          <a:blip r:embed="rId2"/>
+          <a:stretch>
+            <a:fillRect/>
+          </a:stretch>
+        </p:blipFill>
+        <p:spPr>
+          <a:xfrm>
+            <a:off x="3905206" y="1837765"/>
+            <a:ext cx="6684883" cy="3311525"/>
+          </a:xfrm>
+        </p:spPr>
+      </p:pic>
+      <p:sp>
+        <p:nvSpPr>
+          <p:cNvPr id="6" name="TextBox 5">
+            <a:extLst>
+              <a:ext uri="{FF2B5EF4-FFF2-40B4-BE49-F238E27FC236}">
+                <a16:creationId xmlns:a16="http://schemas.microsoft.com/office/drawing/2014/main" id="{7B3BD7ED-8E8C-4465-9CFA-368A444C4508}"/>
+              </a:ext>
+            </a:extLst>
+          </p:cNvPr>
+          <p:cNvSpPr txBox="1"/>
+          <p:nvPr/>
+        </p:nvSpPr>
+        <p:spPr>
+          <a:xfrm>
+            <a:off x="505326" y="2318084"/>
+            <a:ext cx="3080085" cy="646331"/>
+          </a:xfrm>
+          <a:prstGeom prst="rect">
+            <a:avLst/>
+          </a:prstGeom>
+          <a:noFill/>
+        </p:spPr>
+        <p:txBody>
+          <a:bodyPr wrap="square" rtlCol="0">
+            <a:spAutoFit/>
+          </a:bodyPr>
+          <a:lstStyle/>
+          <a:p>
+            <a:r>
+              <a:rPr lang="uk-UA" dirty="0"/>
+              <a:t>Дані було взято з сайту </a:t>
+            </a:r>
+            <a:r>
+              <a:rPr lang="en-IN" dirty="0"/>
+              <a:t>coin market cap</a:t>
+            </a:r>
+            <a:endParaRPr lang="uk-UA" dirty="0"/>
+          </a:p>
+        </p:txBody>
+      </p:sp>
+    </p:spTree>
+    <p:extLst>
+      <p:ext uri="{BB962C8B-B14F-4D97-AF65-F5344CB8AC3E}">
+        <p14:creationId xmlns:p14="http://schemas.microsoft.com/office/powerpoint/2010/main" val="4270665429"/>
+      </p:ext>
+    </p:extLst>
+  </p:cSld>
+  <p:clrMapOvr>
+    <a:masterClrMapping/>
+  </p:clrMapOvr>
+</p:sld>
+</file>
+
+<file path=ppt/slides/slide7.xml><?xml version="1.0" encoding="utf-8"?>
+<p:sld xmlns:a="http://schemas.openxmlformats.org/drawingml/2006/main" xmlns:r="http://schemas.openxmlformats.org/officeDocument/2006/relationships" xmlns:p="http://schemas.openxmlformats.org/presentationml/2006/main">
+  <p:cSld>
+    <p:spTree>
+      <p:nvGrpSpPr>
+        <p:cNvPr id="1" name=""/>
+        <p:cNvGrpSpPr/>
+        <p:nvPr/>
+      </p:nvGrpSpPr>
+      <p:grpSpPr>
+        <a:xfrm>
+          <a:off x="0" y="0"/>
+          <a:ext cx="0" cy="0"/>
+          <a:chOff x="0" y="0"/>
+          <a:chExt cx="0" cy="0"/>
+        </a:xfrm>
+      </p:grpSpPr>
+      <p:sp>
+        <p:nvSpPr>
+          <p:cNvPr id="2" name="Заголовок 1">
+            <a:extLst>
+              <a:ext uri="{FF2B5EF4-FFF2-40B4-BE49-F238E27FC236}">
+                <a16:creationId xmlns:a16="http://schemas.microsoft.com/office/drawing/2014/main" id="{3A66F57E-6E09-400D-B86F-0D486B4DDC3E}"/>
+              </a:ext>
+            </a:extLst>
+          </p:cNvPr>
+          <p:cNvSpPr>
+            <a:spLocks noGrp="1"/>
+          </p:cNvSpPr>
+          <p:nvPr>
+            <p:ph type="title"/>
+          </p:nvPr>
+        </p:nvSpPr>
+        <p:spPr/>
+        <p:txBody>
+          <a:bodyPr/>
+          <a:lstStyle/>
+          <a:p>
+            <a:r>
+              <a:rPr lang="uk-UA" dirty="0"/>
+              <a:t>Обробка даних</a:t>
+            </a:r>
+          </a:p>
+        </p:txBody>
+      </p:sp>
+      <p:sp>
+        <p:nvSpPr>
+          <p:cNvPr id="3" name="Місце для вмісту 2">
+            <a:extLst>
+              <a:ext uri="{FF2B5EF4-FFF2-40B4-BE49-F238E27FC236}">
+                <a16:creationId xmlns:a16="http://schemas.microsoft.com/office/drawing/2014/main" id="{638D9BEB-A26B-4155-AE3E-E79BCC79CB8D}"/>
+              </a:ext>
+            </a:extLst>
+          </p:cNvPr>
+          <p:cNvSpPr>
+            <a:spLocks noGrp="1"/>
+          </p:cNvSpPr>
+          <p:nvPr>
+            <p:ph idx="1"/>
+          </p:nvPr>
+        </p:nvSpPr>
+        <p:spPr>
+          <a:xfrm>
+            <a:off x="397042" y="1709047"/>
+            <a:ext cx="10396883" cy="3311189"/>
+          </a:xfrm>
+        </p:spPr>
+        <p:txBody>
+          <a:bodyPr/>
+          <a:lstStyle/>
+          <a:p>
+            <a:r>
+              <a:rPr lang="uk-UA" dirty="0"/>
+              <a:t>Заповнення пустих даних</a:t>
+            </a:r>
+          </a:p>
+          <a:p>
+            <a:r>
+              <a:rPr lang="uk-UA" dirty="0"/>
+              <a:t>Переведення часових даних</a:t>
+            </a:r>
+          </a:p>
+          <a:p>
+            <a:r>
+              <a:rPr lang="uk-UA" dirty="0"/>
+              <a:t>Масштабування даних</a:t>
+            </a:r>
+          </a:p>
+          <a:p>
+            <a:r>
+              <a:rPr lang="uk-UA" dirty="0"/>
+              <a:t>Переведення вибірки в тензори</a:t>
+            </a:r>
+          </a:p>
+        </p:txBody>
+      </p:sp>
+    </p:spTree>
+    <p:extLst>
+      <p:ext uri="{BB962C8B-B14F-4D97-AF65-F5344CB8AC3E}">
+        <p14:creationId xmlns:p14="http://schemas.microsoft.com/office/powerpoint/2010/main" val="722997937"/>
+      </p:ext>
+    </p:extLst>
+  </p:cSld>
+  <p:clrMapOvr>
+    <a:masterClrMapping/>
+  </p:clrMapOvr>
+</p:sld>
+</file>
+
+<file path=ppt/slides/slide8.xml><?xml version="1.0" encoding="utf-8"?>
 <p:sld xmlns:a="http://schemas.openxmlformats.org/drawingml/2006/main" xmlns:r="http://schemas.openxmlformats.org/officeDocument/2006/relationships" xmlns:p="http://schemas.openxmlformats.org/presentationml/2006/main">
   <p:cSld>
     <p:spTree>
@@ -9231,7 +9848,7 @@
 </p:sld>
 </file>
 
-<file path=ppt/slides/slide6.xml><?xml version="1.0" encoding="utf-8"?>
+<file path=ppt/slides/slide9.xml><?xml version="1.0" encoding="utf-8"?>
 <p:sld xmlns:a="http://schemas.openxmlformats.org/drawingml/2006/main" xmlns:r="http://schemas.openxmlformats.org/officeDocument/2006/relationships" xmlns:p="http://schemas.openxmlformats.org/presentationml/2006/main">
   <p:cSld>
     <p:spTree>
@@ -9253,7 +9870,7 @@
           <p:cNvPr id="2" name="Заголовок 1">
             <a:extLst>
               <a:ext uri="{FF2B5EF4-FFF2-40B4-BE49-F238E27FC236}">
-                <a16:creationId xmlns:a16="http://schemas.microsoft.com/office/drawing/2014/main" id="{395C006F-EA03-434A-ADE8-051C019F853D}"/>
+                <a16:creationId xmlns:a16="http://schemas.microsoft.com/office/drawing/2014/main" id="{0BDF8E50-9F6D-497C-92A8-6F21EF5474A6}"/>
               </a:ext>
             </a:extLst>
           </p:cNvPr>
@@ -9264,59 +9881,40 @@
             <p:ph type="title"/>
           </p:nvPr>
         </p:nvSpPr>
-        <p:spPr/>
-        <p:txBody>
-          <a:bodyPr/>
+        <p:spPr>
+          <a:xfrm>
+            <a:off x="685801" y="685800"/>
+            <a:ext cx="3805988" cy="1151965"/>
+          </a:xfrm>
+        </p:spPr>
+        <p:txBody>
+          <a:bodyPr>
+            <a:normAutofit fontScale="90000"/>
+          </a:bodyPr>
           <a:lstStyle/>
           <a:p>
             <a:r>
               <a:rPr lang="uk-UA" dirty="0"/>
-              <a:t>✅ Результати:</a:t>
-            </a:r>
-          </a:p>
-        </p:txBody>
-      </p:sp>
-      <p:sp>
-        <p:nvSpPr>
-          <p:cNvPr id="3" name="Місце для вмісту 2">
+              <a:t>Аналіз передбачень моделі</a:t>
+            </a:r>
+          </a:p>
+        </p:txBody>
+      </p:sp>
+      <p:pic>
+        <p:nvPicPr>
+          <p:cNvPr id="5" name="Місце для вмісту 4">
             <a:extLst>
               <a:ext uri="{FF2B5EF4-FFF2-40B4-BE49-F238E27FC236}">
-                <a16:creationId xmlns:a16="http://schemas.microsoft.com/office/drawing/2014/main" id="{45DD850B-2F1F-4D9D-A2DE-DFA4B64AF50E}"/>
-              </a:ext>
-            </a:extLst>
-          </p:cNvPr>
-          <p:cNvSpPr>
-            <a:spLocks noGrp="1"/>
-          </p:cNvSpPr>
-          <p:nvPr>
-            <p:ph sz="quarter" idx="13"/>
-          </p:nvPr>
-        </p:nvSpPr>
-        <p:spPr/>
-        <p:txBody>
-          <a:bodyPr/>
-          <a:lstStyle/>
-          <a:p>
-            <a:br>
-              <a:rPr lang="en-US" dirty="0"/>
-            </a:br>
-            <a:endParaRPr lang="uk-UA" dirty="0"/>
-          </a:p>
-        </p:txBody>
-      </p:sp>
-      <p:pic>
-        <p:nvPicPr>
-          <p:cNvPr id="5" name="Рисунок 4">
-            <a:extLst>
-              <a:ext uri="{FF2B5EF4-FFF2-40B4-BE49-F238E27FC236}">
-                <a16:creationId xmlns:a16="http://schemas.microsoft.com/office/drawing/2014/main" id="{7E1314BC-58C2-4EFC-9EBD-F743CAE4BF5B}"/>
+                <a16:creationId xmlns:a16="http://schemas.microsoft.com/office/drawing/2014/main" id="{B8DE392A-2A10-4CF0-A62B-E1099563A841}"/>
               </a:ext>
             </a:extLst>
           </p:cNvPr>
           <p:cNvPicPr>
-            <a:picLocks noChangeAspect="1"/>
+            <a:picLocks noGrp="1" noChangeAspect="1"/>
           </p:cNvPicPr>
-          <p:nvPr/>
+          <p:nvPr>
+            <p:ph idx="1"/>
+          </p:nvPr>
         </p:nvPicPr>
         <p:blipFill>
           <a:blip r:embed="rId2"/>
@@ -9326,237 +9924,15 @@
         </p:blipFill>
         <p:spPr>
           <a:xfrm>
-            <a:off x="685800" y="1939119"/>
-            <a:ext cx="4324954" cy="3172268"/>
+            <a:off x="4641232" y="242971"/>
+            <a:ext cx="6580220" cy="5265952"/>
           </a:xfrm>
-          <a:prstGeom prst="rect">
-            <a:avLst/>
-          </a:prstGeom>
-        </p:spPr>
-      </p:pic>
-      <p:pic>
-        <p:nvPicPr>
-          <p:cNvPr id="7" name="Рисунок 6">
-            <a:extLst>
-              <a:ext uri="{FF2B5EF4-FFF2-40B4-BE49-F238E27FC236}">
-                <a16:creationId xmlns:a16="http://schemas.microsoft.com/office/drawing/2014/main" id="{9AF82B54-4395-4FAF-BBCD-86C9A1612CF5}"/>
-              </a:ext>
-            </a:extLst>
-          </p:cNvPr>
-          <p:cNvPicPr>
-            <a:picLocks noChangeAspect="1"/>
-          </p:cNvPicPr>
-          <p:nvPr/>
-        </p:nvPicPr>
-        <p:blipFill>
-          <a:blip r:embed="rId3"/>
-          <a:stretch>
-            <a:fillRect/>
-          </a:stretch>
-        </p:blipFill>
-        <p:spPr>
-          <a:xfrm>
-            <a:off x="5747121" y="1706956"/>
-            <a:ext cx="5081300" cy="3858294"/>
-          </a:xfrm>
-          <a:prstGeom prst="rect">
-            <a:avLst/>
-          </a:prstGeom>
         </p:spPr>
       </p:pic>
     </p:spTree>
     <p:extLst>
       <p:ext uri="{BB962C8B-B14F-4D97-AF65-F5344CB8AC3E}">
-        <p14:creationId xmlns:p14="http://schemas.microsoft.com/office/powerpoint/2010/main" val="2266038934"/>
-      </p:ext>
-    </p:extLst>
-  </p:cSld>
-  <p:clrMapOvr>
-    <a:masterClrMapping/>
-  </p:clrMapOvr>
-</p:sld>
-</file>
-
-<file path=ppt/slides/slide7.xml><?xml version="1.0" encoding="utf-8"?>
-<p:sld xmlns:a="http://schemas.openxmlformats.org/drawingml/2006/main" xmlns:r="http://schemas.openxmlformats.org/officeDocument/2006/relationships" xmlns:p="http://schemas.openxmlformats.org/presentationml/2006/main">
-  <p:cSld>
-    <p:spTree>
-      <p:nvGrpSpPr>
-        <p:cNvPr id="1" name=""/>
-        <p:cNvGrpSpPr/>
-        <p:nvPr/>
-      </p:nvGrpSpPr>
-      <p:grpSpPr>
-        <a:xfrm>
-          <a:off x="0" y="0"/>
-          <a:ext cx="0" cy="0"/>
-          <a:chOff x="0" y="0"/>
-          <a:chExt cx="0" cy="0"/>
-        </a:xfrm>
-      </p:grpSpPr>
-      <p:sp>
-        <p:nvSpPr>
-          <p:cNvPr id="2" name="Заголовок 1">
-            <a:extLst>
-              <a:ext uri="{FF2B5EF4-FFF2-40B4-BE49-F238E27FC236}">
-                <a16:creationId xmlns:a16="http://schemas.microsoft.com/office/drawing/2014/main" id="{07521E52-9841-44BD-BBD1-84ECA2A3B8F1}"/>
-              </a:ext>
-            </a:extLst>
-          </p:cNvPr>
-          <p:cNvSpPr>
-            <a:spLocks noGrp="1"/>
-          </p:cNvSpPr>
-          <p:nvPr>
-            <p:ph type="title"/>
-          </p:nvPr>
-        </p:nvSpPr>
-        <p:spPr/>
-        <p:txBody>
-          <a:bodyPr/>
-          <a:lstStyle/>
-          <a:p>
-            <a:r>
-              <a:rPr lang="uk-UA" dirty="0"/>
-              <a:t>Як покращити роботу</a:t>
-            </a:r>
-          </a:p>
-        </p:txBody>
-      </p:sp>
-      <p:sp>
-        <p:nvSpPr>
-          <p:cNvPr id="3" name="Місце для вмісту 2">
-            <a:extLst>
-              <a:ext uri="{FF2B5EF4-FFF2-40B4-BE49-F238E27FC236}">
-                <a16:creationId xmlns:a16="http://schemas.microsoft.com/office/drawing/2014/main" id="{FED6B3FC-67AE-44D9-B550-47D1B4A0BE49}"/>
-              </a:ext>
-            </a:extLst>
-          </p:cNvPr>
-          <p:cNvSpPr>
-            <a:spLocks noGrp="1"/>
-          </p:cNvSpPr>
-          <p:nvPr>
-            <p:ph idx="1"/>
-          </p:nvPr>
-        </p:nvSpPr>
-        <p:spPr>
-          <a:xfrm>
-            <a:off x="685801" y="2173705"/>
-            <a:ext cx="6067926" cy="1396143"/>
-          </a:xfrm>
-        </p:spPr>
-        <p:txBody>
-          <a:bodyPr/>
-          <a:lstStyle/>
-          <a:p>
-            <a:r>
-              <a:rPr lang="uk-UA" dirty="0"/>
-              <a:t>Збільшити вибірку даних</a:t>
-            </a:r>
-          </a:p>
-          <a:p>
-            <a:r>
-              <a:rPr lang="uk-UA" dirty="0"/>
-              <a:t>Додати заплановані моделі, провести їх аналіз</a:t>
-            </a:r>
-          </a:p>
-        </p:txBody>
-      </p:sp>
-    </p:spTree>
-    <p:extLst>
-      <p:ext uri="{BB962C8B-B14F-4D97-AF65-F5344CB8AC3E}">
-        <p14:creationId xmlns:p14="http://schemas.microsoft.com/office/powerpoint/2010/main" val="1786517440"/>
-      </p:ext>
-    </p:extLst>
-  </p:cSld>
-  <p:clrMapOvr>
-    <a:masterClrMapping/>
-  </p:clrMapOvr>
-</p:sld>
-</file>
-
-<file path=ppt/slides/slide8.xml><?xml version="1.0" encoding="utf-8"?>
-<p:sld xmlns:a="http://schemas.openxmlformats.org/drawingml/2006/main" xmlns:r="http://schemas.openxmlformats.org/officeDocument/2006/relationships" xmlns:p="http://schemas.openxmlformats.org/presentationml/2006/main">
-  <p:cSld>
-    <p:spTree>
-      <p:nvGrpSpPr>
-        <p:cNvPr id="1" name=""/>
-        <p:cNvGrpSpPr/>
-        <p:nvPr/>
-      </p:nvGrpSpPr>
-      <p:grpSpPr>
-        <a:xfrm>
-          <a:off x="0" y="0"/>
-          <a:ext cx="0" cy="0"/>
-          <a:chOff x="0" y="0"/>
-          <a:chExt cx="0" cy="0"/>
-        </a:xfrm>
-      </p:grpSpPr>
-      <p:sp>
-        <p:nvSpPr>
-          <p:cNvPr id="2" name="Заголовок 1">
-            <a:extLst>
-              <a:ext uri="{FF2B5EF4-FFF2-40B4-BE49-F238E27FC236}">
-                <a16:creationId xmlns:a16="http://schemas.microsoft.com/office/drawing/2014/main" id="{42915B36-5B91-4593-81AC-4FC34DE7B4F3}"/>
-              </a:ext>
-            </a:extLst>
-          </p:cNvPr>
-          <p:cNvSpPr>
-            <a:spLocks noGrp="1"/>
-          </p:cNvSpPr>
-          <p:nvPr>
-            <p:ph type="title"/>
-          </p:nvPr>
-        </p:nvSpPr>
-        <p:spPr/>
-        <p:txBody>
-          <a:bodyPr/>
-          <a:lstStyle/>
-          <a:p>
-            <a:r>
-              <a:rPr lang="uk-UA" dirty="0"/>
-              <a:t>висновки</a:t>
-            </a:r>
-          </a:p>
-        </p:txBody>
-      </p:sp>
-      <p:sp>
-        <p:nvSpPr>
-          <p:cNvPr id="3" name="Місце для вмісту 2">
-            <a:extLst>
-              <a:ext uri="{FF2B5EF4-FFF2-40B4-BE49-F238E27FC236}">
-                <a16:creationId xmlns:a16="http://schemas.microsoft.com/office/drawing/2014/main" id="{312F6594-7F7F-40AB-98EE-D1A052ABBD78}"/>
-              </a:ext>
-            </a:extLst>
-          </p:cNvPr>
-          <p:cNvSpPr>
-            <a:spLocks noGrp="1"/>
-          </p:cNvSpPr>
-          <p:nvPr>
-            <p:ph idx="1"/>
-          </p:nvPr>
-        </p:nvSpPr>
-        <p:spPr/>
-        <p:txBody>
-          <a:bodyPr/>
-          <a:lstStyle/>
-          <a:p>
-            <a:r>
-              <a:rPr lang="uk-UA" dirty="0"/>
-              <a:t>Модель видала досить не поганий результат, враховуючи малу кількість навчальних даних</a:t>
-            </a:r>
-          </a:p>
-          <a:p>
-            <a:r>
-              <a:rPr lang="uk-UA" dirty="0"/>
-              <a:t>Ця робота в перспективі може використатись для прогнозування часових рядів. Що може бути корисним, для людей які працюють в арбітражі</a:t>
-            </a:r>
-          </a:p>
-        </p:txBody>
-      </p:sp>
-    </p:spTree>
-    <p:extLst>
-      <p:ext uri="{BB962C8B-B14F-4D97-AF65-F5344CB8AC3E}">
-        <p14:creationId xmlns:p14="http://schemas.microsoft.com/office/powerpoint/2010/main" val="3428357975"/>
+        <p14:creationId xmlns:p14="http://schemas.microsoft.com/office/powerpoint/2010/main" val="4064869981"/>
       </p:ext>
     </p:extLst>
   </p:cSld>
